--- a/Data_Summary.pptx
+++ b/Data_Summary.pptx
@@ -6,6 +6,7 @@
   </p:sldMasterIdLst>
   <p:sldIdLst>
     <p:sldId id="256" r:id="rId2"/>
+    <p:sldId id="257" r:id="rId3"/>
   </p:sldIdLst>
   <p:sldSz cx="12192000" cy="6858000"/>
   <p:notesSz cx="6858000" cy="9144000"/>
@@ -104,6 +105,11 @@
       </a:defRPr>
     </a:lvl9pPr>
   </p:defaultTextStyle>
+  <p:extLst>
+    <p:ext uri="{EFAFB233-063F-42B5-8137-9DF3F51BA10A}">
+      <p15:sldGuideLst xmlns:p15="http://schemas.microsoft.com/office/powerpoint/2012/main"/>
+    </p:ext>
+  </p:extLst>
 </p:presentation>
 </file>
 
@@ -3411,6 +3417,195 @@
 </p:sld>
 </file>
 
+<file path=ppt/slides/slide2.xml><?xml version="1.0" encoding="utf-8"?>
+<p:sld xmlns:a="http://schemas.openxmlformats.org/drawingml/2006/main" xmlns:r="http://schemas.openxmlformats.org/officeDocument/2006/relationships" xmlns:p="http://schemas.openxmlformats.org/presentationml/2006/main">
+  <p:cSld>
+    <p:spTree>
+      <p:nvGrpSpPr>
+        <p:cNvPr id="1" name=""/>
+        <p:cNvGrpSpPr/>
+        <p:nvPr/>
+      </p:nvGrpSpPr>
+      <p:grpSpPr>
+        <a:xfrm>
+          <a:off x="0" y="0"/>
+          <a:ext cx="0" cy="0"/>
+          <a:chOff x="0" y="0"/>
+          <a:chExt cx="0" cy="0"/>
+        </a:xfrm>
+      </p:grpSpPr>
+      <p:sp>
+        <p:nvSpPr>
+          <p:cNvPr id="2" name="Title 1">
+            <a:extLst>
+              <a:ext uri="{FF2B5EF4-FFF2-40B4-BE49-F238E27FC236}">
+                <a16:creationId xmlns:a16="http://schemas.microsoft.com/office/drawing/2014/main" id="{6480FB91-099A-4D54-B87A-E0E3056593EB}"/>
+              </a:ext>
+            </a:extLst>
+          </p:cNvPr>
+          <p:cNvSpPr>
+            <a:spLocks noGrp="1"/>
+          </p:cNvSpPr>
+          <p:nvPr>
+            <p:ph type="title"/>
+          </p:nvPr>
+        </p:nvSpPr>
+        <p:spPr/>
+        <p:txBody>
+          <a:bodyPr/>
+          <a:lstStyle/>
+          <a:p>
+            <a:r>
+              <a:rPr lang="en-GB" dirty="0"/>
+              <a:t>Data – First Impressions</a:t>
+            </a:r>
+          </a:p>
+        </p:txBody>
+      </p:sp>
+      <p:sp>
+        <p:nvSpPr>
+          <p:cNvPr id="3" name="Content Placeholder 2">
+            <a:extLst>
+              <a:ext uri="{FF2B5EF4-FFF2-40B4-BE49-F238E27FC236}">
+                <a16:creationId xmlns:a16="http://schemas.microsoft.com/office/drawing/2014/main" id="{04FE3E25-AC77-495B-9444-EA9667F9129E}"/>
+              </a:ext>
+            </a:extLst>
+          </p:cNvPr>
+          <p:cNvSpPr>
+            <a:spLocks noGrp="1"/>
+          </p:cNvSpPr>
+          <p:nvPr>
+            <p:ph idx="1"/>
+          </p:nvPr>
+        </p:nvSpPr>
+        <p:spPr>
+          <a:xfrm>
+            <a:off x="838200" y="1825625"/>
+            <a:ext cx="8664559" cy="4351338"/>
+          </a:xfrm>
+        </p:spPr>
+        <p:txBody>
+          <a:bodyPr/>
+          <a:lstStyle/>
+          <a:p>
+            <a:r>
+              <a:rPr lang="en-GB" dirty="0"/>
+              <a:t>260 Data Points</a:t>
+            </a:r>
+          </a:p>
+          <a:p>
+            <a:r>
+              <a:rPr lang="en-GB" dirty="0"/>
+              <a:t>15 different data attributes </a:t>
+            </a:r>
+          </a:p>
+          <a:p>
+            <a:r>
+              <a:rPr lang="en-GB" dirty="0"/>
+              <a:t>11 (maybe 12) different locations</a:t>
+            </a:r>
+          </a:p>
+          <a:p>
+            <a:r>
+              <a:rPr lang="en-GB" dirty="0"/>
+              <a:t>Minimum Distance: 0.52km</a:t>
+            </a:r>
+          </a:p>
+          <a:p>
+            <a:r>
+              <a:rPr lang="en-GB" dirty="0"/>
+              <a:t>Max Distance: 13.82km  :O</a:t>
+            </a:r>
+          </a:p>
+          <a:p>
+            <a:r>
+              <a:rPr lang="en-GB"/>
+              <a:t>Dates: 03/12/2017 – 30/07/2019</a:t>
+            </a:r>
+            <a:endParaRPr lang="en-GB" dirty="0"/>
+          </a:p>
+          <a:p>
+            <a:endParaRPr lang="en-GB" dirty="0"/>
+          </a:p>
+        </p:txBody>
+      </p:sp>
+      <p:pic>
+        <p:nvPicPr>
+          <p:cNvPr id="4" name="Picture 3">
+            <a:extLst>
+              <a:ext uri="{FF2B5EF4-FFF2-40B4-BE49-F238E27FC236}">
+                <a16:creationId xmlns:a16="http://schemas.microsoft.com/office/drawing/2014/main" id="{219E022A-5CBD-4579-891B-5A96A2DC8CB4}"/>
+              </a:ext>
+            </a:extLst>
+          </p:cNvPr>
+          <p:cNvPicPr>
+            <a:picLocks noChangeAspect="1"/>
+          </p:cNvPicPr>
+          <p:nvPr/>
+        </p:nvPicPr>
+        <p:blipFill rotWithShape="1">
+          <a:blip r:embed="rId2"/>
+          <a:srcRect t="4178" r="39572"/>
+          <a:stretch/>
+        </p:blipFill>
+        <p:spPr>
+          <a:xfrm>
+            <a:off x="9678929" y="1027906"/>
+            <a:ext cx="2141158" cy="5284532"/>
+          </a:xfrm>
+          <a:prstGeom prst="rect">
+            <a:avLst/>
+          </a:prstGeom>
+        </p:spPr>
+      </p:pic>
+      <p:sp>
+        <p:nvSpPr>
+          <p:cNvPr id="5" name="TextBox 4">
+            <a:extLst>
+              <a:ext uri="{FF2B5EF4-FFF2-40B4-BE49-F238E27FC236}">
+                <a16:creationId xmlns:a16="http://schemas.microsoft.com/office/drawing/2014/main" id="{08CC70BD-552D-4927-B286-BE053E00677E}"/>
+              </a:ext>
+            </a:extLst>
+          </p:cNvPr>
+          <p:cNvSpPr txBox="1"/>
+          <p:nvPr/>
+        </p:nvSpPr>
+        <p:spPr>
+          <a:xfrm>
+            <a:off x="9754430" y="504686"/>
+            <a:ext cx="2250216" cy="523220"/>
+          </a:xfrm>
+          <a:prstGeom prst="rect">
+            <a:avLst/>
+          </a:prstGeom>
+          <a:noFill/>
+        </p:spPr>
+        <p:txBody>
+          <a:bodyPr wrap="square" rtlCol="0">
+            <a:spAutoFit/>
+          </a:bodyPr>
+          <a:lstStyle/>
+          <a:p>
+            <a:r>
+              <a:rPr lang="en-GB" sz="2800" dirty="0"/>
+              <a:t>Attributes</a:t>
+            </a:r>
+          </a:p>
+        </p:txBody>
+      </p:sp>
+    </p:spTree>
+    <p:extLst>
+      <p:ext uri="{BB962C8B-B14F-4D97-AF65-F5344CB8AC3E}">
+        <p14:creationId xmlns:p14="http://schemas.microsoft.com/office/powerpoint/2010/main" val="3391182616"/>
+      </p:ext>
+    </p:extLst>
+  </p:cSld>
+  <p:clrMapOvr>
+    <a:masterClrMapping/>
+  </p:clrMapOvr>
+</p:sld>
+</file>
+
 <file path=ppt/theme/theme1.xml><?xml version="1.0" encoding="utf-8"?>
 <a:theme xmlns:a="http://schemas.openxmlformats.org/drawingml/2006/main" name="Office Theme">
   <a:themeElements>

--- a/Data_Summary.pptx
+++ b/Data_Summary.pptx
@@ -6,7 +6,21 @@
   </p:sldMasterIdLst>
   <p:sldIdLst>
     <p:sldId id="256" r:id="rId2"/>
-    <p:sldId id="257" r:id="rId3"/>
+    <p:sldId id="259" r:id="rId3"/>
+    <p:sldId id="260" r:id="rId4"/>
+    <p:sldId id="261" r:id="rId5"/>
+    <p:sldId id="257" r:id="rId6"/>
+    <p:sldId id="258" r:id="rId7"/>
+    <p:sldId id="262" r:id="rId8"/>
+    <p:sldId id="264" r:id="rId9"/>
+    <p:sldId id="265" r:id="rId10"/>
+    <p:sldId id="267" r:id="rId11"/>
+    <p:sldId id="266" r:id="rId12"/>
+    <p:sldId id="268" r:id="rId13"/>
+    <p:sldId id="263" r:id="rId14"/>
+    <p:sldId id="269" r:id="rId15"/>
+    <p:sldId id="270" r:id="rId16"/>
+    <p:sldId id="271" r:id="rId17"/>
   </p:sldIdLst>
   <p:sldSz cx="12192000" cy="6858000"/>
   <p:notesSz cx="6858000" cy="9144000"/>
@@ -3417,6 +3431,1255 @@
 </p:sld>
 </file>
 
+<file path=ppt/slides/slide10.xml><?xml version="1.0" encoding="utf-8"?>
+<p:sld xmlns:a="http://schemas.openxmlformats.org/drawingml/2006/main" xmlns:r="http://schemas.openxmlformats.org/officeDocument/2006/relationships" xmlns:p="http://schemas.openxmlformats.org/presentationml/2006/main">
+  <p:cSld>
+    <p:spTree>
+      <p:nvGrpSpPr>
+        <p:cNvPr id="1" name=""/>
+        <p:cNvGrpSpPr/>
+        <p:nvPr/>
+      </p:nvGrpSpPr>
+      <p:grpSpPr>
+        <a:xfrm>
+          <a:off x="0" y="0"/>
+          <a:ext cx="0" cy="0"/>
+          <a:chOff x="0" y="0"/>
+          <a:chExt cx="0" cy="0"/>
+        </a:xfrm>
+      </p:grpSpPr>
+      <p:pic>
+        <p:nvPicPr>
+          <p:cNvPr id="7" name="Picture 6" descr="A screenshot of a social media post&#10;&#10;Description automatically generated">
+            <a:extLst>
+              <a:ext uri="{FF2B5EF4-FFF2-40B4-BE49-F238E27FC236}">
+                <a16:creationId xmlns:a16="http://schemas.microsoft.com/office/drawing/2014/main" id="{5861CA30-3FA2-4EC2-8604-83F1A02EF719}"/>
+              </a:ext>
+            </a:extLst>
+          </p:cNvPr>
+          <p:cNvPicPr>
+            <a:picLocks noChangeAspect="1"/>
+          </p:cNvPicPr>
+          <p:nvPr/>
+        </p:nvPicPr>
+        <p:blipFill>
+          <a:blip r:embed="rId2">
+            <a:extLst>
+              <a:ext uri="{28A0092B-C50C-407E-A947-70E740481C1C}">
+                <a14:useLocalDpi xmlns:a14="http://schemas.microsoft.com/office/drawing/2010/main" val="0"/>
+              </a:ext>
+            </a:extLst>
+          </a:blip>
+          <a:stretch>
+            <a:fillRect/>
+          </a:stretch>
+        </p:blipFill>
+        <p:spPr>
+          <a:xfrm>
+            <a:off x="1446741" y="278682"/>
+            <a:ext cx="9298518" cy="6300635"/>
+          </a:xfrm>
+          <a:prstGeom prst="rect">
+            <a:avLst/>
+          </a:prstGeom>
+        </p:spPr>
+      </p:pic>
+      <p:sp>
+        <p:nvSpPr>
+          <p:cNvPr id="8" name="TextBox 7">
+            <a:extLst>
+              <a:ext uri="{FF2B5EF4-FFF2-40B4-BE49-F238E27FC236}">
+                <a16:creationId xmlns:a16="http://schemas.microsoft.com/office/drawing/2014/main" id="{551B25CD-421C-4AD7-A520-C3594F0BAD43}"/>
+              </a:ext>
+            </a:extLst>
+          </p:cNvPr>
+          <p:cNvSpPr txBox="1"/>
+          <p:nvPr/>
+        </p:nvSpPr>
+        <p:spPr>
+          <a:xfrm>
+            <a:off x="1295739" y="5427677"/>
+            <a:ext cx="2718033" cy="923330"/>
+          </a:xfrm>
+          <a:prstGeom prst="rect">
+            <a:avLst/>
+          </a:prstGeom>
+          <a:solidFill>
+            <a:schemeClr val="bg1"/>
+          </a:solidFill>
+        </p:spPr>
+        <p:txBody>
+          <a:bodyPr wrap="square" rtlCol="0">
+            <a:spAutoFit/>
+          </a:bodyPr>
+          <a:lstStyle/>
+          <a:p>
+            <a:r>
+              <a:rPr lang="en-GB" dirty="0"/>
+              <a:t>Woodley runs are all before approx. March 2018.</a:t>
+            </a:r>
+          </a:p>
+        </p:txBody>
+      </p:sp>
+      <p:sp>
+        <p:nvSpPr>
+          <p:cNvPr id="9" name="Oval 8">
+            <a:extLst>
+              <a:ext uri="{FF2B5EF4-FFF2-40B4-BE49-F238E27FC236}">
+                <a16:creationId xmlns:a16="http://schemas.microsoft.com/office/drawing/2014/main" id="{8CAC5568-EFEA-4899-AA02-E63462040464}"/>
+              </a:ext>
+            </a:extLst>
+          </p:cNvPr>
+          <p:cNvSpPr/>
+          <p:nvPr/>
+        </p:nvSpPr>
+        <p:spPr>
+          <a:xfrm rot="1257560">
+            <a:off x="2506220" y="3059110"/>
+            <a:ext cx="937322" cy="2357727"/>
+          </a:xfrm>
+          <a:prstGeom prst="ellipse">
+            <a:avLst/>
+          </a:prstGeom>
+          <a:noFill/>
+        </p:spPr>
+        <p:style>
+          <a:lnRef idx="2">
+            <a:schemeClr val="accent1">
+              <a:shade val="50000"/>
+            </a:schemeClr>
+          </a:lnRef>
+          <a:fillRef idx="1">
+            <a:schemeClr val="accent1"/>
+          </a:fillRef>
+          <a:effectRef idx="0">
+            <a:schemeClr val="accent1"/>
+          </a:effectRef>
+          <a:fontRef idx="minor">
+            <a:schemeClr val="lt1"/>
+          </a:fontRef>
+        </p:style>
+        <p:txBody>
+          <a:bodyPr rtlCol="0" anchor="ctr"/>
+          <a:lstStyle/>
+          <a:p>
+            <a:pPr algn="ctr"/>
+            <a:endParaRPr lang="en-GB"/>
+          </a:p>
+        </p:txBody>
+      </p:sp>
+      <p:cxnSp>
+        <p:nvCxnSpPr>
+          <p:cNvPr id="10" name="Straight Connector 9">
+            <a:extLst>
+              <a:ext uri="{FF2B5EF4-FFF2-40B4-BE49-F238E27FC236}">
+                <a16:creationId xmlns:a16="http://schemas.microsoft.com/office/drawing/2014/main" id="{67132F21-B2D9-40ED-9B49-FD9A8CC63560}"/>
+              </a:ext>
+            </a:extLst>
+          </p:cNvPr>
+          <p:cNvCxnSpPr>
+            <a:cxnSpLocks/>
+          </p:cNvCxnSpPr>
+          <p:nvPr/>
+        </p:nvCxnSpPr>
+        <p:spPr>
+          <a:xfrm flipV="1">
+            <a:off x="5556234" y="704677"/>
+            <a:ext cx="0" cy="4060270"/>
+          </a:xfrm>
+          <a:prstGeom prst="line">
+            <a:avLst/>
+          </a:prstGeom>
+          <a:ln w="19050">
+            <a:solidFill>
+              <a:schemeClr val="tx1"/>
+            </a:solidFill>
+            <a:prstDash val="dash"/>
+          </a:ln>
+        </p:spPr>
+        <p:style>
+          <a:lnRef idx="1">
+            <a:schemeClr val="accent1"/>
+          </a:lnRef>
+          <a:fillRef idx="0">
+            <a:schemeClr val="accent1"/>
+          </a:fillRef>
+          <a:effectRef idx="0">
+            <a:schemeClr val="accent1"/>
+          </a:effectRef>
+          <a:fontRef idx="minor">
+            <a:schemeClr val="tx1"/>
+          </a:fontRef>
+        </p:style>
+      </p:cxnSp>
+      <p:cxnSp>
+        <p:nvCxnSpPr>
+          <p:cNvPr id="11" name="Straight Connector 10">
+            <a:extLst>
+              <a:ext uri="{FF2B5EF4-FFF2-40B4-BE49-F238E27FC236}">
+                <a16:creationId xmlns:a16="http://schemas.microsoft.com/office/drawing/2014/main" id="{8749D3D9-16AC-4EEB-8427-2C6829C925AA}"/>
+              </a:ext>
+            </a:extLst>
+          </p:cNvPr>
+          <p:cNvCxnSpPr>
+            <a:cxnSpLocks/>
+          </p:cNvCxnSpPr>
+          <p:nvPr/>
+        </p:nvCxnSpPr>
+        <p:spPr>
+          <a:xfrm flipV="1">
+            <a:off x="5784135" y="704677"/>
+            <a:ext cx="0" cy="4135771"/>
+          </a:xfrm>
+          <a:prstGeom prst="line">
+            <a:avLst/>
+          </a:prstGeom>
+          <a:ln w="19050">
+            <a:solidFill>
+              <a:schemeClr val="tx1"/>
+            </a:solidFill>
+            <a:prstDash val="dash"/>
+          </a:ln>
+        </p:spPr>
+        <p:style>
+          <a:lnRef idx="1">
+            <a:schemeClr val="accent1"/>
+          </a:lnRef>
+          <a:fillRef idx="0">
+            <a:schemeClr val="accent1"/>
+          </a:fillRef>
+          <a:effectRef idx="0">
+            <a:schemeClr val="accent1"/>
+          </a:effectRef>
+          <a:fontRef idx="minor">
+            <a:schemeClr val="tx1"/>
+          </a:fontRef>
+        </p:style>
+      </p:cxnSp>
+      <p:sp>
+        <p:nvSpPr>
+          <p:cNvPr id="12" name="TextBox 11">
+            <a:extLst>
+              <a:ext uri="{FF2B5EF4-FFF2-40B4-BE49-F238E27FC236}">
+                <a16:creationId xmlns:a16="http://schemas.microsoft.com/office/drawing/2014/main" id="{BCDE75E7-F579-4254-9DF9-BC8C367FD16D}"/>
+              </a:ext>
+            </a:extLst>
+          </p:cNvPr>
+          <p:cNvSpPr txBox="1"/>
+          <p:nvPr/>
+        </p:nvSpPr>
+        <p:spPr>
+          <a:xfrm>
+            <a:off x="5944941" y="5056193"/>
+            <a:ext cx="1098954" cy="923330"/>
+          </a:xfrm>
+          <a:prstGeom prst="rect">
+            <a:avLst/>
+          </a:prstGeom>
+          <a:noFill/>
+        </p:spPr>
+        <p:txBody>
+          <a:bodyPr wrap="square" rtlCol="0">
+            <a:spAutoFit/>
+          </a:bodyPr>
+          <a:lstStyle/>
+          <a:p>
+            <a:r>
+              <a:rPr lang="en-GB" dirty="0"/>
+              <a:t>Approx. 1 month gap</a:t>
+            </a:r>
+          </a:p>
+        </p:txBody>
+      </p:sp>
+      <p:cxnSp>
+        <p:nvCxnSpPr>
+          <p:cNvPr id="13" name="Straight Arrow Connector 12">
+            <a:extLst>
+              <a:ext uri="{FF2B5EF4-FFF2-40B4-BE49-F238E27FC236}">
+                <a16:creationId xmlns:a16="http://schemas.microsoft.com/office/drawing/2014/main" id="{35EB89A2-5717-47FD-9AD0-7DB96F986203}"/>
+              </a:ext>
+            </a:extLst>
+          </p:cNvPr>
+          <p:cNvCxnSpPr>
+            <a:cxnSpLocks/>
+            <a:stCxn id="12" idx="0"/>
+          </p:cNvCxnSpPr>
+          <p:nvPr/>
+        </p:nvCxnSpPr>
+        <p:spPr>
+          <a:xfrm flipH="1" flipV="1">
+            <a:off x="5835882" y="4597167"/>
+            <a:ext cx="658536" cy="459026"/>
+          </a:xfrm>
+          <a:prstGeom prst="straightConnector1">
+            <a:avLst/>
+          </a:prstGeom>
+          <a:ln>
+            <a:tailEnd type="triangle"/>
+          </a:ln>
+        </p:spPr>
+        <p:style>
+          <a:lnRef idx="1">
+            <a:schemeClr val="accent1"/>
+          </a:lnRef>
+          <a:fillRef idx="0">
+            <a:schemeClr val="accent1"/>
+          </a:fillRef>
+          <a:effectRef idx="0">
+            <a:schemeClr val="accent1"/>
+          </a:effectRef>
+          <a:fontRef idx="minor">
+            <a:schemeClr val="tx1"/>
+          </a:fontRef>
+        </p:style>
+      </p:cxnSp>
+      <p:sp>
+        <p:nvSpPr>
+          <p:cNvPr id="14" name="TextBox 13">
+            <a:extLst>
+              <a:ext uri="{FF2B5EF4-FFF2-40B4-BE49-F238E27FC236}">
+                <a16:creationId xmlns:a16="http://schemas.microsoft.com/office/drawing/2014/main" id="{23C77B2E-BBD6-4212-9198-B48358DEFD1A}"/>
+              </a:ext>
+            </a:extLst>
+          </p:cNvPr>
+          <p:cNvSpPr txBox="1"/>
+          <p:nvPr/>
+        </p:nvSpPr>
+        <p:spPr>
+          <a:xfrm>
+            <a:off x="7358687" y="2248250"/>
+            <a:ext cx="1812020" cy="369332"/>
+          </a:xfrm>
+          <a:prstGeom prst="rect">
+            <a:avLst/>
+          </a:prstGeom>
+          <a:noFill/>
+        </p:spPr>
+        <p:txBody>
+          <a:bodyPr wrap="square" rtlCol="0">
+            <a:spAutoFit/>
+          </a:bodyPr>
+          <a:lstStyle/>
+          <a:p>
+            <a:r>
+              <a:rPr lang="en-GB" dirty="0"/>
+              <a:t>Periodic 10k runs</a:t>
+            </a:r>
+          </a:p>
+        </p:txBody>
+      </p:sp>
+      <p:sp>
+        <p:nvSpPr>
+          <p:cNvPr id="2" name="TextBox 1">
+            <a:extLst>
+              <a:ext uri="{FF2B5EF4-FFF2-40B4-BE49-F238E27FC236}">
+                <a16:creationId xmlns:a16="http://schemas.microsoft.com/office/drawing/2014/main" id="{D8EF14D9-65F1-4F77-9626-A2F3C247EFFA}"/>
+              </a:ext>
+            </a:extLst>
+          </p:cNvPr>
+          <p:cNvSpPr txBox="1"/>
+          <p:nvPr/>
+        </p:nvSpPr>
+        <p:spPr>
+          <a:xfrm>
+            <a:off x="184558" y="645952"/>
+            <a:ext cx="1669397" cy="1200329"/>
+          </a:xfrm>
+          <a:prstGeom prst="rect">
+            <a:avLst/>
+          </a:prstGeom>
+          <a:noFill/>
+        </p:spPr>
+        <p:txBody>
+          <a:bodyPr wrap="square" rtlCol="0">
+            <a:spAutoFit/>
+          </a:bodyPr>
+          <a:lstStyle/>
+          <a:p>
+            <a:r>
+              <a:rPr lang="en-GB" dirty="0"/>
+              <a:t>Axis limited to 100 minutes to avoid 180min outlier. </a:t>
+            </a:r>
+          </a:p>
+        </p:txBody>
+      </p:sp>
+    </p:spTree>
+    <p:extLst>
+      <p:ext uri="{BB962C8B-B14F-4D97-AF65-F5344CB8AC3E}">
+        <p14:creationId xmlns:p14="http://schemas.microsoft.com/office/powerpoint/2010/main" val="479951623"/>
+      </p:ext>
+    </p:extLst>
+  </p:cSld>
+  <p:clrMapOvr>
+    <a:masterClrMapping/>
+  </p:clrMapOvr>
+</p:sld>
+</file>
+
+<file path=ppt/slides/slide11.xml><?xml version="1.0" encoding="utf-8"?>
+<p:sld xmlns:a="http://schemas.openxmlformats.org/drawingml/2006/main" xmlns:r="http://schemas.openxmlformats.org/officeDocument/2006/relationships" xmlns:p="http://schemas.openxmlformats.org/presentationml/2006/main">
+  <p:cSld>
+    <p:spTree>
+      <p:nvGrpSpPr>
+        <p:cNvPr id="1" name=""/>
+        <p:cNvGrpSpPr/>
+        <p:nvPr/>
+      </p:nvGrpSpPr>
+      <p:grpSpPr>
+        <a:xfrm>
+          <a:off x="0" y="0"/>
+          <a:ext cx="0" cy="0"/>
+          <a:chOff x="0" y="0"/>
+          <a:chExt cx="0" cy="0"/>
+        </a:xfrm>
+      </p:grpSpPr>
+      <p:pic>
+        <p:nvPicPr>
+          <p:cNvPr id="18" name="Picture 17" descr="A close up of a map&#10;&#10;Description automatically generated">
+            <a:extLst>
+              <a:ext uri="{FF2B5EF4-FFF2-40B4-BE49-F238E27FC236}">
+                <a16:creationId xmlns:a16="http://schemas.microsoft.com/office/drawing/2014/main" id="{1464FD78-6D0C-4238-BD0C-03CEB9457E2A}"/>
+              </a:ext>
+            </a:extLst>
+          </p:cNvPr>
+          <p:cNvPicPr>
+            <a:picLocks noChangeAspect="1"/>
+          </p:cNvPicPr>
+          <p:nvPr/>
+        </p:nvPicPr>
+        <p:blipFill>
+          <a:blip r:embed="rId2">
+            <a:extLst>
+              <a:ext uri="{28A0092B-C50C-407E-A947-70E740481C1C}">
+                <a14:useLocalDpi xmlns:a14="http://schemas.microsoft.com/office/drawing/2010/main" val="0"/>
+              </a:ext>
+            </a:extLst>
+          </a:blip>
+          <a:stretch>
+            <a:fillRect/>
+          </a:stretch>
+        </p:blipFill>
+        <p:spPr>
+          <a:xfrm>
+            <a:off x="565354" y="0"/>
+            <a:ext cx="11061291" cy="6858000"/>
+          </a:xfrm>
+          <a:prstGeom prst="rect">
+            <a:avLst/>
+          </a:prstGeom>
+        </p:spPr>
+      </p:pic>
+    </p:spTree>
+    <p:extLst>
+      <p:ext uri="{BB962C8B-B14F-4D97-AF65-F5344CB8AC3E}">
+        <p14:creationId xmlns:p14="http://schemas.microsoft.com/office/powerpoint/2010/main" val="1856502500"/>
+      </p:ext>
+    </p:extLst>
+  </p:cSld>
+  <p:clrMapOvr>
+    <a:masterClrMapping/>
+  </p:clrMapOvr>
+</p:sld>
+</file>
+
+<file path=ppt/slides/slide12.xml><?xml version="1.0" encoding="utf-8"?>
+<p:sld xmlns:a="http://schemas.openxmlformats.org/drawingml/2006/main" xmlns:r="http://schemas.openxmlformats.org/officeDocument/2006/relationships" xmlns:p="http://schemas.openxmlformats.org/presentationml/2006/main">
+  <p:cSld>
+    <p:spTree>
+      <p:nvGrpSpPr>
+        <p:cNvPr id="1" name=""/>
+        <p:cNvGrpSpPr/>
+        <p:nvPr/>
+      </p:nvGrpSpPr>
+      <p:grpSpPr>
+        <a:xfrm>
+          <a:off x="0" y="0"/>
+          <a:ext cx="0" cy="0"/>
+          <a:chOff x="0" y="0"/>
+          <a:chExt cx="0" cy="0"/>
+        </a:xfrm>
+      </p:grpSpPr>
+      <p:pic>
+        <p:nvPicPr>
+          <p:cNvPr id="18" name="Picture 17" descr="A close up of a map&#10;&#10;Description automatically generated">
+            <a:extLst>
+              <a:ext uri="{FF2B5EF4-FFF2-40B4-BE49-F238E27FC236}">
+                <a16:creationId xmlns:a16="http://schemas.microsoft.com/office/drawing/2014/main" id="{1464FD78-6D0C-4238-BD0C-03CEB9457E2A}"/>
+              </a:ext>
+            </a:extLst>
+          </p:cNvPr>
+          <p:cNvPicPr>
+            <a:picLocks noChangeAspect="1"/>
+          </p:cNvPicPr>
+          <p:nvPr/>
+        </p:nvPicPr>
+        <p:blipFill>
+          <a:blip r:embed="rId2">
+            <a:extLst>
+              <a:ext uri="{28A0092B-C50C-407E-A947-70E740481C1C}">
+                <a14:useLocalDpi xmlns:a14="http://schemas.microsoft.com/office/drawing/2010/main" val="0"/>
+              </a:ext>
+            </a:extLst>
+          </a:blip>
+          <a:stretch>
+            <a:fillRect/>
+          </a:stretch>
+        </p:blipFill>
+        <p:spPr>
+          <a:xfrm>
+            <a:off x="565354" y="0"/>
+            <a:ext cx="11061291" cy="6858000"/>
+          </a:xfrm>
+          <a:prstGeom prst="rect">
+            <a:avLst/>
+          </a:prstGeom>
+        </p:spPr>
+      </p:pic>
+      <p:sp>
+        <p:nvSpPr>
+          <p:cNvPr id="2" name="TextBox 1">
+            <a:extLst>
+              <a:ext uri="{FF2B5EF4-FFF2-40B4-BE49-F238E27FC236}">
+                <a16:creationId xmlns:a16="http://schemas.microsoft.com/office/drawing/2014/main" id="{B7CE46A8-DD70-4025-B574-BFC80045E317}"/>
+              </a:ext>
+            </a:extLst>
+          </p:cNvPr>
+          <p:cNvSpPr txBox="1"/>
+          <p:nvPr/>
+        </p:nvSpPr>
+        <p:spPr>
+          <a:xfrm>
+            <a:off x="9319260" y="4549140"/>
+            <a:ext cx="1996440" cy="646331"/>
+          </a:xfrm>
+          <a:prstGeom prst="rect">
+            <a:avLst/>
+          </a:prstGeom>
+          <a:noFill/>
+        </p:spPr>
+        <p:txBody>
+          <a:bodyPr wrap="square" rtlCol="0">
+            <a:spAutoFit/>
+          </a:bodyPr>
+          <a:lstStyle/>
+          <a:p>
+            <a:r>
+              <a:rPr lang="en-GB" dirty="0"/>
+              <a:t>No clear trends across the 5k runs. </a:t>
+            </a:r>
+          </a:p>
+        </p:txBody>
+      </p:sp>
+      <p:sp>
+        <p:nvSpPr>
+          <p:cNvPr id="4" name="TextBox 3">
+            <a:extLst>
+              <a:ext uri="{FF2B5EF4-FFF2-40B4-BE49-F238E27FC236}">
+                <a16:creationId xmlns:a16="http://schemas.microsoft.com/office/drawing/2014/main" id="{A68D8A80-349E-4093-947B-B042A73AA791}"/>
+              </a:ext>
+            </a:extLst>
+          </p:cNvPr>
+          <p:cNvSpPr txBox="1"/>
+          <p:nvPr/>
+        </p:nvSpPr>
+        <p:spPr>
+          <a:xfrm>
+            <a:off x="8130540" y="1847195"/>
+            <a:ext cx="2377440" cy="923330"/>
+          </a:xfrm>
+          <a:prstGeom prst="rect">
+            <a:avLst/>
+          </a:prstGeom>
+          <a:noFill/>
+        </p:spPr>
+        <p:txBody>
+          <a:bodyPr wrap="square" rtlCol="0">
+            <a:spAutoFit/>
+          </a:bodyPr>
+          <a:lstStyle/>
+          <a:p>
+            <a:r>
+              <a:rPr lang="en-GB" dirty="0"/>
+              <a:t>10k runs are dominated by Saturdays. </a:t>
+            </a:r>
+          </a:p>
+        </p:txBody>
+      </p:sp>
+      <p:sp>
+        <p:nvSpPr>
+          <p:cNvPr id="3" name="TextBox 2">
+            <a:extLst>
+              <a:ext uri="{FF2B5EF4-FFF2-40B4-BE49-F238E27FC236}">
+                <a16:creationId xmlns:a16="http://schemas.microsoft.com/office/drawing/2014/main" id="{8267E8D0-5598-497C-9054-4F50719184BB}"/>
+              </a:ext>
+            </a:extLst>
+          </p:cNvPr>
+          <p:cNvSpPr txBox="1"/>
+          <p:nvPr/>
+        </p:nvSpPr>
+        <p:spPr>
+          <a:xfrm>
+            <a:off x="4137660" y="297180"/>
+            <a:ext cx="1379220" cy="923330"/>
+          </a:xfrm>
+          <a:prstGeom prst="rect">
+            <a:avLst/>
+          </a:prstGeom>
+          <a:noFill/>
+        </p:spPr>
+        <p:txBody>
+          <a:bodyPr wrap="square" rtlCol="0">
+            <a:spAutoFit/>
+          </a:bodyPr>
+          <a:lstStyle/>
+          <a:p>
+            <a:r>
+              <a:rPr lang="en-GB" dirty="0"/>
+              <a:t>Fridays are a quiet day for running. </a:t>
+            </a:r>
+          </a:p>
+        </p:txBody>
+      </p:sp>
+      <p:sp>
+        <p:nvSpPr>
+          <p:cNvPr id="6" name="TextBox 5">
+            <a:extLst>
+              <a:ext uri="{FF2B5EF4-FFF2-40B4-BE49-F238E27FC236}">
+                <a16:creationId xmlns:a16="http://schemas.microsoft.com/office/drawing/2014/main" id="{D4BC2D2D-FF56-42B3-92FF-FC4239DC1291}"/>
+              </a:ext>
+            </a:extLst>
+          </p:cNvPr>
+          <p:cNvSpPr txBox="1"/>
+          <p:nvPr/>
+        </p:nvSpPr>
+        <p:spPr>
+          <a:xfrm>
+            <a:off x="6526341" y="221679"/>
+            <a:ext cx="2628043" cy="923330"/>
+          </a:xfrm>
+          <a:prstGeom prst="rect">
+            <a:avLst/>
+          </a:prstGeom>
+          <a:noFill/>
+        </p:spPr>
+        <p:txBody>
+          <a:bodyPr wrap="square" rtlCol="0">
+            <a:spAutoFit/>
+          </a:bodyPr>
+          <a:lstStyle/>
+          <a:p>
+            <a:r>
+              <a:rPr lang="en-GB" dirty="0"/>
+              <a:t>Axis limited to 100 minutes to avoid 180min outlier. </a:t>
+            </a:r>
+          </a:p>
+        </p:txBody>
+      </p:sp>
+    </p:spTree>
+    <p:extLst>
+      <p:ext uri="{BB962C8B-B14F-4D97-AF65-F5344CB8AC3E}">
+        <p14:creationId xmlns:p14="http://schemas.microsoft.com/office/powerpoint/2010/main" val="1505065678"/>
+      </p:ext>
+    </p:extLst>
+  </p:cSld>
+  <p:clrMapOvr>
+    <a:masterClrMapping/>
+  </p:clrMapOvr>
+</p:sld>
+</file>
+
+<file path=ppt/slides/slide13.xml><?xml version="1.0" encoding="utf-8"?>
+<p:sld xmlns:a="http://schemas.openxmlformats.org/drawingml/2006/main" xmlns:r="http://schemas.openxmlformats.org/officeDocument/2006/relationships" xmlns:p="http://schemas.openxmlformats.org/presentationml/2006/main">
+  <p:cSld>
+    <p:spTree>
+      <p:nvGrpSpPr>
+        <p:cNvPr id="1" name=""/>
+        <p:cNvGrpSpPr/>
+        <p:nvPr/>
+      </p:nvGrpSpPr>
+      <p:grpSpPr>
+        <a:xfrm>
+          <a:off x="0" y="0"/>
+          <a:ext cx="0" cy="0"/>
+          <a:chOff x="0" y="0"/>
+          <a:chExt cx="0" cy="0"/>
+        </a:xfrm>
+      </p:grpSpPr>
+      <p:sp>
+        <p:nvSpPr>
+          <p:cNvPr id="2" name="Title 1">
+            <a:extLst>
+              <a:ext uri="{FF2B5EF4-FFF2-40B4-BE49-F238E27FC236}">
+                <a16:creationId xmlns:a16="http://schemas.microsoft.com/office/drawing/2014/main" id="{74E9F826-5C6E-4474-BE7E-DEC7BF10A7D7}"/>
+              </a:ext>
+            </a:extLst>
+          </p:cNvPr>
+          <p:cNvSpPr>
+            <a:spLocks noGrp="1"/>
+          </p:cNvSpPr>
+          <p:nvPr>
+            <p:ph type="title"/>
+          </p:nvPr>
+        </p:nvSpPr>
+        <p:spPr/>
+        <p:txBody>
+          <a:bodyPr/>
+          <a:lstStyle/>
+          <a:p>
+            <a:r>
+              <a:rPr lang="en-GB" dirty="0"/>
+              <a:t>Contents</a:t>
+            </a:r>
+          </a:p>
+        </p:txBody>
+      </p:sp>
+      <p:sp>
+        <p:nvSpPr>
+          <p:cNvPr id="3" name="Content Placeholder 2">
+            <a:extLst>
+              <a:ext uri="{FF2B5EF4-FFF2-40B4-BE49-F238E27FC236}">
+                <a16:creationId xmlns:a16="http://schemas.microsoft.com/office/drawing/2014/main" id="{6507AB12-866C-4630-8EBA-A96761B739A0}"/>
+              </a:ext>
+            </a:extLst>
+          </p:cNvPr>
+          <p:cNvSpPr>
+            <a:spLocks noGrp="1"/>
+          </p:cNvSpPr>
+          <p:nvPr>
+            <p:ph idx="1"/>
+          </p:nvPr>
+        </p:nvSpPr>
+        <p:spPr/>
+        <p:txBody>
+          <a:bodyPr/>
+          <a:lstStyle/>
+          <a:p>
+            <a:pPr marL="514350" indent="-514350">
+              <a:buFont typeface="+mj-lt"/>
+              <a:buAutoNum type="arabicPeriod"/>
+            </a:pPr>
+            <a:r>
+              <a:rPr lang="en-GB" dirty="0"/>
+              <a:t>Introduction</a:t>
+            </a:r>
+          </a:p>
+          <a:p>
+            <a:pPr marL="514350" indent="-514350">
+              <a:buFont typeface="+mj-lt"/>
+              <a:buAutoNum type="arabicPeriod"/>
+            </a:pPr>
+            <a:r>
+              <a:rPr lang="en-GB" b="1" dirty="0"/>
+              <a:t>5k Data</a:t>
+            </a:r>
+          </a:p>
+          <a:p>
+            <a:pPr marL="514350" indent="-514350">
+              <a:buFont typeface="+mj-lt"/>
+              <a:buAutoNum type="arabicPeriod"/>
+            </a:pPr>
+            <a:r>
+              <a:rPr lang="en-GB" dirty="0"/>
+              <a:t>10k Data</a:t>
+            </a:r>
+          </a:p>
+          <a:p>
+            <a:pPr marL="514350" indent="-514350">
+              <a:buFont typeface="+mj-lt"/>
+              <a:buAutoNum type="arabicPeriod"/>
+            </a:pPr>
+            <a:r>
+              <a:rPr lang="en-GB" dirty="0"/>
+              <a:t>Other</a:t>
+            </a:r>
+          </a:p>
+          <a:p>
+            <a:pPr marL="514350" indent="-514350">
+              <a:buFont typeface="+mj-lt"/>
+              <a:buAutoNum type="arabicPeriod"/>
+            </a:pPr>
+            <a:r>
+              <a:rPr lang="en-GB" dirty="0"/>
+              <a:t>Conclusion</a:t>
+            </a:r>
+          </a:p>
+        </p:txBody>
+      </p:sp>
+    </p:spTree>
+    <p:extLst>
+      <p:ext uri="{BB962C8B-B14F-4D97-AF65-F5344CB8AC3E}">
+        <p14:creationId xmlns:p14="http://schemas.microsoft.com/office/powerpoint/2010/main" val="2594530493"/>
+      </p:ext>
+    </p:extLst>
+  </p:cSld>
+  <p:clrMapOvr>
+    <a:masterClrMapping/>
+  </p:clrMapOvr>
+</p:sld>
+</file>
+
+<file path=ppt/slides/slide14.xml><?xml version="1.0" encoding="utf-8"?>
+<p:sld xmlns:a="http://schemas.openxmlformats.org/drawingml/2006/main" xmlns:r="http://schemas.openxmlformats.org/officeDocument/2006/relationships" xmlns:p="http://schemas.openxmlformats.org/presentationml/2006/main">
+  <p:cSld>
+    <p:spTree>
+      <p:nvGrpSpPr>
+        <p:cNvPr id="1" name=""/>
+        <p:cNvGrpSpPr/>
+        <p:nvPr/>
+      </p:nvGrpSpPr>
+      <p:grpSpPr>
+        <a:xfrm>
+          <a:off x="0" y="0"/>
+          <a:ext cx="0" cy="0"/>
+          <a:chOff x="0" y="0"/>
+          <a:chExt cx="0" cy="0"/>
+        </a:xfrm>
+      </p:grpSpPr>
+      <p:sp>
+        <p:nvSpPr>
+          <p:cNvPr id="2" name="Title 1">
+            <a:extLst>
+              <a:ext uri="{FF2B5EF4-FFF2-40B4-BE49-F238E27FC236}">
+                <a16:creationId xmlns:a16="http://schemas.microsoft.com/office/drawing/2014/main" id="{F2C74376-574F-47D1-9465-74EB6825B66E}"/>
+              </a:ext>
+            </a:extLst>
+          </p:cNvPr>
+          <p:cNvSpPr>
+            <a:spLocks noGrp="1"/>
+          </p:cNvSpPr>
+          <p:nvPr>
+            <p:ph type="title"/>
+          </p:nvPr>
+        </p:nvSpPr>
+        <p:spPr/>
+        <p:txBody>
+          <a:bodyPr/>
+          <a:lstStyle/>
+          <a:p>
+            <a:r>
+              <a:rPr lang="en-GB" dirty="0"/>
+              <a:t>5K data</a:t>
+            </a:r>
+          </a:p>
+        </p:txBody>
+      </p:sp>
+      <p:sp>
+        <p:nvSpPr>
+          <p:cNvPr id="3" name="Content Placeholder 2">
+            <a:extLst>
+              <a:ext uri="{FF2B5EF4-FFF2-40B4-BE49-F238E27FC236}">
+                <a16:creationId xmlns:a16="http://schemas.microsoft.com/office/drawing/2014/main" id="{3FDEE798-092E-41DD-AD81-32CCD574C570}"/>
+              </a:ext>
+            </a:extLst>
+          </p:cNvPr>
+          <p:cNvSpPr>
+            <a:spLocks noGrp="1"/>
+          </p:cNvSpPr>
+          <p:nvPr>
+            <p:ph idx="1"/>
+          </p:nvPr>
+        </p:nvSpPr>
+        <p:spPr/>
+        <p:txBody>
+          <a:bodyPr/>
+          <a:lstStyle/>
+          <a:p>
+            <a:r>
+              <a:rPr lang="en-GB" dirty="0"/>
+              <a:t>From the 260 data points recorded, 227 were recorded between the distances of 4.9 and 5.1km. </a:t>
+            </a:r>
+          </a:p>
+          <a:p>
+            <a:r>
+              <a:rPr lang="en-GB" dirty="0"/>
+              <a:t>These datapoints will be referred to as 5km runs. </a:t>
+            </a:r>
+          </a:p>
+          <a:p>
+            <a:r>
+              <a:rPr lang="en-GB" dirty="0"/>
+              <a:t>Next slides show some further analysis into the 5k runs. </a:t>
+            </a:r>
+          </a:p>
+        </p:txBody>
+      </p:sp>
+    </p:spTree>
+    <p:extLst>
+      <p:ext uri="{BB962C8B-B14F-4D97-AF65-F5344CB8AC3E}">
+        <p14:creationId xmlns:p14="http://schemas.microsoft.com/office/powerpoint/2010/main" val="669215251"/>
+      </p:ext>
+    </p:extLst>
+  </p:cSld>
+  <p:clrMapOvr>
+    <a:masterClrMapping/>
+  </p:clrMapOvr>
+</p:sld>
+</file>
+
+<file path=ppt/slides/slide15.xml><?xml version="1.0" encoding="utf-8"?>
+<p:sld xmlns:a="http://schemas.openxmlformats.org/drawingml/2006/main" xmlns:r="http://schemas.openxmlformats.org/officeDocument/2006/relationships" xmlns:p="http://schemas.openxmlformats.org/presentationml/2006/main">
+  <p:cSld>
+    <p:spTree>
+      <p:nvGrpSpPr>
+        <p:cNvPr id="1" name=""/>
+        <p:cNvGrpSpPr/>
+        <p:nvPr/>
+      </p:nvGrpSpPr>
+      <p:grpSpPr>
+        <a:xfrm>
+          <a:off x="0" y="0"/>
+          <a:ext cx="0" cy="0"/>
+          <a:chOff x="0" y="0"/>
+          <a:chExt cx="0" cy="0"/>
+        </a:xfrm>
+      </p:grpSpPr>
+      <p:pic>
+        <p:nvPicPr>
+          <p:cNvPr id="3" name="Picture 2" descr="A screenshot of a social media post&#10;&#10;Description automatically generated">
+            <a:extLst>
+              <a:ext uri="{FF2B5EF4-FFF2-40B4-BE49-F238E27FC236}">
+                <a16:creationId xmlns:a16="http://schemas.microsoft.com/office/drawing/2014/main" id="{AF8F47FD-1C17-4DA2-9A54-CC056117C76E}"/>
+              </a:ext>
+            </a:extLst>
+          </p:cNvPr>
+          <p:cNvPicPr>
+            <a:picLocks noChangeAspect="1"/>
+          </p:cNvPicPr>
+          <p:nvPr/>
+        </p:nvPicPr>
+        <p:blipFill>
+          <a:blip r:embed="rId2">
+            <a:extLst>
+              <a:ext uri="{28A0092B-C50C-407E-A947-70E740481C1C}">
+                <a14:useLocalDpi xmlns:a14="http://schemas.microsoft.com/office/drawing/2010/main" val="0"/>
+              </a:ext>
+            </a:extLst>
+          </a:blip>
+          <a:stretch>
+            <a:fillRect/>
+          </a:stretch>
+        </p:blipFill>
+        <p:spPr>
+          <a:xfrm>
+            <a:off x="1124125" y="278682"/>
+            <a:ext cx="9583025" cy="6547080"/>
+          </a:xfrm>
+          <a:prstGeom prst="rect">
+            <a:avLst/>
+          </a:prstGeom>
+        </p:spPr>
+      </p:pic>
+    </p:spTree>
+    <p:extLst>
+      <p:ext uri="{BB962C8B-B14F-4D97-AF65-F5344CB8AC3E}">
+        <p14:creationId xmlns:p14="http://schemas.microsoft.com/office/powerpoint/2010/main" val="1129441894"/>
+      </p:ext>
+    </p:extLst>
+  </p:cSld>
+  <p:clrMapOvr>
+    <a:masterClrMapping/>
+  </p:clrMapOvr>
+</p:sld>
+</file>
+
+<file path=ppt/slides/slide16.xml><?xml version="1.0" encoding="utf-8"?>
+<p:sld xmlns:a="http://schemas.openxmlformats.org/drawingml/2006/main" xmlns:r="http://schemas.openxmlformats.org/officeDocument/2006/relationships" xmlns:p="http://schemas.openxmlformats.org/presentationml/2006/main">
+  <p:cSld>
+    <p:spTree>
+      <p:nvGrpSpPr>
+        <p:cNvPr id="1" name=""/>
+        <p:cNvGrpSpPr/>
+        <p:nvPr/>
+      </p:nvGrpSpPr>
+      <p:grpSpPr>
+        <a:xfrm>
+          <a:off x="0" y="0"/>
+          <a:ext cx="0" cy="0"/>
+          <a:chOff x="0" y="0"/>
+          <a:chExt cx="0" cy="0"/>
+        </a:xfrm>
+      </p:grpSpPr>
+      <p:pic>
+        <p:nvPicPr>
+          <p:cNvPr id="3" name="Picture 2" descr="A screenshot of a social media post&#10;&#10;Description automatically generated">
+            <a:extLst>
+              <a:ext uri="{FF2B5EF4-FFF2-40B4-BE49-F238E27FC236}">
+                <a16:creationId xmlns:a16="http://schemas.microsoft.com/office/drawing/2014/main" id="{AF8F47FD-1C17-4DA2-9A54-CC056117C76E}"/>
+              </a:ext>
+            </a:extLst>
+          </p:cNvPr>
+          <p:cNvPicPr>
+            <a:picLocks noChangeAspect="1"/>
+          </p:cNvPicPr>
+          <p:nvPr/>
+        </p:nvPicPr>
+        <p:blipFill>
+          <a:blip r:embed="rId2">
+            <a:extLst>
+              <a:ext uri="{28A0092B-C50C-407E-A947-70E740481C1C}">
+                <a14:useLocalDpi xmlns:a14="http://schemas.microsoft.com/office/drawing/2010/main" val="0"/>
+              </a:ext>
+            </a:extLst>
+          </a:blip>
+          <a:stretch>
+            <a:fillRect/>
+          </a:stretch>
+        </p:blipFill>
+        <p:spPr>
+          <a:xfrm>
+            <a:off x="1124125" y="278682"/>
+            <a:ext cx="9583025" cy="6547080"/>
+          </a:xfrm>
+          <a:prstGeom prst="rect">
+            <a:avLst/>
+          </a:prstGeom>
+        </p:spPr>
+      </p:pic>
+      <p:sp>
+        <p:nvSpPr>
+          <p:cNvPr id="2" name="TextBox 1">
+            <a:extLst>
+              <a:ext uri="{FF2B5EF4-FFF2-40B4-BE49-F238E27FC236}">
+                <a16:creationId xmlns:a16="http://schemas.microsoft.com/office/drawing/2014/main" id="{4F8F8321-6FCB-4594-A7F1-E2F4CA8A82B7}"/>
+              </a:ext>
+            </a:extLst>
+          </p:cNvPr>
+          <p:cNvSpPr txBox="1"/>
+          <p:nvPr/>
+        </p:nvSpPr>
+        <p:spPr>
+          <a:xfrm>
+            <a:off x="3791825" y="847289"/>
+            <a:ext cx="2038524" cy="923330"/>
+          </a:xfrm>
+          <a:prstGeom prst="rect">
+            <a:avLst/>
+          </a:prstGeom>
+          <a:noFill/>
+        </p:spPr>
+        <p:txBody>
+          <a:bodyPr wrap="square" rtlCol="0">
+            <a:spAutoFit/>
+          </a:bodyPr>
+          <a:lstStyle/>
+          <a:p>
+            <a:r>
+              <a:rPr lang="en-GB" dirty="0"/>
+              <a:t>This was run at La Oliva, Fuerteventura!?!? </a:t>
+            </a:r>
+          </a:p>
+        </p:txBody>
+      </p:sp>
+      <p:cxnSp>
+        <p:nvCxnSpPr>
+          <p:cNvPr id="5" name="Straight Arrow Connector 4">
+            <a:extLst>
+              <a:ext uri="{FF2B5EF4-FFF2-40B4-BE49-F238E27FC236}">
+                <a16:creationId xmlns:a16="http://schemas.microsoft.com/office/drawing/2014/main" id="{7AD4AB87-8A5E-4C72-9CE3-9385DF13ED72}"/>
+              </a:ext>
+            </a:extLst>
+          </p:cNvPr>
+          <p:cNvCxnSpPr>
+            <a:cxnSpLocks/>
+            <a:stCxn id="2" idx="3"/>
+          </p:cNvCxnSpPr>
+          <p:nvPr/>
+        </p:nvCxnSpPr>
+        <p:spPr>
+          <a:xfrm flipV="1">
+            <a:off x="5830349" y="947958"/>
+            <a:ext cx="385893" cy="360996"/>
+          </a:xfrm>
+          <a:prstGeom prst="straightConnector1">
+            <a:avLst/>
+          </a:prstGeom>
+          <a:ln>
+            <a:tailEnd type="triangle"/>
+          </a:ln>
+        </p:spPr>
+        <p:style>
+          <a:lnRef idx="1">
+            <a:schemeClr val="accent1"/>
+          </a:lnRef>
+          <a:fillRef idx="0">
+            <a:schemeClr val="accent1"/>
+          </a:fillRef>
+          <a:effectRef idx="0">
+            <a:schemeClr val="accent1"/>
+          </a:effectRef>
+          <a:fontRef idx="minor">
+            <a:schemeClr val="tx1"/>
+          </a:fontRef>
+        </p:style>
+      </p:cxnSp>
+      <p:sp>
+        <p:nvSpPr>
+          <p:cNvPr id="6" name="TextBox 5">
+            <a:extLst>
+              <a:ext uri="{FF2B5EF4-FFF2-40B4-BE49-F238E27FC236}">
+                <a16:creationId xmlns:a16="http://schemas.microsoft.com/office/drawing/2014/main" id="{DD20D718-F97B-4C40-AE03-B6F9C1DE5508}"/>
+              </a:ext>
+            </a:extLst>
+          </p:cNvPr>
+          <p:cNvSpPr txBox="1"/>
+          <p:nvPr/>
+        </p:nvSpPr>
+        <p:spPr>
+          <a:xfrm>
+            <a:off x="7710882" y="3090557"/>
+            <a:ext cx="1273727" cy="923330"/>
+          </a:xfrm>
+          <a:prstGeom prst="rect">
+            <a:avLst/>
+          </a:prstGeom>
+          <a:noFill/>
+        </p:spPr>
+        <p:txBody>
+          <a:bodyPr wrap="square" rtlCol="0">
+            <a:spAutoFit/>
+          </a:bodyPr>
+          <a:lstStyle/>
+          <a:p>
+            <a:r>
+              <a:rPr lang="en-GB" dirty="0"/>
+              <a:t>Lovely downward trend! </a:t>
+            </a:r>
+          </a:p>
+        </p:txBody>
+      </p:sp>
+      <p:sp>
+        <p:nvSpPr>
+          <p:cNvPr id="7" name="TextBox 6">
+            <a:extLst>
+              <a:ext uri="{FF2B5EF4-FFF2-40B4-BE49-F238E27FC236}">
+                <a16:creationId xmlns:a16="http://schemas.microsoft.com/office/drawing/2014/main" id="{2ED43FB5-0533-49FF-8158-E5E08915F7E0}"/>
+              </a:ext>
+            </a:extLst>
+          </p:cNvPr>
+          <p:cNvSpPr txBox="1"/>
+          <p:nvPr/>
+        </p:nvSpPr>
+        <p:spPr>
+          <a:xfrm>
+            <a:off x="6417579" y="5932987"/>
+            <a:ext cx="2332139" cy="646331"/>
+          </a:xfrm>
+          <a:prstGeom prst="rect">
+            <a:avLst/>
+          </a:prstGeom>
+          <a:solidFill>
+            <a:schemeClr val="bg1"/>
+          </a:solidFill>
+        </p:spPr>
+        <p:txBody>
+          <a:bodyPr wrap="square" rtlCol="0">
+            <a:spAutoFit/>
+          </a:bodyPr>
+          <a:lstStyle/>
+          <a:p>
+            <a:r>
+              <a:rPr lang="en-GB" dirty="0"/>
+              <a:t>Erewash potentially a fast route? </a:t>
+            </a:r>
+          </a:p>
+        </p:txBody>
+      </p:sp>
+      <p:cxnSp>
+        <p:nvCxnSpPr>
+          <p:cNvPr id="9" name="Straight Arrow Connector 8">
+            <a:extLst>
+              <a:ext uri="{FF2B5EF4-FFF2-40B4-BE49-F238E27FC236}">
+                <a16:creationId xmlns:a16="http://schemas.microsoft.com/office/drawing/2014/main" id="{83260E2D-431D-40D7-BABE-3EBB4F1A6BDA}"/>
+              </a:ext>
+            </a:extLst>
+          </p:cNvPr>
+          <p:cNvCxnSpPr>
+            <a:stCxn id="7" idx="0"/>
+          </p:cNvCxnSpPr>
+          <p:nvPr/>
+        </p:nvCxnSpPr>
+        <p:spPr>
+          <a:xfrm flipH="1" flipV="1">
+            <a:off x="7248088" y="5570290"/>
+            <a:ext cx="335561" cy="362697"/>
+          </a:xfrm>
+          <a:prstGeom prst="straightConnector1">
+            <a:avLst/>
+          </a:prstGeom>
+          <a:ln>
+            <a:tailEnd type="triangle"/>
+          </a:ln>
+        </p:spPr>
+        <p:style>
+          <a:lnRef idx="1">
+            <a:schemeClr val="accent1"/>
+          </a:lnRef>
+          <a:fillRef idx="0">
+            <a:schemeClr val="accent1"/>
+          </a:fillRef>
+          <a:effectRef idx="0">
+            <a:schemeClr val="accent1"/>
+          </a:effectRef>
+          <a:fontRef idx="minor">
+            <a:schemeClr val="tx1"/>
+          </a:fontRef>
+        </p:style>
+      </p:cxnSp>
+      <p:cxnSp>
+        <p:nvCxnSpPr>
+          <p:cNvPr id="10" name="Straight Arrow Connector 9">
+            <a:extLst>
+              <a:ext uri="{FF2B5EF4-FFF2-40B4-BE49-F238E27FC236}">
+                <a16:creationId xmlns:a16="http://schemas.microsoft.com/office/drawing/2014/main" id="{A2ED416B-2875-4B16-866A-728D69B97A50}"/>
+              </a:ext>
+            </a:extLst>
+          </p:cNvPr>
+          <p:cNvCxnSpPr>
+            <a:cxnSpLocks/>
+            <a:stCxn id="7" idx="0"/>
+          </p:cNvCxnSpPr>
+          <p:nvPr/>
+        </p:nvCxnSpPr>
+        <p:spPr>
+          <a:xfrm flipV="1">
+            <a:off x="7583649" y="5268286"/>
+            <a:ext cx="226501" cy="664701"/>
+          </a:xfrm>
+          <a:prstGeom prst="straightConnector1">
+            <a:avLst/>
+          </a:prstGeom>
+          <a:ln>
+            <a:tailEnd type="triangle"/>
+          </a:ln>
+        </p:spPr>
+        <p:style>
+          <a:lnRef idx="1">
+            <a:schemeClr val="accent1"/>
+          </a:lnRef>
+          <a:fillRef idx="0">
+            <a:schemeClr val="accent1"/>
+          </a:fillRef>
+          <a:effectRef idx="0">
+            <a:schemeClr val="accent1"/>
+          </a:effectRef>
+          <a:fontRef idx="minor">
+            <a:schemeClr val="tx1"/>
+          </a:fontRef>
+        </p:style>
+      </p:cxnSp>
+    </p:spTree>
+    <p:extLst>
+      <p:ext uri="{BB962C8B-B14F-4D97-AF65-F5344CB8AC3E}">
+        <p14:creationId xmlns:p14="http://schemas.microsoft.com/office/powerpoint/2010/main" val="2970930186"/>
+      </p:ext>
+    </p:extLst>
+  </p:cSld>
+  <p:clrMapOvr>
+    <a:masterClrMapping/>
+  </p:clrMapOvr>
+</p:sld>
+</file>
+
 <file path=ppt/slides/slide2.xml><?xml version="1.0" encoding="utf-8"?>
 <p:sld xmlns:a="http://schemas.openxmlformats.org/drawingml/2006/main" xmlns:r="http://schemas.openxmlformats.org/officeDocument/2006/relationships" xmlns:p="http://schemas.openxmlformats.org/presentationml/2006/main">
   <p:cSld>
@@ -3439,6 +4702,359 @@
           <p:cNvPr id="2" name="Title 1">
             <a:extLst>
               <a:ext uri="{FF2B5EF4-FFF2-40B4-BE49-F238E27FC236}">
+                <a16:creationId xmlns:a16="http://schemas.microsoft.com/office/drawing/2014/main" id="{74E9F826-5C6E-4474-BE7E-DEC7BF10A7D7}"/>
+              </a:ext>
+            </a:extLst>
+          </p:cNvPr>
+          <p:cNvSpPr>
+            <a:spLocks noGrp="1"/>
+          </p:cNvSpPr>
+          <p:nvPr>
+            <p:ph type="title"/>
+          </p:nvPr>
+        </p:nvSpPr>
+        <p:spPr/>
+        <p:txBody>
+          <a:bodyPr/>
+          <a:lstStyle/>
+          <a:p>
+            <a:r>
+              <a:rPr lang="en-GB" dirty="0"/>
+              <a:t>Contents</a:t>
+            </a:r>
+          </a:p>
+        </p:txBody>
+      </p:sp>
+      <p:sp>
+        <p:nvSpPr>
+          <p:cNvPr id="3" name="Content Placeholder 2">
+            <a:extLst>
+              <a:ext uri="{FF2B5EF4-FFF2-40B4-BE49-F238E27FC236}">
+                <a16:creationId xmlns:a16="http://schemas.microsoft.com/office/drawing/2014/main" id="{6507AB12-866C-4630-8EBA-A96761B739A0}"/>
+              </a:ext>
+            </a:extLst>
+          </p:cNvPr>
+          <p:cNvSpPr>
+            <a:spLocks noGrp="1"/>
+          </p:cNvSpPr>
+          <p:nvPr>
+            <p:ph idx="1"/>
+          </p:nvPr>
+        </p:nvSpPr>
+        <p:spPr/>
+        <p:txBody>
+          <a:bodyPr/>
+          <a:lstStyle/>
+          <a:p>
+            <a:pPr marL="514350" indent="-514350">
+              <a:buFont typeface="+mj-lt"/>
+              <a:buAutoNum type="arabicPeriod"/>
+            </a:pPr>
+            <a:r>
+              <a:rPr lang="en-GB" dirty="0"/>
+              <a:t>Introduction</a:t>
+            </a:r>
+          </a:p>
+          <a:p>
+            <a:pPr marL="514350" indent="-514350">
+              <a:buFont typeface="+mj-lt"/>
+              <a:buAutoNum type="arabicPeriod"/>
+            </a:pPr>
+            <a:r>
+              <a:rPr lang="en-GB" dirty="0"/>
+              <a:t>First Impressions</a:t>
+            </a:r>
+          </a:p>
+          <a:p>
+            <a:pPr marL="514350" indent="-514350">
+              <a:buFont typeface="+mj-lt"/>
+              <a:buAutoNum type="arabicPeriod"/>
+            </a:pPr>
+            <a:r>
+              <a:rPr lang="en-GB" dirty="0"/>
+              <a:t>5k Data</a:t>
+            </a:r>
+          </a:p>
+          <a:p>
+            <a:pPr marL="514350" indent="-514350">
+              <a:buFont typeface="+mj-lt"/>
+              <a:buAutoNum type="arabicPeriod"/>
+            </a:pPr>
+            <a:r>
+              <a:rPr lang="en-GB" dirty="0"/>
+              <a:t>10k Data</a:t>
+            </a:r>
+          </a:p>
+          <a:p>
+            <a:pPr marL="514350" indent="-514350">
+              <a:buFont typeface="+mj-lt"/>
+              <a:buAutoNum type="arabicPeriod"/>
+            </a:pPr>
+            <a:r>
+              <a:rPr lang="en-GB" dirty="0"/>
+              <a:t>Other</a:t>
+            </a:r>
+          </a:p>
+          <a:p>
+            <a:pPr marL="514350" indent="-514350">
+              <a:buFont typeface="+mj-lt"/>
+              <a:buAutoNum type="arabicPeriod"/>
+            </a:pPr>
+            <a:r>
+              <a:rPr lang="en-GB" dirty="0"/>
+              <a:t>Conclusion</a:t>
+            </a:r>
+          </a:p>
+        </p:txBody>
+      </p:sp>
+    </p:spTree>
+    <p:extLst>
+      <p:ext uri="{BB962C8B-B14F-4D97-AF65-F5344CB8AC3E}">
+        <p14:creationId xmlns:p14="http://schemas.microsoft.com/office/powerpoint/2010/main" val="4090212194"/>
+      </p:ext>
+    </p:extLst>
+  </p:cSld>
+  <p:clrMapOvr>
+    <a:masterClrMapping/>
+  </p:clrMapOvr>
+</p:sld>
+</file>
+
+<file path=ppt/slides/slide3.xml><?xml version="1.0" encoding="utf-8"?>
+<p:sld xmlns:a="http://schemas.openxmlformats.org/drawingml/2006/main" xmlns:r="http://schemas.openxmlformats.org/officeDocument/2006/relationships" xmlns:p="http://schemas.openxmlformats.org/presentationml/2006/main">
+  <p:cSld>
+    <p:spTree>
+      <p:nvGrpSpPr>
+        <p:cNvPr id="1" name=""/>
+        <p:cNvGrpSpPr/>
+        <p:nvPr/>
+      </p:nvGrpSpPr>
+      <p:grpSpPr>
+        <a:xfrm>
+          <a:off x="0" y="0"/>
+          <a:ext cx="0" cy="0"/>
+          <a:chOff x="0" y="0"/>
+          <a:chExt cx="0" cy="0"/>
+        </a:xfrm>
+      </p:grpSpPr>
+      <p:sp>
+        <p:nvSpPr>
+          <p:cNvPr id="2" name="Title 1">
+            <a:extLst>
+              <a:ext uri="{FF2B5EF4-FFF2-40B4-BE49-F238E27FC236}">
+                <a16:creationId xmlns:a16="http://schemas.microsoft.com/office/drawing/2014/main" id="{74E9F826-5C6E-4474-BE7E-DEC7BF10A7D7}"/>
+              </a:ext>
+            </a:extLst>
+          </p:cNvPr>
+          <p:cNvSpPr>
+            <a:spLocks noGrp="1"/>
+          </p:cNvSpPr>
+          <p:nvPr>
+            <p:ph type="title"/>
+          </p:nvPr>
+        </p:nvSpPr>
+        <p:spPr/>
+        <p:txBody>
+          <a:bodyPr/>
+          <a:lstStyle/>
+          <a:p>
+            <a:r>
+              <a:rPr lang="en-GB" dirty="0"/>
+              <a:t>Contents</a:t>
+            </a:r>
+          </a:p>
+        </p:txBody>
+      </p:sp>
+      <p:sp>
+        <p:nvSpPr>
+          <p:cNvPr id="3" name="Content Placeholder 2">
+            <a:extLst>
+              <a:ext uri="{FF2B5EF4-FFF2-40B4-BE49-F238E27FC236}">
+                <a16:creationId xmlns:a16="http://schemas.microsoft.com/office/drawing/2014/main" id="{6507AB12-866C-4630-8EBA-A96761B739A0}"/>
+              </a:ext>
+            </a:extLst>
+          </p:cNvPr>
+          <p:cNvSpPr>
+            <a:spLocks noGrp="1"/>
+          </p:cNvSpPr>
+          <p:nvPr>
+            <p:ph idx="1"/>
+          </p:nvPr>
+        </p:nvSpPr>
+        <p:spPr/>
+        <p:txBody>
+          <a:bodyPr/>
+          <a:lstStyle/>
+          <a:p>
+            <a:pPr marL="514350" indent="-514350">
+              <a:buFont typeface="+mj-lt"/>
+              <a:buAutoNum type="arabicPeriod"/>
+            </a:pPr>
+            <a:r>
+              <a:rPr lang="en-GB" b="1" dirty="0"/>
+              <a:t>Introduction</a:t>
+            </a:r>
+          </a:p>
+          <a:p>
+            <a:pPr marL="514350" indent="-514350">
+              <a:buFont typeface="+mj-lt"/>
+              <a:buAutoNum type="arabicPeriod"/>
+            </a:pPr>
+            <a:r>
+              <a:rPr lang="en-GB" dirty="0"/>
+              <a:t>5k Data</a:t>
+            </a:r>
+          </a:p>
+          <a:p>
+            <a:pPr marL="514350" indent="-514350">
+              <a:buFont typeface="+mj-lt"/>
+              <a:buAutoNum type="arabicPeriod"/>
+            </a:pPr>
+            <a:r>
+              <a:rPr lang="en-GB" dirty="0"/>
+              <a:t>10k Data</a:t>
+            </a:r>
+          </a:p>
+          <a:p>
+            <a:pPr marL="514350" indent="-514350">
+              <a:buFont typeface="+mj-lt"/>
+              <a:buAutoNum type="arabicPeriod"/>
+            </a:pPr>
+            <a:r>
+              <a:rPr lang="en-GB" dirty="0"/>
+              <a:t>Other</a:t>
+            </a:r>
+          </a:p>
+          <a:p>
+            <a:pPr marL="514350" indent="-514350">
+              <a:buFont typeface="+mj-lt"/>
+              <a:buAutoNum type="arabicPeriod"/>
+            </a:pPr>
+            <a:r>
+              <a:rPr lang="en-GB" dirty="0"/>
+              <a:t>Conclusion</a:t>
+            </a:r>
+          </a:p>
+        </p:txBody>
+      </p:sp>
+    </p:spTree>
+    <p:extLst>
+      <p:ext uri="{BB962C8B-B14F-4D97-AF65-F5344CB8AC3E}">
+        <p14:creationId xmlns:p14="http://schemas.microsoft.com/office/powerpoint/2010/main" val="1490033011"/>
+      </p:ext>
+    </p:extLst>
+  </p:cSld>
+  <p:clrMapOvr>
+    <a:masterClrMapping/>
+  </p:clrMapOvr>
+</p:sld>
+</file>
+
+<file path=ppt/slides/slide4.xml><?xml version="1.0" encoding="utf-8"?>
+<p:sld xmlns:a="http://schemas.openxmlformats.org/drawingml/2006/main" xmlns:r="http://schemas.openxmlformats.org/officeDocument/2006/relationships" xmlns:p="http://schemas.openxmlformats.org/presentationml/2006/main">
+  <p:cSld>
+    <p:spTree>
+      <p:nvGrpSpPr>
+        <p:cNvPr id="1" name=""/>
+        <p:cNvGrpSpPr/>
+        <p:nvPr/>
+      </p:nvGrpSpPr>
+      <p:grpSpPr>
+        <a:xfrm>
+          <a:off x="0" y="0"/>
+          <a:ext cx="0" cy="0"/>
+          <a:chOff x="0" y="0"/>
+          <a:chExt cx="0" cy="0"/>
+        </a:xfrm>
+      </p:grpSpPr>
+      <p:sp>
+        <p:nvSpPr>
+          <p:cNvPr id="2" name="Title 1">
+            <a:extLst>
+              <a:ext uri="{FF2B5EF4-FFF2-40B4-BE49-F238E27FC236}">
+                <a16:creationId xmlns:a16="http://schemas.microsoft.com/office/drawing/2014/main" id="{854C52A5-9E9A-44D7-B12E-0FD122D8A7A3}"/>
+              </a:ext>
+            </a:extLst>
+          </p:cNvPr>
+          <p:cNvSpPr>
+            <a:spLocks noGrp="1"/>
+          </p:cNvSpPr>
+          <p:nvPr>
+            <p:ph type="title"/>
+          </p:nvPr>
+        </p:nvSpPr>
+        <p:spPr/>
+        <p:txBody>
+          <a:bodyPr/>
+          <a:lstStyle/>
+          <a:p>
+            <a:r>
+              <a:rPr lang="en-GB" dirty="0"/>
+              <a:t>Introduction</a:t>
+            </a:r>
+          </a:p>
+        </p:txBody>
+      </p:sp>
+      <p:sp>
+        <p:nvSpPr>
+          <p:cNvPr id="3" name="Content Placeholder 2">
+            <a:extLst>
+              <a:ext uri="{FF2B5EF4-FFF2-40B4-BE49-F238E27FC236}">
+                <a16:creationId xmlns:a16="http://schemas.microsoft.com/office/drawing/2014/main" id="{5485ED19-43AA-4F1C-B23F-3D5812474831}"/>
+              </a:ext>
+            </a:extLst>
+          </p:cNvPr>
+          <p:cNvSpPr>
+            <a:spLocks noGrp="1"/>
+          </p:cNvSpPr>
+          <p:nvPr>
+            <p:ph idx="1"/>
+          </p:nvPr>
+        </p:nvSpPr>
+        <p:spPr/>
+        <p:txBody>
+          <a:bodyPr/>
+          <a:lstStyle/>
+          <a:p>
+            <a:endParaRPr lang="en-GB"/>
+          </a:p>
+        </p:txBody>
+      </p:sp>
+    </p:spTree>
+    <p:extLst>
+      <p:ext uri="{BB962C8B-B14F-4D97-AF65-F5344CB8AC3E}">
+        <p14:creationId xmlns:p14="http://schemas.microsoft.com/office/powerpoint/2010/main" val="1513206591"/>
+      </p:ext>
+    </p:extLst>
+  </p:cSld>
+  <p:clrMapOvr>
+    <a:masterClrMapping/>
+  </p:clrMapOvr>
+</p:sld>
+</file>
+
+<file path=ppt/slides/slide5.xml><?xml version="1.0" encoding="utf-8"?>
+<p:sld xmlns:a="http://schemas.openxmlformats.org/drawingml/2006/main" xmlns:r="http://schemas.openxmlformats.org/officeDocument/2006/relationships" xmlns:p="http://schemas.openxmlformats.org/presentationml/2006/main">
+  <p:cSld>
+    <p:spTree>
+      <p:nvGrpSpPr>
+        <p:cNvPr id="1" name=""/>
+        <p:cNvGrpSpPr/>
+        <p:nvPr/>
+      </p:nvGrpSpPr>
+      <p:grpSpPr>
+        <a:xfrm>
+          <a:off x="0" y="0"/>
+          <a:ext cx="0" cy="0"/>
+          <a:chOff x="0" y="0"/>
+          <a:chExt cx="0" cy="0"/>
+        </a:xfrm>
+      </p:grpSpPr>
+      <p:sp>
+        <p:nvSpPr>
+          <p:cNvPr id="2" name="Title 1">
+            <a:extLst>
+              <a:ext uri="{FF2B5EF4-FFF2-40B4-BE49-F238E27FC236}">
                 <a16:creationId xmlns:a16="http://schemas.microsoft.com/office/drawing/2014/main" id="{6480FB91-099A-4D54-B87A-E0E3056593EB}"/>
               </a:ext>
             </a:extLst>
@@ -3457,7 +5073,7 @@
           <a:p>
             <a:r>
               <a:rPr lang="en-GB" dirty="0"/>
-              <a:t>Data – First Impressions</a:t>
+              <a:t>First Impressions</a:t>
             </a:r>
           </a:p>
         </p:txBody>
@@ -3519,22 +5135,772 @@
           </a:p>
           <a:p>
             <a:r>
-              <a:rPr lang="en-GB"/>
+              <a:rPr lang="en-GB" dirty="0"/>
               <a:t>Dates: 03/12/2017 – 30/07/2019</a:t>
             </a:r>
+          </a:p>
+          <a:p>
             <a:endParaRPr lang="en-GB" dirty="0"/>
           </a:p>
-          <a:p>
-            <a:endParaRPr lang="en-GB" dirty="0"/>
-          </a:p>
-        </p:txBody>
-      </p:sp>
+        </p:txBody>
+      </p:sp>
+      <p:grpSp>
+        <p:nvGrpSpPr>
+          <p:cNvPr id="6" name="Group 5">
+            <a:extLst>
+              <a:ext uri="{FF2B5EF4-FFF2-40B4-BE49-F238E27FC236}">
+                <a16:creationId xmlns:a16="http://schemas.microsoft.com/office/drawing/2014/main" id="{9E899827-7A8F-4109-8DE7-38CE93A53D2E}"/>
+              </a:ext>
+            </a:extLst>
+          </p:cNvPr>
+          <p:cNvGrpSpPr/>
+          <p:nvPr/>
+        </p:nvGrpSpPr>
+        <p:grpSpPr>
+          <a:xfrm>
+            <a:off x="8565160" y="504685"/>
+            <a:ext cx="3003259" cy="6156173"/>
+            <a:chOff x="9678929" y="504686"/>
+            <a:chExt cx="2561867" cy="5807752"/>
+          </a:xfrm>
+        </p:grpSpPr>
+        <p:pic>
+          <p:nvPicPr>
+            <p:cNvPr id="4" name="Picture 3">
+              <a:extLst>
+                <a:ext uri="{FF2B5EF4-FFF2-40B4-BE49-F238E27FC236}">
+                  <a16:creationId xmlns:a16="http://schemas.microsoft.com/office/drawing/2014/main" id="{219E022A-5CBD-4579-891B-5A96A2DC8CB4}"/>
+                </a:ext>
+              </a:extLst>
+            </p:cNvPr>
+            <p:cNvPicPr>
+              <a:picLocks noChangeAspect="1"/>
+            </p:cNvPicPr>
+            <p:nvPr/>
+          </p:nvPicPr>
+          <p:blipFill rotWithShape="1">
+            <a:blip r:embed="rId2"/>
+            <a:srcRect t="4178" r="39572"/>
+            <a:stretch/>
+          </p:blipFill>
+          <p:spPr>
+            <a:xfrm>
+              <a:off x="9678929" y="1027906"/>
+              <a:ext cx="2141158" cy="5284532"/>
+            </a:xfrm>
+            <a:prstGeom prst="rect">
+              <a:avLst/>
+            </a:prstGeom>
+          </p:spPr>
+        </p:pic>
+        <p:sp>
+          <p:nvSpPr>
+            <p:cNvPr id="5" name="TextBox 4">
+              <a:extLst>
+                <a:ext uri="{FF2B5EF4-FFF2-40B4-BE49-F238E27FC236}">
+                  <a16:creationId xmlns:a16="http://schemas.microsoft.com/office/drawing/2014/main" id="{08CC70BD-552D-4927-B286-BE053E00677E}"/>
+                </a:ext>
+              </a:extLst>
+            </p:cNvPr>
+            <p:cNvSpPr txBox="1"/>
+            <p:nvPr/>
+          </p:nvSpPr>
+          <p:spPr>
+            <a:xfrm>
+              <a:off x="9990580" y="504686"/>
+              <a:ext cx="2250216" cy="493607"/>
+            </a:xfrm>
+            <a:prstGeom prst="rect">
+              <a:avLst/>
+            </a:prstGeom>
+            <a:noFill/>
+          </p:spPr>
+          <p:txBody>
+            <a:bodyPr wrap="square" rtlCol="0">
+              <a:spAutoFit/>
+            </a:bodyPr>
+            <a:lstStyle/>
+            <a:p>
+              <a:r>
+                <a:rPr lang="en-GB" sz="2800" u="sng" dirty="0"/>
+                <a:t>Attributes</a:t>
+              </a:r>
+            </a:p>
+          </p:txBody>
+        </p:sp>
+      </p:grpSp>
+    </p:spTree>
+    <p:extLst>
+      <p:ext uri="{BB962C8B-B14F-4D97-AF65-F5344CB8AC3E}">
+        <p14:creationId xmlns:p14="http://schemas.microsoft.com/office/powerpoint/2010/main" val="3391182616"/>
+      </p:ext>
+    </p:extLst>
+  </p:cSld>
+  <p:clrMapOvr>
+    <a:masterClrMapping/>
+  </p:clrMapOvr>
+</p:sld>
+</file>
+
+<file path=ppt/slides/slide6.xml><?xml version="1.0" encoding="utf-8"?>
+<p:sld xmlns:a="http://schemas.openxmlformats.org/drawingml/2006/main" xmlns:r="http://schemas.openxmlformats.org/officeDocument/2006/relationships" xmlns:p="http://schemas.openxmlformats.org/presentationml/2006/main">
+  <p:cSld>
+    <p:spTree>
+      <p:nvGrpSpPr>
+        <p:cNvPr id="1" name=""/>
+        <p:cNvGrpSpPr/>
+        <p:nvPr/>
+      </p:nvGrpSpPr>
+      <p:grpSpPr>
+        <a:xfrm>
+          <a:off x="0" y="0"/>
+          <a:ext cx="0" cy="0"/>
+          <a:chOff x="0" y="0"/>
+          <a:chExt cx="0" cy="0"/>
+        </a:xfrm>
+      </p:grpSpPr>
       <p:pic>
         <p:nvPicPr>
-          <p:cNvPr id="4" name="Picture 3">
-            <a:extLst>
-              <a:ext uri="{FF2B5EF4-FFF2-40B4-BE49-F238E27FC236}">
-                <a16:creationId xmlns:a16="http://schemas.microsoft.com/office/drawing/2014/main" id="{219E022A-5CBD-4579-891B-5A96A2DC8CB4}"/>
+          <p:cNvPr id="7" name="Picture 6">
+            <a:extLst>
+              <a:ext uri="{FF2B5EF4-FFF2-40B4-BE49-F238E27FC236}">
+                <a16:creationId xmlns:a16="http://schemas.microsoft.com/office/drawing/2014/main" id="{375D01F8-D5FD-45EE-B505-23D654F905DB}"/>
+              </a:ext>
+            </a:extLst>
+          </p:cNvPr>
+          <p:cNvPicPr>
+            <a:picLocks noChangeAspect="1"/>
+          </p:cNvPicPr>
+          <p:nvPr/>
+        </p:nvPicPr>
+        <p:blipFill>
+          <a:blip r:embed="rId2">
+            <a:extLst>
+              <a:ext uri="{28A0092B-C50C-407E-A947-70E740481C1C}">
+                <a14:useLocalDpi xmlns:a14="http://schemas.microsoft.com/office/drawing/2010/main" val="0"/>
+              </a:ext>
+            </a:extLst>
+          </a:blip>
+          <a:stretch>
+            <a:fillRect/>
+          </a:stretch>
+        </p:blipFill>
+        <p:spPr>
+          <a:xfrm>
+            <a:off x="1036662" y="0"/>
+            <a:ext cx="10118676" cy="6858000"/>
+          </a:xfrm>
+          <a:prstGeom prst="rect">
+            <a:avLst/>
+          </a:prstGeom>
+        </p:spPr>
+      </p:pic>
+    </p:spTree>
+    <p:extLst>
+      <p:ext uri="{BB962C8B-B14F-4D97-AF65-F5344CB8AC3E}">
+        <p14:creationId xmlns:p14="http://schemas.microsoft.com/office/powerpoint/2010/main" val="3459095460"/>
+      </p:ext>
+    </p:extLst>
+  </p:cSld>
+  <p:clrMapOvr>
+    <a:masterClrMapping/>
+  </p:clrMapOvr>
+</p:sld>
+</file>
+
+<file path=ppt/slides/slide7.xml><?xml version="1.0" encoding="utf-8"?>
+<p:sld xmlns:a="http://schemas.openxmlformats.org/drawingml/2006/main" xmlns:r="http://schemas.openxmlformats.org/officeDocument/2006/relationships" xmlns:p="http://schemas.openxmlformats.org/presentationml/2006/main">
+  <p:cSld>
+    <p:spTree>
+      <p:nvGrpSpPr>
+        <p:cNvPr id="1" name=""/>
+        <p:cNvGrpSpPr/>
+        <p:nvPr/>
+      </p:nvGrpSpPr>
+      <p:grpSpPr>
+        <a:xfrm>
+          <a:off x="0" y="0"/>
+          <a:ext cx="0" cy="0"/>
+          <a:chOff x="0" y="0"/>
+          <a:chExt cx="0" cy="0"/>
+        </a:xfrm>
+      </p:grpSpPr>
+      <p:pic>
+        <p:nvPicPr>
+          <p:cNvPr id="7" name="Picture 6">
+            <a:extLst>
+              <a:ext uri="{FF2B5EF4-FFF2-40B4-BE49-F238E27FC236}">
+                <a16:creationId xmlns:a16="http://schemas.microsoft.com/office/drawing/2014/main" id="{375D01F8-D5FD-45EE-B505-23D654F905DB}"/>
+              </a:ext>
+            </a:extLst>
+          </p:cNvPr>
+          <p:cNvPicPr>
+            <a:picLocks noChangeAspect="1"/>
+          </p:cNvPicPr>
+          <p:nvPr/>
+        </p:nvPicPr>
+        <p:blipFill>
+          <a:blip r:embed="rId2">
+            <a:extLst>
+              <a:ext uri="{28A0092B-C50C-407E-A947-70E740481C1C}">
+                <a14:useLocalDpi xmlns:a14="http://schemas.microsoft.com/office/drawing/2010/main" val="0"/>
+              </a:ext>
+            </a:extLst>
+          </a:blip>
+          <a:stretch>
+            <a:fillRect/>
+          </a:stretch>
+        </p:blipFill>
+        <p:spPr>
+          <a:xfrm>
+            <a:off x="1036662" y="0"/>
+            <a:ext cx="10118676" cy="6858000"/>
+          </a:xfrm>
+          <a:prstGeom prst="rect">
+            <a:avLst/>
+          </a:prstGeom>
+        </p:spPr>
+      </p:pic>
+      <p:sp>
+        <p:nvSpPr>
+          <p:cNvPr id="2" name="Oval 1">
+            <a:extLst>
+              <a:ext uri="{FF2B5EF4-FFF2-40B4-BE49-F238E27FC236}">
+                <a16:creationId xmlns:a16="http://schemas.microsoft.com/office/drawing/2014/main" id="{261AF0E6-D61A-4382-9668-412BA497D289}"/>
+              </a:ext>
+            </a:extLst>
+          </p:cNvPr>
+          <p:cNvSpPr/>
+          <p:nvPr/>
+        </p:nvSpPr>
+        <p:spPr>
+          <a:xfrm>
+            <a:off x="1510019" y="4018327"/>
+            <a:ext cx="4278386" cy="578840"/>
+          </a:xfrm>
+          <a:prstGeom prst="ellipse">
+            <a:avLst/>
+          </a:prstGeom>
+          <a:noFill/>
+          <a:ln>
+            <a:solidFill>
+              <a:srgbClr val="FF0000"/>
+            </a:solidFill>
+          </a:ln>
+        </p:spPr>
+        <p:style>
+          <a:lnRef idx="2">
+            <a:schemeClr val="accent1">
+              <a:shade val="50000"/>
+            </a:schemeClr>
+          </a:lnRef>
+          <a:fillRef idx="1">
+            <a:schemeClr val="accent1"/>
+          </a:fillRef>
+          <a:effectRef idx="0">
+            <a:schemeClr val="accent1"/>
+          </a:effectRef>
+          <a:fontRef idx="minor">
+            <a:schemeClr val="lt1"/>
+          </a:fontRef>
+        </p:style>
+        <p:txBody>
+          <a:bodyPr rtlCol="0" anchor="ctr"/>
+          <a:lstStyle/>
+          <a:p>
+            <a:pPr algn="ctr"/>
+            <a:endParaRPr lang="en-GB"/>
+          </a:p>
+        </p:txBody>
+      </p:sp>
+      <p:sp>
+        <p:nvSpPr>
+          <p:cNvPr id="4" name="Oval 3">
+            <a:extLst>
+              <a:ext uri="{FF2B5EF4-FFF2-40B4-BE49-F238E27FC236}">
+                <a16:creationId xmlns:a16="http://schemas.microsoft.com/office/drawing/2014/main" id="{CAF24310-5315-4CD7-A152-6E6475CD40C7}"/>
+              </a:ext>
+            </a:extLst>
+          </p:cNvPr>
+          <p:cNvSpPr/>
+          <p:nvPr/>
+        </p:nvSpPr>
+        <p:spPr>
+          <a:xfrm rot="161983">
+            <a:off x="6758137" y="5335209"/>
+            <a:ext cx="4381074" cy="572980"/>
+          </a:xfrm>
+          <a:prstGeom prst="ellipse">
+            <a:avLst/>
+          </a:prstGeom>
+          <a:noFill/>
+          <a:ln>
+            <a:solidFill>
+              <a:srgbClr val="FF0000"/>
+            </a:solidFill>
+          </a:ln>
+        </p:spPr>
+        <p:style>
+          <a:lnRef idx="2">
+            <a:schemeClr val="accent1">
+              <a:shade val="50000"/>
+            </a:schemeClr>
+          </a:lnRef>
+          <a:fillRef idx="1">
+            <a:schemeClr val="accent1"/>
+          </a:fillRef>
+          <a:effectRef idx="0">
+            <a:schemeClr val="accent1"/>
+          </a:effectRef>
+          <a:fontRef idx="minor">
+            <a:schemeClr val="lt1"/>
+          </a:fontRef>
+        </p:style>
+        <p:txBody>
+          <a:bodyPr rtlCol="0" anchor="ctr"/>
+          <a:lstStyle/>
+          <a:p>
+            <a:pPr algn="ctr"/>
+            <a:endParaRPr lang="en-GB"/>
+          </a:p>
+        </p:txBody>
+      </p:sp>
+      <p:sp>
+        <p:nvSpPr>
+          <p:cNvPr id="5" name="Oval 4">
+            <a:extLst>
+              <a:ext uri="{FF2B5EF4-FFF2-40B4-BE49-F238E27FC236}">
+                <a16:creationId xmlns:a16="http://schemas.microsoft.com/office/drawing/2014/main" id="{8D9DFC24-1F65-4D92-A1B2-03BD7D3BB95C}"/>
+              </a:ext>
+            </a:extLst>
+          </p:cNvPr>
+          <p:cNvSpPr/>
+          <p:nvPr/>
+        </p:nvSpPr>
+        <p:spPr>
+          <a:xfrm>
+            <a:off x="1817614" y="1872143"/>
+            <a:ext cx="4278386" cy="578840"/>
+          </a:xfrm>
+          <a:prstGeom prst="ellipse">
+            <a:avLst/>
+          </a:prstGeom>
+          <a:noFill/>
+          <a:ln>
+            <a:solidFill>
+              <a:srgbClr val="92D050"/>
+            </a:solidFill>
+          </a:ln>
+        </p:spPr>
+        <p:style>
+          <a:lnRef idx="2">
+            <a:schemeClr val="accent1">
+              <a:shade val="50000"/>
+            </a:schemeClr>
+          </a:lnRef>
+          <a:fillRef idx="1">
+            <a:schemeClr val="accent1"/>
+          </a:fillRef>
+          <a:effectRef idx="0">
+            <a:schemeClr val="accent1"/>
+          </a:effectRef>
+          <a:fontRef idx="minor">
+            <a:schemeClr val="lt1"/>
+          </a:fontRef>
+        </p:style>
+        <p:txBody>
+          <a:bodyPr rtlCol="0" anchor="ctr"/>
+          <a:lstStyle/>
+          <a:p>
+            <a:pPr algn="ctr"/>
+            <a:endParaRPr lang="en-GB"/>
+          </a:p>
+        </p:txBody>
+      </p:sp>
+      <p:sp>
+        <p:nvSpPr>
+          <p:cNvPr id="6" name="Oval 5">
+            <a:extLst>
+              <a:ext uri="{FF2B5EF4-FFF2-40B4-BE49-F238E27FC236}">
+                <a16:creationId xmlns:a16="http://schemas.microsoft.com/office/drawing/2014/main" id="{8DE0FC48-06F6-4822-97AF-247343AEDEF6}"/>
+              </a:ext>
+            </a:extLst>
+          </p:cNvPr>
+          <p:cNvSpPr/>
+          <p:nvPr/>
+        </p:nvSpPr>
+        <p:spPr>
+          <a:xfrm rot="338857">
+            <a:off x="7596526" y="3952497"/>
+            <a:ext cx="3403291" cy="578840"/>
+          </a:xfrm>
+          <a:prstGeom prst="ellipse">
+            <a:avLst/>
+          </a:prstGeom>
+          <a:noFill/>
+          <a:ln>
+            <a:solidFill>
+              <a:srgbClr val="92D050"/>
+            </a:solidFill>
+          </a:ln>
+        </p:spPr>
+        <p:style>
+          <a:lnRef idx="2">
+            <a:schemeClr val="accent1">
+              <a:shade val="50000"/>
+            </a:schemeClr>
+          </a:lnRef>
+          <a:fillRef idx="1">
+            <a:schemeClr val="accent1"/>
+          </a:fillRef>
+          <a:effectRef idx="0">
+            <a:schemeClr val="accent1"/>
+          </a:effectRef>
+          <a:fontRef idx="minor">
+            <a:schemeClr val="lt1"/>
+          </a:fontRef>
+        </p:style>
+        <p:txBody>
+          <a:bodyPr rtlCol="0" anchor="ctr"/>
+          <a:lstStyle/>
+          <a:p>
+            <a:pPr algn="ctr"/>
+            <a:endParaRPr lang="en-GB"/>
+          </a:p>
+        </p:txBody>
+      </p:sp>
+      <p:sp>
+        <p:nvSpPr>
+          <p:cNvPr id="3" name="TextBox 2">
+            <a:extLst>
+              <a:ext uri="{FF2B5EF4-FFF2-40B4-BE49-F238E27FC236}">
+                <a16:creationId xmlns:a16="http://schemas.microsoft.com/office/drawing/2014/main" id="{2F832A2E-4CCA-4CB0-8496-A10C798CA0D0}"/>
+              </a:ext>
+            </a:extLst>
+          </p:cNvPr>
+          <p:cNvSpPr txBox="1"/>
+          <p:nvPr/>
+        </p:nvSpPr>
+        <p:spPr>
+          <a:xfrm>
+            <a:off x="6536069" y="2605154"/>
+            <a:ext cx="1040235" cy="646331"/>
+          </a:xfrm>
+          <a:prstGeom prst="rect">
+            <a:avLst/>
+          </a:prstGeom>
+          <a:solidFill>
+            <a:schemeClr val="bg1"/>
+          </a:solidFill>
+          <a:ln>
+            <a:solidFill>
+              <a:srgbClr val="92D050"/>
+            </a:solidFill>
+          </a:ln>
+        </p:spPr>
+        <p:txBody>
+          <a:bodyPr wrap="square" rtlCol="0">
+            <a:spAutoFit/>
+          </a:bodyPr>
+          <a:lstStyle/>
+          <a:p>
+            <a:r>
+              <a:rPr lang="en-GB" dirty="0"/>
+              <a:t>Set of 10k Runs</a:t>
+            </a:r>
+          </a:p>
+        </p:txBody>
+      </p:sp>
+      <p:cxnSp>
+        <p:nvCxnSpPr>
+          <p:cNvPr id="9" name="Straight Arrow Connector 8">
+            <a:extLst>
+              <a:ext uri="{FF2B5EF4-FFF2-40B4-BE49-F238E27FC236}">
+                <a16:creationId xmlns:a16="http://schemas.microsoft.com/office/drawing/2014/main" id="{BEA23364-6F6D-4F82-9B9A-4C1CAB65AF7A}"/>
+              </a:ext>
+            </a:extLst>
+          </p:cNvPr>
+          <p:cNvCxnSpPr>
+            <a:stCxn id="3" idx="1"/>
+          </p:cNvCxnSpPr>
+          <p:nvPr/>
+        </p:nvCxnSpPr>
+        <p:spPr>
+          <a:xfrm flipH="1" flipV="1">
+            <a:off x="5696125" y="2390862"/>
+            <a:ext cx="839944" cy="537458"/>
+          </a:xfrm>
+          <a:prstGeom prst="straightConnector1">
+            <a:avLst/>
+          </a:prstGeom>
+          <a:ln>
+            <a:solidFill>
+              <a:srgbClr val="92D050"/>
+            </a:solidFill>
+            <a:tailEnd type="triangle"/>
+          </a:ln>
+        </p:spPr>
+        <p:style>
+          <a:lnRef idx="1">
+            <a:schemeClr val="accent1"/>
+          </a:lnRef>
+          <a:fillRef idx="0">
+            <a:schemeClr val="accent1"/>
+          </a:fillRef>
+          <a:effectRef idx="0">
+            <a:schemeClr val="accent1"/>
+          </a:effectRef>
+          <a:fontRef idx="minor">
+            <a:schemeClr val="tx1"/>
+          </a:fontRef>
+        </p:style>
+      </p:cxnSp>
+      <p:cxnSp>
+        <p:nvCxnSpPr>
+          <p:cNvPr id="11" name="Straight Arrow Connector 10">
+            <a:extLst>
+              <a:ext uri="{FF2B5EF4-FFF2-40B4-BE49-F238E27FC236}">
+                <a16:creationId xmlns:a16="http://schemas.microsoft.com/office/drawing/2014/main" id="{25A90FC7-E60F-4CEE-84D4-4FA89F202C81}"/>
+              </a:ext>
+            </a:extLst>
+          </p:cNvPr>
+          <p:cNvCxnSpPr>
+            <a:stCxn id="3" idx="3"/>
+          </p:cNvCxnSpPr>
+          <p:nvPr/>
+        </p:nvCxnSpPr>
+        <p:spPr>
+          <a:xfrm>
+            <a:off x="7576304" y="2928320"/>
+            <a:ext cx="493905" cy="858122"/>
+          </a:xfrm>
+          <a:prstGeom prst="straightConnector1">
+            <a:avLst/>
+          </a:prstGeom>
+          <a:ln>
+            <a:solidFill>
+              <a:srgbClr val="92D050"/>
+            </a:solidFill>
+            <a:tailEnd type="triangle"/>
+          </a:ln>
+        </p:spPr>
+        <p:style>
+          <a:lnRef idx="1">
+            <a:schemeClr val="accent1"/>
+          </a:lnRef>
+          <a:fillRef idx="0">
+            <a:schemeClr val="accent1"/>
+          </a:fillRef>
+          <a:effectRef idx="0">
+            <a:schemeClr val="accent1"/>
+          </a:effectRef>
+          <a:fontRef idx="minor">
+            <a:schemeClr val="tx1"/>
+          </a:fontRef>
+        </p:style>
+      </p:cxnSp>
+      <p:sp>
+        <p:nvSpPr>
+          <p:cNvPr id="12" name="TextBox 11">
+            <a:extLst>
+              <a:ext uri="{FF2B5EF4-FFF2-40B4-BE49-F238E27FC236}">
+                <a16:creationId xmlns:a16="http://schemas.microsoft.com/office/drawing/2014/main" id="{5EBC7A7D-8E5E-46C8-97DB-AE9EF2A5ADFD}"/>
+              </a:ext>
+            </a:extLst>
+          </p:cNvPr>
+          <p:cNvSpPr txBox="1"/>
+          <p:nvPr/>
+        </p:nvSpPr>
+        <p:spPr>
+          <a:xfrm>
+            <a:off x="6226956" y="4228170"/>
+            <a:ext cx="1040235" cy="646331"/>
+          </a:xfrm>
+          <a:prstGeom prst="rect">
+            <a:avLst/>
+          </a:prstGeom>
+          <a:solidFill>
+            <a:schemeClr val="bg1"/>
+          </a:solidFill>
+          <a:ln>
+            <a:solidFill>
+              <a:srgbClr val="FF0000"/>
+            </a:solidFill>
+          </a:ln>
+        </p:spPr>
+        <p:txBody>
+          <a:bodyPr wrap="square" rtlCol="0">
+            <a:spAutoFit/>
+          </a:bodyPr>
+          <a:lstStyle/>
+          <a:p>
+            <a:r>
+              <a:rPr lang="en-GB" dirty="0"/>
+              <a:t>Set of 5k Runs</a:t>
+            </a:r>
+          </a:p>
+        </p:txBody>
+      </p:sp>
+      <p:cxnSp>
+        <p:nvCxnSpPr>
+          <p:cNvPr id="13" name="Straight Arrow Connector 12">
+            <a:extLst>
+              <a:ext uri="{FF2B5EF4-FFF2-40B4-BE49-F238E27FC236}">
+                <a16:creationId xmlns:a16="http://schemas.microsoft.com/office/drawing/2014/main" id="{8E384896-0A19-4E61-97A4-DF5D86397E67}"/>
+              </a:ext>
+            </a:extLst>
+          </p:cNvPr>
+          <p:cNvCxnSpPr>
+            <a:cxnSpLocks/>
+          </p:cNvCxnSpPr>
+          <p:nvPr/>
+        </p:nvCxnSpPr>
+        <p:spPr>
+          <a:xfrm>
+            <a:off x="7267191" y="4579067"/>
+            <a:ext cx="803018" cy="681013"/>
+          </a:xfrm>
+          <a:prstGeom prst="straightConnector1">
+            <a:avLst/>
+          </a:prstGeom>
+          <a:ln>
+            <a:solidFill>
+              <a:srgbClr val="FF0000"/>
+            </a:solidFill>
+            <a:tailEnd type="triangle"/>
+          </a:ln>
+        </p:spPr>
+        <p:style>
+          <a:lnRef idx="1">
+            <a:schemeClr val="accent1"/>
+          </a:lnRef>
+          <a:fillRef idx="0">
+            <a:schemeClr val="accent1"/>
+          </a:fillRef>
+          <a:effectRef idx="0">
+            <a:schemeClr val="accent1"/>
+          </a:effectRef>
+          <a:fontRef idx="minor">
+            <a:schemeClr val="tx1"/>
+          </a:fontRef>
+        </p:style>
+      </p:cxnSp>
+      <p:cxnSp>
+        <p:nvCxnSpPr>
+          <p:cNvPr id="15" name="Straight Arrow Connector 14">
+            <a:extLst>
+              <a:ext uri="{FF2B5EF4-FFF2-40B4-BE49-F238E27FC236}">
+                <a16:creationId xmlns:a16="http://schemas.microsoft.com/office/drawing/2014/main" id="{A9242FD3-41FD-467E-B055-D7AD8A980B27}"/>
+              </a:ext>
+            </a:extLst>
+          </p:cNvPr>
+          <p:cNvCxnSpPr>
+            <a:cxnSpLocks/>
+          </p:cNvCxnSpPr>
+          <p:nvPr/>
+        </p:nvCxnSpPr>
+        <p:spPr>
+          <a:xfrm flipH="1" flipV="1">
+            <a:off x="5788405" y="4323126"/>
+            <a:ext cx="455447" cy="228209"/>
+          </a:xfrm>
+          <a:prstGeom prst="straightConnector1">
+            <a:avLst/>
+          </a:prstGeom>
+          <a:ln>
+            <a:solidFill>
+              <a:srgbClr val="FF0000"/>
+            </a:solidFill>
+            <a:tailEnd type="triangle"/>
+          </a:ln>
+        </p:spPr>
+        <p:style>
+          <a:lnRef idx="1">
+            <a:schemeClr val="accent1"/>
+          </a:lnRef>
+          <a:fillRef idx="0">
+            <a:schemeClr val="accent1"/>
+          </a:fillRef>
+          <a:effectRef idx="0">
+            <a:schemeClr val="accent1"/>
+          </a:effectRef>
+          <a:fontRef idx="minor">
+            <a:schemeClr val="tx1"/>
+          </a:fontRef>
+        </p:style>
+      </p:cxnSp>
+    </p:spTree>
+    <p:extLst>
+      <p:ext uri="{BB962C8B-B14F-4D97-AF65-F5344CB8AC3E}">
+        <p14:creationId xmlns:p14="http://schemas.microsoft.com/office/powerpoint/2010/main" val="3527895599"/>
+      </p:ext>
+    </p:extLst>
+  </p:cSld>
+  <p:clrMapOvr>
+    <a:masterClrMapping/>
+  </p:clrMapOvr>
+</p:sld>
+</file>
+
+<file path=ppt/slides/slide8.xml><?xml version="1.0" encoding="utf-8"?>
+<p:sld xmlns:a="http://schemas.openxmlformats.org/drawingml/2006/main" xmlns:r="http://schemas.openxmlformats.org/officeDocument/2006/relationships" xmlns:p="http://schemas.openxmlformats.org/presentationml/2006/main">
+  <p:cSld>
+    <p:spTree>
+      <p:nvGrpSpPr>
+        <p:cNvPr id="1" name=""/>
+        <p:cNvGrpSpPr/>
+        <p:nvPr/>
+      </p:nvGrpSpPr>
+      <p:grpSpPr>
+        <a:xfrm>
+          <a:off x="0" y="0"/>
+          <a:ext cx="0" cy="0"/>
+          <a:chOff x="0" y="0"/>
+          <a:chExt cx="0" cy="0"/>
+        </a:xfrm>
+      </p:grpSpPr>
+      <p:pic>
+        <p:nvPicPr>
+          <p:cNvPr id="5" name="Picture 4" descr="A close up of text on a white background&#10;&#10;Description automatically generated">
+            <a:extLst>
+              <a:ext uri="{FF2B5EF4-FFF2-40B4-BE49-F238E27FC236}">
+                <a16:creationId xmlns:a16="http://schemas.microsoft.com/office/drawing/2014/main" id="{9CC5C397-D137-4DC7-A476-8322CFD76648}"/>
+              </a:ext>
+            </a:extLst>
+          </p:cNvPr>
+          <p:cNvPicPr>
+            <a:picLocks noChangeAspect="1"/>
+          </p:cNvPicPr>
+          <p:nvPr/>
+        </p:nvPicPr>
+        <p:blipFill>
+          <a:blip r:embed="rId2">
+            <a:extLst>
+              <a:ext uri="{28A0092B-C50C-407E-A947-70E740481C1C}">
+                <a14:useLocalDpi xmlns:a14="http://schemas.microsoft.com/office/drawing/2010/main" val="0"/>
+              </a:ext>
+            </a:extLst>
+          </a:blip>
+          <a:stretch>
+            <a:fillRect/>
+          </a:stretch>
+        </p:blipFill>
+        <p:spPr>
+          <a:xfrm>
+            <a:off x="691512" y="77598"/>
+            <a:ext cx="6513992" cy="6702804"/>
+          </a:xfrm>
+          <a:prstGeom prst="rect">
+            <a:avLst/>
+          </a:prstGeom>
+        </p:spPr>
+      </p:pic>
+      <p:pic>
+        <p:nvPicPr>
+          <p:cNvPr id="8" name="Picture 7">
+            <a:extLst>
+              <a:ext uri="{FF2B5EF4-FFF2-40B4-BE49-F238E27FC236}">
+                <a16:creationId xmlns:a16="http://schemas.microsoft.com/office/drawing/2014/main" id="{CD704AC3-7BAB-4499-8FC9-7258455543FF}"/>
               </a:ext>
             </a:extLst>
           </p:cNvPr>
@@ -3544,14 +5910,14 @@
           <p:nvPr/>
         </p:nvPicPr>
         <p:blipFill rotWithShape="1">
-          <a:blip r:embed="rId2"/>
-          <a:srcRect t="4178" r="39572"/>
+          <a:blip r:embed="rId3"/>
+          <a:srcRect t="5795"/>
           <a:stretch/>
         </p:blipFill>
         <p:spPr>
           <a:xfrm>
-            <a:off x="9678929" y="1027906"/>
-            <a:ext cx="2141158" cy="5284532"/>
+            <a:off x="7205504" y="729842"/>
+            <a:ext cx="3078355" cy="5591120"/>
           </a:xfrm>
           <a:prstGeom prst="rect">
             <a:avLst/>
@@ -3560,10 +5926,68 @@
       </p:pic>
       <p:sp>
         <p:nvSpPr>
-          <p:cNvPr id="5" name="TextBox 4">
-            <a:extLst>
-              <a:ext uri="{FF2B5EF4-FFF2-40B4-BE49-F238E27FC236}">
-                <a16:creationId xmlns:a16="http://schemas.microsoft.com/office/drawing/2014/main" id="{08CC70BD-552D-4927-B286-BE053E00677E}"/>
+          <p:cNvPr id="9" name="Right Brace 8">
+            <a:extLst>
+              <a:ext uri="{FF2B5EF4-FFF2-40B4-BE49-F238E27FC236}">
+                <a16:creationId xmlns:a16="http://schemas.microsoft.com/office/drawing/2014/main" id="{FE47171D-6F90-4225-8A39-EB99B50E1CF5}"/>
+              </a:ext>
+            </a:extLst>
+          </p:cNvPr>
+          <p:cNvSpPr/>
+          <p:nvPr/>
+        </p:nvSpPr>
+        <p:spPr>
+          <a:xfrm>
+            <a:off x="10284902" y="3724712"/>
+            <a:ext cx="486562" cy="2357306"/>
+          </a:xfrm>
+          <a:prstGeom prst="rightBrace">
+            <a:avLst/>
+          </a:prstGeom>
+          <a:ln w="28575">
+            <a:solidFill>
+              <a:schemeClr val="tx1"/>
+            </a:solidFill>
+          </a:ln>
+        </p:spPr>
+        <p:style>
+          <a:lnRef idx="1">
+            <a:schemeClr val="accent1"/>
+          </a:lnRef>
+          <a:fillRef idx="0">
+            <a:schemeClr val="accent1"/>
+          </a:fillRef>
+          <a:effectRef idx="0">
+            <a:schemeClr val="accent1"/>
+          </a:effectRef>
+          <a:fontRef idx="minor">
+            <a:schemeClr val="tx1"/>
+          </a:fontRef>
+        </p:style>
+        <p:txBody>
+          <a:bodyPr rtlCol="0" anchor="ctr"/>
+          <a:lstStyle/>
+          <a:p>
+            <a:pPr algn="ctr"/>
+            <a:endParaRPr lang="en-GB">
+              <a:ln w="0"/>
+              <a:effectLst>
+                <a:outerShdw blurRad="38100" dist="19050" dir="2700000" algn="tl" rotWithShape="0">
+                  <a:schemeClr val="dk1">
+                    <a:alpha val="40000"/>
+                  </a:schemeClr>
+                </a:outerShdw>
+              </a:effectLst>
+            </a:endParaRPr>
+          </a:p>
+        </p:txBody>
+      </p:sp>
+      <p:sp>
+        <p:nvSpPr>
+          <p:cNvPr id="10" name="TextBox 9">
+            <a:extLst>
+              <a:ext uri="{FF2B5EF4-FFF2-40B4-BE49-F238E27FC236}">
+                <a16:creationId xmlns:a16="http://schemas.microsoft.com/office/drawing/2014/main" id="{2BE56A75-69C6-4147-8BDA-44D4B91F9E39}"/>
               </a:ext>
             </a:extLst>
           </p:cNvPr>
@@ -3572,8 +5996,8 @@
         </p:nvSpPr>
         <p:spPr>
           <a:xfrm>
-            <a:off x="9754430" y="504686"/>
-            <a:ext cx="2250216" cy="523220"/>
+            <a:off x="10887682" y="4630722"/>
+            <a:ext cx="1242390" cy="523220"/>
           </a:xfrm>
           <a:prstGeom prst="rect">
             <a:avLst/>
@@ -3588,7 +6012,7 @@
           <a:p>
             <a:r>
               <a:rPr lang="en-GB" sz="2800" dirty="0"/>
-              <a:t>Attributes</a:t>
+              <a:t>‘Other’</a:t>
             </a:r>
           </a:p>
         </p:txBody>
@@ -3596,7 +6020,73 @@
     </p:spTree>
     <p:extLst>
       <p:ext uri="{BB962C8B-B14F-4D97-AF65-F5344CB8AC3E}">
-        <p14:creationId xmlns:p14="http://schemas.microsoft.com/office/powerpoint/2010/main" val="3391182616"/>
+        <p14:creationId xmlns:p14="http://schemas.microsoft.com/office/powerpoint/2010/main" val="948984616"/>
+      </p:ext>
+    </p:extLst>
+  </p:cSld>
+  <p:clrMapOvr>
+    <a:masterClrMapping/>
+  </p:clrMapOvr>
+</p:sld>
+</file>
+
+<file path=ppt/slides/slide9.xml><?xml version="1.0" encoding="utf-8"?>
+<p:sld xmlns:a="http://schemas.openxmlformats.org/drawingml/2006/main" xmlns:r="http://schemas.openxmlformats.org/officeDocument/2006/relationships" xmlns:p="http://schemas.openxmlformats.org/presentationml/2006/main">
+  <p:cSld>
+    <p:spTree>
+      <p:nvGrpSpPr>
+        <p:cNvPr id="1" name=""/>
+        <p:cNvGrpSpPr/>
+        <p:nvPr/>
+      </p:nvGrpSpPr>
+      <p:grpSpPr>
+        <a:xfrm>
+          <a:off x="0" y="0"/>
+          <a:ext cx="0" cy="0"/>
+          <a:chOff x="0" y="0"/>
+          <a:chExt cx="0" cy="0"/>
+        </a:xfrm>
+      </p:grpSpPr>
+      <p:pic>
+        <p:nvPicPr>
+          <p:cNvPr id="7" name="Picture 6" descr="A screenshot of a social media post&#10;&#10;Description automatically generated">
+            <a:extLst>
+              <a:ext uri="{FF2B5EF4-FFF2-40B4-BE49-F238E27FC236}">
+                <a16:creationId xmlns:a16="http://schemas.microsoft.com/office/drawing/2014/main" id="{5861CA30-3FA2-4EC2-8604-83F1A02EF719}"/>
+              </a:ext>
+            </a:extLst>
+          </p:cNvPr>
+          <p:cNvPicPr>
+            <a:picLocks noChangeAspect="1"/>
+          </p:cNvPicPr>
+          <p:nvPr/>
+        </p:nvPicPr>
+        <p:blipFill>
+          <a:blip r:embed="rId2">
+            <a:extLst>
+              <a:ext uri="{28A0092B-C50C-407E-A947-70E740481C1C}">
+                <a14:useLocalDpi xmlns:a14="http://schemas.microsoft.com/office/drawing/2010/main" val="0"/>
+              </a:ext>
+            </a:extLst>
+          </a:blip>
+          <a:stretch>
+            <a:fillRect/>
+          </a:stretch>
+        </p:blipFill>
+        <p:spPr>
+          <a:xfrm>
+            <a:off x="1446741" y="278682"/>
+            <a:ext cx="9298518" cy="6300635"/>
+          </a:xfrm>
+          <a:prstGeom prst="rect">
+            <a:avLst/>
+          </a:prstGeom>
+        </p:spPr>
+      </p:pic>
+    </p:spTree>
+    <p:extLst>
+      <p:ext uri="{BB962C8B-B14F-4D97-AF65-F5344CB8AC3E}">
+        <p14:creationId xmlns:p14="http://schemas.microsoft.com/office/powerpoint/2010/main" val="1125721984"/>
       </p:ext>
     </p:extLst>
   </p:cSld>

--- a/Data_Summary.pptx
+++ b/Data_Summary.pptx
@@ -21,6 +21,15 @@
     <p:sldId id="269" r:id="rId15"/>
     <p:sldId id="270" r:id="rId16"/>
     <p:sldId id="271" r:id="rId17"/>
+    <p:sldId id="275" r:id="rId18"/>
+    <p:sldId id="273" r:id="rId19"/>
+    <p:sldId id="278" r:id="rId20"/>
+    <p:sldId id="274" r:id="rId21"/>
+    <p:sldId id="279" r:id="rId22"/>
+    <p:sldId id="277" r:id="rId23"/>
+    <p:sldId id="280" r:id="rId24"/>
+    <p:sldId id="276" r:id="rId25"/>
+    <p:sldId id="272" r:id="rId26"/>
   </p:sldIdLst>
   <p:sldSz cx="12192000" cy="6858000"/>
   <p:notesSz cx="6858000" cy="9144000"/>
@@ -276,7 +285,7 @@
           <a:p>
             <a:fld id="{F18657CB-3368-41A4-98BC-B65A2BA16C04}" type="datetimeFigureOut">
               <a:rPr lang="en-GB" smtClean="0"/>
-              <a:t>04/05/2020</a:t>
+              <a:t>07/05/2020</a:t>
             </a:fld>
             <a:endParaRPr lang="en-GB"/>
           </a:p>
@@ -476,7 +485,7 @@
           <a:p>
             <a:fld id="{F18657CB-3368-41A4-98BC-B65A2BA16C04}" type="datetimeFigureOut">
               <a:rPr lang="en-GB" smtClean="0"/>
-              <a:t>04/05/2020</a:t>
+              <a:t>07/05/2020</a:t>
             </a:fld>
             <a:endParaRPr lang="en-GB"/>
           </a:p>
@@ -686,7 +695,7 @@
           <a:p>
             <a:fld id="{F18657CB-3368-41A4-98BC-B65A2BA16C04}" type="datetimeFigureOut">
               <a:rPr lang="en-GB" smtClean="0"/>
-              <a:t>04/05/2020</a:t>
+              <a:t>07/05/2020</a:t>
             </a:fld>
             <a:endParaRPr lang="en-GB"/>
           </a:p>
@@ -886,7 +895,7 @@
           <a:p>
             <a:fld id="{F18657CB-3368-41A4-98BC-B65A2BA16C04}" type="datetimeFigureOut">
               <a:rPr lang="en-GB" smtClean="0"/>
-              <a:t>04/05/2020</a:t>
+              <a:t>07/05/2020</a:t>
             </a:fld>
             <a:endParaRPr lang="en-GB"/>
           </a:p>
@@ -1162,7 +1171,7 @@
           <a:p>
             <a:fld id="{F18657CB-3368-41A4-98BC-B65A2BA16C04}" type="datetimeFigureOut">
               <a:rPr lang="en-GB" smtClean="0"/>
-              <a:t>04/05/2020</a:t>
+              <a:t>07/05/2020</a:t>
             </a:fld>
             <a:endParaRPr lang="en-GB"/>
           </a:p>
@@ -1430,7 +1439,7 @@
           <a:p>
             <a:fld id="{F18657CB-3368-41A4-98BC-B65A2BA16C04}" type="datetimeFigureOut">
               <a:rPr lang="en-GB" smtClean="0"/>
-              <a:t>04/05/2020</a:t>
+              <a:t>07/05/2020</a:t>
             </a:fld>
             <a:endParaRPr lang="en-GB"/>
           </a:p>
@@ -1845,7 +1854,7 @@
           <a:p>
             <a:fld id="{F18657CB-3368-41A4-98BC-B65A2BA16C04}" type="datetimeFigureOut">
               <a:rPr lang="en-GB" smtClean="0"/>
-              <a:t>04/05/2020</a:t>
+              <a:t>07/05/2020</a:t>
             </a:fld>
             <a:endParaRPr lang="en-GB"/>
           </a:p>
@@ -1987,7 +1996,7 @@
           <a:p>
             <a:fld id="{F18657CB-3368-41A4-98BC-B65A2BA16C04}" type="datetimeFigureOut">
               <a:rPr lang="en-GB" smtClean="0"/>
-              <a:t>04/05/2020</a:t>
+              <a:t>07/05/2020</a:t>
             </a:fld>
             <a:endParaRPr lang="en-GB"/>
           </a:p>
@@ -2100,7 +2109,7 @@
           <a:p>
             <a:fld id="{F18657CB-3368-41A4-98BC-B65A2BA16C04}" type="datetimeFigureOut">
               <a:rPr lang="en-GB" smtClean="0"/>
-              <a:t>04/05/2020</a:t>
+              <a:t>07/05/2020</a:t>
             </a:fld>
             <a:endParaRPr lang="en-GB"/>
           </a:p>
@@ -2413,7 +2422,7 @@
           <a:p>
             <a:fld id="{F18657CB-3368-41A4-98BC-B65A2BA16C04}" type="datetimeFigureOut">
               <a:rPr lang="en-GB" smtClean="0"/>
-              <a:t>04/05/2020</a:t>
+              <a:t>07/05/2020</a:t>
             </a:fld>
             <a:endParaRPr lang="en-GB"/>
           </a:p>
@@ -2702,7 +2711,7 @@
           <a:p>
             <a:fld id="{F18657CB-3368-41A4-98BC-B65A2BA16C04}" type="datetimeFigureOut">
               <a:rPr lang="en-GB" smtClean="0"/>
-              <a:t>04/05/2020</a:t>
+              <a:t>07/05/2020</a:t>
             </a:fld>
             <a:endParaRPr lang="en-GB"/>
           </a:p>
@@ -2945,7 +2954,7 @@
           <a:p>
             <a:fld id="{F18657CB-3368-41A4-98BC-B65A2BA16C04}" type="datetimeFigureOut">
               <a:rPr lang="en-GB" smtClean="0"/>
-              <a:t>04/05/2020</a:t>
+              <a:t>07/05/2020</a:t>
             </a:fld>
             <a:endParaRPr lang="en-GB"/>
           </a:p>
@@ -4542,7 +4551,7 @@
           <a:p>
             <a:r>
               <a:rPr lang="en-GB" dirty="0"/>
-              <a:t>Lovely downward trend! </a:t>
+              <a:t>Lovely negative trend! </a:t>
             </a:r>
           </a:p>
         </p:txBody>
@@ -4680,6 +4689,1247 @@
 </p:sld>
 </file>
 
+<file path=ppt/slides/slide17.xml><?xml version="1.0" encoding="utf-8"?>
+<p:sld xmlns:a="http://schemas.openxmlformats.org/drawingml/2006/main" xmlns:r="http://schemas.openxmlformats.org/officeDocument/2006/relationships" xmlns:p="http://schemas.openxmlformats.org/presentationml/2006/main">
+  <p:cSld>
+    <p:spTree>
+      <p:nvGrpSpPr>
+        <p:cNvPr id="1" name=""/>
+        <p:cNvGrpSpPr/>
+        <p:nvPr/>
+      </p:nvGrpSpPr>
+      <p:grpSpPr>
+        <a:xfrm>
+          <a:off x="0" y="0"/>
+          <a:ext cx="0" cy="0"/>
+          <a:chOff x="0" y="0"/>
+          <a:chExt cx="0" cy="0"/>
+        </a:xfrm>
+      </p:grpSpPr>
+      <p:pic>
+        <p:nvPicPr>
+          <p:cNvPr id="7" name="Picture 6">
+            <a:extLst>
+              <a:ext uri="{FF2B5EF4-FFF2-40B4-BE49-F238E27FC236}">
+                <a16:creationId xmlns:a16="http://schemas.microsoft.com/office/drawing/2014/main" id="{EBD6405E-A468-4013-9D2E-A5D59DBEA28D}"/>
+              </a:ext>
+            </a:extLst>
+          </p:cNvPr>
+          <p:cNvPicPr>
+            <a:picLocks noChangeAspect="1"/>
+          </p:cNvPicPr>
+          <p:nvPr/>
+        </p:nvPicPr>
+        <p:blipFill rotWithShape="1">
+          <a:blip r:embed="rId2"/>
+          <a:srcRect b="1992"/>
+          <a:stretch/>
+        </p:blipFill>
+        <p:spPr>
+          <a:xfrm>
+            <a:off x="6813143" y="1988989"/>
+            <a:ext cx="4130486" cy="4587980"/>
+          </a:xfrm>
+          <a:prstGeom prst="rect">
+            <a:avLst/>
+          </a:prstGeom>
+        </p:spPr>
+      </p:pic>
+      <p:sp>
+        <p:nvSpPr>
+          <p:cNvPr id="2" name="Title 1">
+            <a:extLst>
+              <a:ext uri="{FF2B5EF4-FFF2-40B4-BE49-F238E27FC236}">
+                <a16:creationId xmlns:a16="http://schemas.microsoft.com/office/drawing/2014/main" id="{6065471C-B202-46C2-899B-28B20C87774A}"/>
+              </a:ext>
+            </a:extLst>
+          </p:cNvPr>
+          <p:cNvSpPr>
+            <a:spLocks noGrp="1"/>
+          </p:cNvSpPr>
+          <p:nvPr>
+            <p:ph type="title"/>
+          </p:nvPr>
+        </p:nvSpPr>
+        <p:spPr/>
+        <p:txBody>
+          <a:bodyPr/>
+          <a:lstStyle/>
+          <a:p>
+            <a:r>
+              <a:rPr lang="en-GB" dirty="0"/>
+              <a:t>So how do other features relate to Time? </a:t>
+            </a:r>
+          </a:p>
+        </p:txBody>
+      </p:sp>
+      <p:sp>
+        <p:nvSpPr>
+          <p:cNvPr id="3" name="Content Placeholder 2">
+            <a:extLst>
+              <a:ext uri="{FF2B5EF4-FFF2-40B4-BE49-F238E27FC236}">
+                <a16:creationId xmlns:a16="http://schemas.microsoft.com/office/drawing/2014/main" id="{01393760-D529-4A02-ACB7-E651183798A3}"/>
+              </a:ext>
+            </a:extLst>
+          </p:cNvPr>
+          <p:cNvSpPr>
+            <a:spLocks noGrp="1"/>
+          </p:cNvSpPr>
+          <p:nvPr>
+            <p:ph idx="1"/>
+          </p:nvPr>
+        </p:nvSpPr>
+        <p:spPr>
+          <a:xfrm>
+            <a:off x="838200" y="1825625"/>
+            <a:ext cx="5257800" cy="4351338"/>
+          </a:xfrm>
+        </p:spPr>
+        <p:txBody>
+          <a:bodyPr>
+            <a:normAutofit fontScale="92500" lnSpcReduction="20000"/>
+          </a:bodyPr>
+          <a:lstStyle/>
+          <a:p>
+            <a:r>
+              <a:rPr lang="en-GB" sz="2400" dirty="0"/>
+              <a:t>R value is the ‘standard correlation coefficient’. </a:t>
+            </a:r>
+          </a:p>
+          <a:p>
+            <a:r>
+              <a:rPr lang="en-GB" sz="2400" dirty="0"/>
+              <a:t>Statistical measure of the strength of the linear relationship between two variables. </a:t>
+            </a:r>
+          </a:p>
+          <a:p>
+            <a:r>
+              <a:rPr lang="en-GB" sz="2400" dirty="0"/>
+              <a:t>1 is a perfect positive correlation, -1 is a perfect negative correlation, 0 is no correlation. </a:t>
+            </a:r>
+          </a:p>
+          <a:p>
+            <a:r>
+              <a:rPr lang="en-GB" sz="2400" dirty="0"/>
+              <a:t>The next slides cross plot selected features (red arrows) with Time (decimal minutes). </a:t>
+            </a:r>
+          </a:p>
+          <a:p>
+            <a:r>
+              <a:rPr lang="en-GB" sz="2400" dirty="0"/>
+              <a:t>However, ‘Delta Day’ has by far the strongest negative relationship. ‘Delta Day’ is the number of days since the first day in the dataset (in this case, </a:t>
+            </a:r>
+            <a:r>
+              <a:rPr lang="en-GB" sz="2200" dirty="0"/>
+              <a:t>03/12/2017</a:t>
+            </a:r>
+            <a:r>
+              <a:rPr lang="en-GB" sz="2400" dirty="0"/>
+              <a:t>)</a:t>
+            </a:r>
+          </a:p>
+        </p:txBody>
+      </p:sp>
+      <p:sp>
+        <p:nvSpPr>
+          <p:cNvPr id="5" name="TextBox 4">
+            <a:extLst>
+              <a:ext uri="{FF2B5EF4-FFF2-40B4-BE49-F238E27FC236}">
+                <a16:creationId xmlns:a16="http://schemas.microsoft.com/office/drawing/2014/main" id="{6E06E83A-6FE3-4DD5-B263-37C6BB5B2385}"/>
+              </a:ext>
+            </a:extLst>
+          </p:cNvPr>
+          <p:cNvSpPr txBox="1"/>
+          <p:nvPr/>
+        </p:nvSpPr>
+        <p:spPr>
+          <a:xfrm>
+            <a:off x="7217568" y="1527323"/>
+            <a:ext cx="1459707" cy="461665"/>
+          </a:xfrm>
+          <a:prstGeom prst="rect">
+            <a:avLst/>
+          </a:prstGeom>
+          <a:noFill/>
+        </p:spPr>
+        <p:txBody>
+          <a:bodyPr wrap="square" rtlCol="0">
+            <a:spAutoFit/>
+          </a:bodyPr>
+          <a:lstStyle/>
+          <a:p>
+            <a:r>
+              <a:rPr lang="en-GB" sz="2400" dirty="0"/>
+              <a:t>Features</a:t>
+            </a:r>
+          </a:p>
+        </p:txBody>
+      </p:sp>
+      <p:sp>
+        <p:nvSpPr>
+          <p:cNvPr id="6" name="TextBox 5">
+            <a:extLst>
+              <a:ext uri="{FF2B5EF4-FFF2-40B4-BE49-F238E27FC236}">
+                <a16:creationId xmlns:a16="http://schemas.microsoft.com/office/drawing/2014/main" id="{8B278B0E-5137-4874-BC3F-6E5780C8CEF3}"/>
+              </a:ext>
+            </a:extLst>
+          </p:cNvPr>
+          <p:cNvSpPr txBox="1"/>
+          <p:nvPr/>
+        </p:nvSpPr>
+        <p:spPr>
+          <a:xfrm>
+            <a:off x="9711331" y="1527324"/>
+            <a:ext cx="1232298" cy="461665"/>
+          </a:xfrm>
+          <a:prstGeom prst="rect">
+            <a:avLst/>
+          </a:prstGeom>
+          <a:noFill/>
+        </p:spPr>
+        <p:txBody>
+          <a:bodyPr wrap="square" rtlCol="0">
+            <a:spAutoFit/>
+          </a:bodyPr>
+          <a:lstStyle/>
+          <a:p>
+            <a:r>
+              <a:rPr lang="en-GB" sz="2400" dirty="0"/>
+              <a:t>R Value</a:t>
+            </a:r>
+          </a:p>
+        </p:txBody>
+      </p:sp>
+      <p:cxnSp>
+        <p:nvCxnSpPr>
+          <p:cNvPr id="8" name="Straight Arrow Connector 7">
+            <a:extLst>
+              <a:ext uri="{FF2B5EF4-FFF2-40B4-BE49-F238E27FC236}">
+                <a16:creationId xmlns:a16="http://schemas.microsoft.com/office/drawing/2014/main" id="{A7CD9B6E-A423-4FE6-99F6-DF3E2C2F0BF4}"/>
+              </a:ext>
+            </a:extLst>
+          </p:cNvPr>
+          <p:cNvCxnSpPr/>
+          <p:nvPr/>
+        </p:nvCxnSpPr>
+        <p:spPr>
+          <a:xfrm flipH="1">
+            <a:off x="10943629" y="2768367"/>
+            <a:ext cx="587229" cy="0"/>
+          </a:xfrm>
+          <a:prstGeom prst="straightConnector1">
+            <a:avLst/>
+          </a:prstGeom>
+          <a:ln w="38100">
+            <a:solidFill>
+              <a:srgbClr val="FF0000"/>
+            </a:solidFill>
+            <a:tailEnd type="triangle"/>
+          </a:ln>
+        </p:spPr>
+        <p:style>
+          <a:lnRef idx="1">
+            <a:schemeClr val="accent1"/>
+          </a:lnRef>
+          <a:fillRef idx="0">
+            <a:schemeClr val="accent1"/>
+          </a:fillRef>
+          <a:effectRef idx="0">
+            <a:schemeClr val="accent1"/>
+          </a:effectRef>
+          <a:fontRef idx="minor">
+            <a:schemeClr val="tx1"/>
+          </a:fontRef>
+        </p:style>
+      </p:cxnSp>
+      <p:cxnSp>
+        <p:nvCxnSpPr>
+          <p:cNvPr id="9" name="Straight Arrow Connector 8">
+            <a:extLst>
+              <a:ext uri="{FF2B5EF4-FFF2-40B4-BE49-F238E27FC236}">
+                <a16:creationId xmlns:a16="http://schemas.microsoft.com/office/drawing/2014/main" id="{D552E57B-D36D-4097-8AC9-26172F479A7D}"/>
+              </a:ext>
+            </a:extLst>
+          </p:cNvPr>
+          <p:cNvCxnSpPr/>
+          <p:nvPr/>
+        </p:nvCxnSpPr>
+        <p:spPr>
+          <a:xfrm flipH="1">
+            <a:off x="10943629" y="3071769"/>
+            <a:ext cx="587229" cy="0"/>
+          </a:xfrm>
+          <a:prstGeom prst="straightConnector1">
+            <a:avLst/>
+          </a:prstGeom>
+          <a:ln w="38100">
+            <a:solidFill>
+              <a:srgbClr val="FF0000"/>
+            </a:solidFill>
+            <a:tailEnd type="triangle"/>
+          </a:ln>
+        </p:spPr>
+        <p:style>
+          <a:lnRef idx="1">
+            <a:schemeClr val="accent1"/>
+          </a:lnRef>
+          <a:fillRef idx="0">
+            <a:schemeClr val="accent1"/>
+          </a:fillRef>
+          <a:effectRef idx="0">
+            <a:schemeClr val="accent1"/>
+          </a:effectRef>
+          <a:fontRef idx="minor">
+            <a:schemeClr val="tx1"/>
+          </a:fontRef>
+        </p:style>
+      </p:cxnSp>
+      <p:cxnSp>
+        <p:nvCxnSpPr>
+          <p:cNvPr id="10" name="Straight Arrow Connector 9">
+            <a:extLst>
+              <a:ext uri="{FF2B5EF4-FFF2-40B4-BE49-F238E27FC236}">
+                <a16:creationId xmlns:a16="http://schemas.microsoft.com/office/drawing/2014/main" id="{75594942-E1FB-48ED-B81E-F11177FDBF95}"/>
+              </a:ext>
+            </a:extLst>
+          </p:cNvPr>
+          <p:cNvCxnSpPr/>
+          <p:nvPr/>
+        </p:nvCxnSpPr>
+        <p:spPr>
+          <a:xfrm flipH="1">
+            <a:off x="10943629" y="3389852"/>
+            <a:ext cx="587229" cy="0"/>
+          </a:xfrm>
+          <a:prstGeom prst="straightConnector1">
+            <a:avLst/>
+          </a:prstGeom>
+          <a:ln w="38100">
+            <a:solidFill>
+              <a:srgbClr val="FF0000"/>
+            </a:solidFill>
+            <a:tailEnd type="triangle"/>
+          </a:ln>
+        </p:spPr>
+        <p:style>
+          <a:lnRef idx="1">
+            <a:schemeClr val="accent1"/>
+          </a:lnRef>
+          <a:fillRef idx="0">
+            <a:schemeClr val="accent1"/>
+          </a:fillRef>
+          <a:effectRef idx="0">
+            <a:schemeClr val="accent1"/>
+          </a:effectRef>
+          <a:fontRef idx="minor">
+            <a:schemeClr val="tx1"/>
+          </a:fontRef>
+        </p:style>
+      </p:cxnSp>
+      <p:cxnSp>
+        <p:nvCxnSpPr>
+          <p:cNvPr id="11" name="Straight Arrow Connector 10">
+            <a:extLst>
+              <a:ext uri="{FF2B5EF4-FFF2-40B4-BE49-F238E27FC236}">
+                <a16:creationId xmlns:a16="http://schemas.microsoft.com/office/drawing/2014/main" id="{8326F180-55F7-4C11-87F1-BB5C2BD546F8}"/>
+              </a:ext>
+            </a:extLst>
+          </p:cNvPr>
+          <p:cNvCxnSpPr/>
+          <p:nvPr/>
+        </p:nvCxnSpPr>
+        <p:spPr>
+          <a:xfrm flipH="1">
+            <a:off x="10943629" y="3701643"/>
+            <a:ext cx="587229" cy="0"/>
+          </a:xfrm>
+          <a:prstGeom prst="straightConnector1">
+            <a:avLst/>
+          </a:prstGeom>
+          <a:ln w="38100">
+            <a:solidFill>
+              <a:srgbClr val="FF0000"/>
+            </a:solidFill>
+            <a:tailEnd type="triangle"/>
+          </a:ln>
+        </p:spPr>
+        <p:style>
+          <a:lnRef idx="1">
+            <a:schemeClr val="accent1"/>
+          </a:lnRef>
+          <a:fillRef idx="0">
+            <a:schemeClr val="accent1"/>
+          </a:fillRef>
+          <a:effectRef idx="0">
+            <a:schemeClr val="accent1"/>
+          </a:effectRef>
+          <a:fontRef idx="minor">
+            <a:schemeClr val="tx1"/>
+          </a:fontRef>
+        </p:style>
+      </p:cxnSp>
+      <p:cxnSp>
+        <p:nvCxnSpPr>
+          <p:cNvPr id="12" name="Straight Arrow Connector 11">
+            <a:extLst>
+              <a:ext uri="{FF2B5EF4-FFF2-40B4-BE49-F238E27FC236}">
+                <a16:creationId xmlns:a16="http://schemas.microsoft.com/office/drawing/2014/main" id="{EB0A1A9E-C5C1-4D91-AAAE-7BC0C963C3D2}"/>
+              </a:ext>
+            </a:extLst>
+          </p:cNvPr>
+          <p:cNvCxnSpPr/>
+          <p:nvPr/>
+        </p:nvCxnSpPr>
+        <p:spPr>
+          <a:xfrm flipH="1">
+            <a:off x="10943629" y="4936223"/>
+            <a:ext cx="587229" cy="0"/>
+          </a:xfrm>
+          <a:prstGeom prst="straightConnector1">
+            <a:avLst/>
+          </a:prstGeom>
+          <a:ln w="38100">
+            <a:solidFill>
+              <a:srgbClr val="FF0000"/>
+            </a:solidFill>
+            <a:tailEnd type="triangle"/>
+          </a:ln>
+        </p:spPr>
+        <p:style>
+          <a:lnRef idx="1">
+            <a:schemeClr val="accent1"/>
+          </a:lnRef>
+          <a:fillRef idx="0">
+            <a:schemeClr val="accent1"/>
+          </a:fillRef>
+          <a:effectRef idx="0">
+            <a:schemeClr val="accent1"/>
+          </a:effectRef>
+          <a:fontRef idx="minor">
+            <a:schemeClr val="tx1"/>
+          </a:fontRef>
+        </p:style>
+      </p:cxnSp>
+      <p:cxnSp>
+        <p:nvCxnSpPr>
+          <p:cNvPr id="13" name="Straight Arrow Connector 12">
+            <a:extLst>
+              <a:ext uri="{FF2B5EF4-FFF2-40B4-BE49-F238E27FC236}">
+                <a16:creationId xmlns:a16="http://schemas.microsoft.com/office/drawing/2014/main" id="{F941016F-B166-4519-82CB-28CB27E4861A}"/>
+              </a:ext>
+            </a:extLst>
+          </p:cNvPr>
+          <p:cNvCxnSpPr/>
+          <p:nvPr/>
+        </p:nvCxnSpPr>
+        <p:spPr>
+          <a:xfrm flipH="1">
+            <a:off x="10943629" y="5256403"/>
+            <a:ext cx="587229" cy="0"/>
+          </a:xfrm>
+          <a:prstGeom prst="straightConnector1">
+            <a:avLst/>
+          </a:prstGeom>
+          <a:ln w="38100">
+            <a:solidFill>
+              <a:srgbClr val="FF0000"/>
+            </a:solidFill>
+            <a:tailEnd type="triangle"/>
+          </a:ln>
+        </p:spPr>
+        <p:style>
+          <a:lnRef idx="1">
+            <a:schemeClr val="accent1"/>
+          </a:lnRef>
+          <a:fillRef idx="0">
+            <a:schemeClr val="accent1"/>
+          </a:fillRef>
+          <a:effectRef idx="0">
+            <a:schemeClr val="accent1"/>
+          </a:effectRef>
+          <a:fontRef idx="minor">
+            <a:schemeClr val="tx1"/>
+          </a:fontRef>
+        </p:style>
+      </p:cxnSp>
+      <p:cxnSp>
+        <p:nvCxnSpPr>
+          <p:cNvPr id="14" name="Straight Arrow Connector 13">
+            <a:extLst>
+              <a:ext uri="{FF2B5EF4-FFF2-40B4-BE49-F238E27FC236}">
+                <a16:creationId xmlns:a16="http://schemas.microsoft.com/office/drawing/2014/main" id="{A118D8B8-3069-4AFA-85C5-2A44057F7F41}"/>
+              </a:ext>
+            </a:extLst>
+          </p:cNvPr>
+          <p:cNvCxnSpPr/>
+          <p:nvPr/>
+        </p:nvCxnSpPr>
+        <p:spPr>
+          <a:xfrm flipH="1">
+            <a:off x="10943629" y="5861809"/>
+            <a:ext cx="587229" cy="0"/>
+          </a:xfrm>
+          <a:prstGeom prst="straightConnector1">
+            <a:avLst/>
+          </a:prstGeom>
+          <a:ln w="38100">
+            <a:solidFill>
+              <a:srgbClr val="FF0000"/>
+            </a:solidFill>
+            <a:tailEnd type="triangle"/>
+          </a:ln>
+        </p:spPr>
+        <p:style>
+          <a:lnRef idx="1">
+            <a:schemeClr val="accent1"/>
+          </a:lnRef>
+          <a:fillRef idx="0">
+            <a:schemeClr val="accent1"/>
+          </a:fillRef>
+          <a:effectRef idx="0">
+            <a:schemeClr val="accent1"/>
+          </a:effectRef>
+          <a:fontRef idx="minor">
+            <a:schemeClr val="tx1"/>
+          </a:fontRef>
+        </p:style>
+      </p:cxnSp>
+      <p:cxnSp>
+        <p:nvCxnSpPr>
+          <p:cNvPr id="15" name="Straight Arrow Connector 14">
+            <a:extLst>
+              <a:ext uri="{FF2B5EF4-FFF2-40B4-BE49-F238E27FC236}">
+                <a16:creationId xmlns:a16="http://schemas.microsoft.com/office/drawing/2014/main" id="{28A0AE86-BADA-4D39-AA70-C6F792611306}"/>
+              </a:ext>
+            </a:extLst>
+          </p:cNvPr>
+          <p:cNvCxnSpPr/>
+          <p:nvPr/>
+        </p:nvCxnSpPr>
+        <p:spPr>
+          <a:xfrm flipH="1">
+            <a:off x="10943629" y="6176963"/>
+            <a:ext cx="587229" cy="0"/>
+          </a:xfrm>
+          <a:prstGeom prst="straightConnector1">
+            <a:avLst/>
+          </a:prstGeom>
+          <a:ln w="38100">
+            <a:solidFill>
+              <a:srgbClr val="FF0000"/>
+            </a:solidFill>
+            <a:tailEnd type="triangle"/>
+          </a:ln>
+        </p:spPr>
+        <p:style>
+          <a:lnRef idx="1">
+            <a:schemeClr val="accent1"/>
+          </a:lnRef>
+          <a:fillRef idx="0">
+            <a:schemeClr val="accent1"/>
+          </a:fillRef>
+          <a:effectRef idx="0">
+            <a:schemeClr val="accent1"/>
+          </a:effectRef>
+          <a:fontRef idx="minor">
+            <a:schemeClr val="tx1"/>
+          </a:fontRef>
+        </p:style>
+      </p:cxnSp>
+      <p:cxnSp>
+        <p:nvCxnSpPr>
+          <p:cNvPr id="17" name="Straight Arrow Connector 16">
+            <a:extLst>
+              <a:ext uri="{FF2B5EF4-FFF2-40B4-BE49-F238E27FC236}">
+                <a16:creationId xmlns:a16="http://schemas.microsoft.com/office/drawing/2014/main" id="{6E8BCE9D-AE74-49A2-BB28-D902AFB881C9}"/>
+              </a:ext>
+            </a:extLst>
+          </p:cNvPr>
+          <p:cNvCxnSpPr/>
+          <p:nvPr/>
+        </p:nvCxnSpPr>
+        <p:spPr>
+          <a:xfrm>
+            <a:off x="4924338" y="5469622"/>
+            <a:ext cx="1719743" cy="897622"/>
+          </a:xfrm>
+          <a:prstGeom prst="straightConnector1">
+            <a:avLst/>
+          </a:prstGeom>
+          <a:ln w="57150">
+            <a:solidFill>
+              <a:srgbClr val="00B050"/>
+            </a:solidFill>
+            <a:tailEnd type="triangle"/>
+          </a:ln>
+        </p:spPr>
+        <p:style>
+          <a:lnRef idx="1">
+            <a:schemeClr val="accent1"/>
+          </a:lnRef>
+          <a:fillRef idx="0">
+            <a:schemeClr val="accent1"/>
+          </a:fillRef>
+          <a:effectRef idx="0">
+            <a:schemeClr val="accent1"/>
+          </a:effectRef>
+          <a:fontRef idx="minor">
+            <a:schemeClr val="tx1"/>
+          </a:fontRef>
+        </p:style>
+      </p:cxnSp>
+    </p:spTree>
+    <p:extLst>
+      <p:ext uri="{BB962C8B-B14F-4D97-AF65-F5344CB8AC3E}">
+        <p14:creationId xmlns:p14="http://schemas.microsoft.com/office/powerpoint/2010/main" val="2264494474"/>
+      </p:ext>
+    </p:extLst>
+  </p:cSld>
+  <p:clrMapOvr>
+    <a:masterClrMapping/>
+  </p:clrMapOvr>
+</p:sld>
+</file>
+
+<file path=ppt/slides/slide18.xml><?xml version="1.0" encoding="utf-8"?>
+<p:sld xmlns:a="http://schemas.openxmlformats.org/drawingml/2006/main" xmlns:r="http://schemas.openxmlformats.org/officeDocument/2006/relationships" xmlns:p="http://schemas.openxmlformats.org/presentationml/2006/main">
+  <p:cSld>
+    <p:spTree>
+      <p:nvGrpSpPr>
+        <p:cNvPr id="1" name=""/>
+        <p:cNvGrpSpPr/>
+        <p:nvPr/>
+      </p:nvGrpSpPr>
+      <p:grpSpPr>
+        <a:xfrm>
+          <a:off x="0" y="0"/>
+          <a:ext cx="0" cy="0"/>
+          <a:chOff x="0" y="0"/>
+          <a:chExt cx="0" cy="0"/>
+        </a:xfrm>
+      </p:grpSpPr>
+      <p:grpSp>
+        <p:nvGrpSpPr>
+          <p:cNvPr id="8" name="Group 7">
+            <a:extLst>
+              <a:ext uri="{FF2B5EF4-FFF2-40B4-BE49-F238E27FC236}">
+                <a16:creationId xmlns:a16="http://schemas.microsoft.com/office/drawing/2014/main" id="{587C13FB-8839-4619-9A20-8063E6844B02}"/>
+              </a:ext>
+            </a:extLst>
+          </p:cNvPr>
+          <p:cNvGrpSpPr/>
+          <p:nvPr/>
+        </p:nvGrpSpPr>
+        <p:grpSpPr>
+          <a:xfrm>
+            <a:off x="1130253" y="172401"/>
+            <a:ext cx="10053670" cy="6555570"/>
+            <a:chOff x="1130253" y="172401"/>
+            <a:chExt cx="10053670" cy="6555570"/>
+          </a:xfrm>
+        </p:grpSpPr>
+        <p:pic>
+          <p:nvPicPr>
+            <p:cNvPr id="3" name="Picture 2" descr="A screenshot of a cell phone&#10;&#10;Description automatically generated">
+              <a:extLst>
+                <a:ext uri="{FF2B5EF4-FFF2-40B4-BE49-F238E27FC236}">
+                  <a16:creationId xmlns:a16="http://schemas.microsoft.com/office/drawing/2014/main" id="{969829A6-0540-4331-A7AC-EBB26CFEA242}"/>
+                </a:ext>
+              </a:extLst>
+            </p:cNvPr>
+            <p:cNvPicPr>
+              <a:picLocks noChangeAspect="1"/>
+            </p:cNvPicPr>
+            <p:nvPr/>
+          </p:nvPicPr>
+          <p:blipFill>
+            <a:blip r:embed="rId2">
+              <a:extLst>
+                <a:ext uri="{28A0092B-C50C-407E-A947-70E740481C1C}">
+                  <a14:useLocalDpi xmlns:a14="http://schemas.microsoft.com/office/drawing/2010/main" val="0"/>
+                </a:ext>
+              </a:extLst>
+            </a:blip>
+            <a:stretch>
+              <a:fillRect/>
+            </a:stretch>
+          </p:blipFill>
+          <p:spPr>
+            <a:xfrm>
+              <a:off x="1130253" y="172401"/>
+              <a:ext cx="9867714" cy="6555570"/>
+            </a:xfrm>
+            <a:prstGeom prst="rect">
+              <a:avLst/>
+            </a:prstGeom>
+          </p:spPr>
+        </p:pic>
+        <p:sp>
+          <p:nvSpPr>
+            <p:cNvPr id="4" name="TextBox 3">
+              <a:extLst>
+                <a:ext uri="{FF2B5EF4-FFF2-40B4-BE49-F238E27FC236}">
+                  <a16:creationId xmlns:a16="http://schemas.microsoft.com/office/drawing/2014/main" id="{01F8070B-2E6F-4DCC-941C-0D6ACAA3F9FD}"/>
+                </a:ext>
+              </a:extLst>
+            </p:cNvPr>
+            <p:cNvSpPr txBox="1"/>
+            <p:nvPr/>
+          </p:nvSpPr>
+          <p:spPr>
+            <a:xfrm>
+              <a:off x="1912690" y="1098958"/>
+              <a:ext cx="1249960" cy="369332"/>
+            </a:xfrm>
+            <a:prstGeom prst="rect">
+              <a:avLst/>
+            </a:prstGeom>
+            <a:noFill/>
+          </p:spPr>
+          <p:txBody>
+            <a:bodyPr wrap="square" rtlCol="0">
+              <a:spAutoFit/>
+            </a:bodyPr>
+            <a:lstStyle/>
+            <a:p>
+              <a:r>
+                <a:rPr lang="en-GB" dirty="0"/>
+                <a:t>R = 0.96</a:t>
+              </a:r>
+            </a:p>
+          </p:txBody>
+        </p:sp>
+        <p:sp>
+          <p:nvSpPr>
+            <p:cNvPr id="5" name="TextBox 4">
+              <a:extLst>
+                <a:ext uri="{FF2B5EF4-FFF2-40B4-BE49-F238E27FC236}">
+                  <a16:creationId xmlns:a16="http://schemas.microsoft.com/office/drawing/2014/main" id="{179D9590-D52F-4665-ACEE-709AA7C6B519}"/>
+                </a:ext>
+              </a:extLst>
+            </p:cNvPr>
+            <p:cNvSpPr txBox="1"/>
+            <p:nvPr/>
+          </p:nvSpPr>
+          <p:spPr>
+            <a:xfrm>
+              <a:off x="6855203" y="1098958"/>
+              <a:ext cx="1249960" cy="369332"/>
+            </a:xfrm>
+            <a:prstGeom prst="rect">
+              <a:avLst/>
+            </a:prstGeom>
+            <a:noFill/>
+          </p:spPr>
+          <p:txBody>
+            <a:bodyPr wrap="square" rtlCol="0">
+              <a:spAutoFit/>
+            </a:bodyPr>
+            <a:lstStyle/>
+            <a:p>
+              <a:r>
+                <a:rPr lang="en-GB" dirty="0"/>
+                <a:t>R = 0.15</a:t>
+              </a:r>
+            </a:p>
+          </p:txBody>
+        </p:sp>
+        <p:sp>
+          <p:nvSpPr>
+            <p:cNvPr id="6" name="TextBox 5">
+              <a:extLst>
+                <a:ext uri="{FF2B5EF4-FFF2-40B4-BE49-F238E27FC236}">
+                  <a16:creationId xmlns:a16="http://schemas.microsoft.com/office/drawing/2014/main" id="{B20A5690-CF29-4AD8-8139-3154CD7DC47A}"/>
+                </a:ext>
+              </a:extLst>
+            </p:cNvPr>
+            <p:cNvSpPr txBox="1"/>
+            <p:nvPr/>
+          </p:nvSpPr>
+          <p:spPr>
+            <a:xfrm>
+              <a:off x="1912690" y="3913464"/>
+              <a:ext cx="1249960" cy="369332"/>
+            </a:xfrm>
+            <a:prstGeom prst="rect">
+              <a:avLst/>
+            </a:prstGeom>
+            <a:noFill/>
+          </p:spPr>
+          <p:txBody>
+            <a:bodyPr wrap="square" rtlCol="0">
+              <a:spAutoFit/>
+            </a:bodyPr>
+            <a:lstStyle/>
+            <a:p>
+              <a:r>
+                <a:rPr lang="en-GB" dirty="0"/>
+                <a:t>R = 0.3</a:t>
+              </a:r>
+            </a:p>
+          </p:txBody>
+        </p:sp>
+        <p:sp>
+          <p:nvSpPr>
+            <p:cNvPr id="7" name="TextBox 6">
+              <a:extLst>
+                <a:ext uri="{FF2B5EF4-FFF2-40B4-BE49-F238E27FC236}">
+                  <a16:creationId xmlns:a16="http://schemas.microsoft.com/office/drawing/2014/main" id="{3CEAFA84-EC03-42A9-ADC9-85F348C1E0FE}"/>
+                </a:ext>
+              </a:extLst>
+            </p:cNvPr>
+            <p:cNvSpPr txBox="1"/>
+            <p:nvPr/>
+          </p:nvSpPr>
+          <p:spPr>
+            <a:xfrm>
+              <a:off x="9933963" y="3913464"/>
+              <a:ext cx="1249960" cy="369332"/>
+            </a:xfrm>
+            <a:prstGeom prst="rect">
+              <a:avLst/>
+            </a:prstGeom>
+            <a:noFill/>
+          </p:spPr>
+          <p:txBody>
+            <a:bodyPr wrap="square" rtlCol="0">
+              <a:spAutoFit/>
+            </a:bodyPr>
+            <a:lstStyle/>
+            <a:p>
+              <a:r>
+                <a:rPr lang="en-GB" dirty="0"/>
+                <a:t>R = 0.03</a:t>
+              </a:r>
+            </a:p>
+          </p:txBody>
+        </p:sp>
+      </p:grpSp>
+    </p:spTree>
+    <p:extLst>
+      <p:ext uri="{BB962C8B-B14F-4D97-AF65-F5344CB8AC3E}">
+        <p14:creationId xmlns:p14="http://schemas.microsoft.com/office/powerpoint/2010/main" val="4111781654"/>
+      </p:ext>
+    </p:extLst>
+  </p:cSld>
+  <p:clrMapOvr>
+    <a:masterClrMapping/>
+  </p:clrMapOvr>
+</p:sld>
+</file>
+
+<file path=ppt/slides/slide19.xml><?xml version="1.0" encoding="utf-8"?>
+<p:sld xmlns:a="http://schemas.openxmlformats.org/drawingml/2006/main" xmlns:r="http://schemas.openxmlformats.org/officeDocument/2006/relationships" xmlns:p="http://schemas.openxmlformats.org/presentationml/2006/main">
+  <p:cSld>
+    <p:spTree>
+      <p:nvGrpSpPr>
+        <p:cNvPr id="1" name=""/>
+        <p:cNvGrpSpPr/>
+        <p:nvPr/>
+      </p:nvGrpSpPr>
+      <p:grpSpPr>
+        <a:xfrm>
+          <a:off x="0" y="0"/>
+          <a:ext cx="0" cy="0"/>
+          <a:chOff x="0" y="0"/>
+          <a:chExt cx="0" cy="0"/>
+        </a:xfrm>
+      </p:grpSpPr>
+      <p:grpSp>
+        <p:nvGrpSpPr>
+          <p:cNvPr id="8" name="Group 7">
+            <a:extLst>
+              <a:ext uri="{FF2B5EF4-FFF2-40B4-BE49-F238E27FC236}">
+                <a16:creationId xmlns:a16="http://schemas.microsoft.com/office/drawing/2014/main" id="{587C13FB-8839-4619-9A20-8063E6844B02}"/>
+              </a:ext>
+            </a:extLst>
+          </p:cNvPr>
+          <p:cNvGrpSpPr/>
+          <p:nvPr/>
+        </p:nvGrpSpPr>
+        <p:grpSpPr>
+          <a:xfrm>
+            <a:off x="1130253" y="172401"/>
+            <a:ext cx="10053670" cy="6555570"/>
+            <a:chOff x="1130253" y="172401"/>
+            <a:chExt cx="10053670" cy="6555570"/>
+          </a:xfrm>
+        </p:grpSpPr>
+        <p:pic>
+          <p:nvPicPr>
+            <p:cNvPr id="3" name="Picture 2" descr="A screenshot of a cell phone&#10;&#10;Description automatically generated">
+              <a:extLst>
+                <a:ext uri="{FF2B5EF4-FFF2-40B4-BE49-F238E27FC236}">
+                  <a16:creationId xmlns:a16="http://schemas.microsoft.com/office/drawing/2014/main" id="{969829A6-0540-4331-A7AC-EBB26CFEA242}"/>
+                </a:ext>
+              </a:extLst>
+            </p:cNvPr>
+            <p:cNvPicPr>
+              <a:picLocks noChangeAspect="1"/>
+            </p:cNvPicPr>
+            <p:nvPr/>
+          </p:nvPicPr>
+          <p:blipFill>
+            <a:blip r:embed="rId2">
+              <a:extLst>
+                <a:ext uri="{28A0092B-C50C-407E-A947-70E740481C1C}">
+                  <a14:useLocalDpi xmlns:a14="http://schemas.microsoft.com/office/drawing/2010/main" val="0"/>
+                </a:ext>
+              </a:extLst>
+            </a:blip>
+            <a:stretch>
+              <a:fillRect/>
+            </a:stretch>
+          </p:blipFill>
+          <p:spPr>
+            <a:xfrm>
+              <a:off x="1130253" y="172401"/>
+              <a:ext cx="9867714" cy="6555570"/>
+            </a:xfrm>
+            <a:prstGeom prst="rect">
+              <a:avLst/>
+            </a:prstGeom>
+          </p:spPr>
+        </p:pic>
+        <p:sp>
+          <p:nvSpPr>
+            <p:cNvPr id="4" name="TextBox 3">
+              <a:extLst>
+                <a:ext uri="{FF2B5EF4-FFF2-40B4-BE49-F238E27FC236}">
+                  <a16:creationId xmlns:a16="http://schemas.microsoft.com/office/drawing/2014/main" id="{01F8070B-2E6F-4DCC-941C-0D6ACAA3F9FD}"/>
+                </a:ext>
+              </a:extLst>
+            </p:cNvPr>
+            <p:cNvSpPr txBox="1"/>
+            <p:nvPr/>
+          </p:nvSpPr>
+          <p:spPr>
+            <a:xfrm>
+              <a:off x="1912690" y="1098958"/>
+              <a:ext cx="1249960" cy="369332"/>
+            </a:xfrm>
+            <a:prstGeom prst="rect">
+              <a:avLst/>
+            </a:prstGeom>
+            <a:noFill/>
+          </p:spPr>
+          <p:txBody>
+            <a:bodyPr wrap="square" rtlCol="0">
+              <a:spAutoFit/>
+            </a:bodyPr>
+            <a:lstStyle/>
+            <a:p>
+              <a:r>
+                <a:rPr lang="en-GB" dirty="0"/>
+                <a:t>R = 0.96</a:t>
+              </a:r>
+            </a:p>
+          </p:txBody>
+        </p:sp>
+        <p:sp>
+          <p:nvSpPr>
+            <p:cNvPr id="5" name="TextBox 4">
+              <a:extLst>
+                <a:ext uri="{FF2B5EF4-FFF2-40B4-BE49-F238E27FC236}">
+                  <a16:creationId xmlns:a16="http://schemas.microsoft.com/office/drawing/2014/main" id="{179D9590-D52F-4665-ACEE-709AA7C6B519}"/>
+                </a:ext>
+              </a:extLst>
+            </p:cNvPr>
+            <p:cNvSpPr txBox="1"/>
+            <p:nvPr/>
+          </p:nvSpPr>
+          <p:spPr>
+            <a:xfrm>
+              <a:off x="6855203" y="1098958"/>
+              <a:ext cx="1249960" cy="369332"/>
+            </a:xfrm>
+            <a:prstGeom prst="rect">
+              <a:avLst/>
+            </a:prstGeom>
+            <a:noFill/>
+          </p:spPr>
+          <p:txBody>
+            <a:bodyPr wrap="square" rtlCol="0">
+              <a:spAutoFit/>
+            </a:bodyPr>
+            <a:lstStyle/>
+            <a:p>
+              <a:r>
+                <a:rPr lang="en-GB" dirty="0"/>
+                <a:t>R = 0.15</a:t>
+              </a:r>
+            </a:p>
+          </p:txBody>
+        </p:sp>
+        <p:sp>
+          <p:nvSpPr>
+            <p:cNvPr id="6" name="TextBox 5">
+              <a:extLst>
+                <a:ext uri="{FF2B5EF4-FFF2-40B4-BE49-F238E27FC236}">
+                  <a16:creationId xmlns:a16="http://schemas.microsoft.com/office/drawing/2014/main" id="{B20A5690-CF29-4AD8-8139-3154CD7DC47A}"/>
+                </a:ext>
+              </a:extLst>
+            </p:cNvPr>
+            <p:cNvSpPr txBox="1"/>
+            <p:nvPr/>
+          </p:nvSpPr>
+          <p:spPr>
+            <a:xfrm>
+              <a:off x="1912690" y="3913464"/>
+              <a:ext cx="1249960" cy="369332"/>
+            </a:xfrm>
+            <a:prstGeom prst="rect">
+              <a:avLst/>
+            </a:prstGeom>
+            <a:noFill/>
+          </p:spPr>
+          <p:txBody>
+            <a:bodyPr wrap="square" rtlCol="0">
+              <a:spAutoFit/>
+            </a:bodyPr>
+            <a:lstStyle/>
+            <a:p>
+              <a:r>
+                <a:rPr lang="en-GB" dirty="0"/>
+                <a:t>R = 0.3</a:t>
+              </a:r>
+            </a:p>
+          </p:txBody>
+        </p:sp>
+        <p:sp>
+          <p:nvSpPr>
+            <p:cNvPr id="7" name="TextBox 6">
+              <a:extLst>
+                <a:ext uri="{FF2B5EF4-FFF2-40B4-BE49-F238E27FC236}">
+                  <a16:creationId xmlns:a16="http://schemas.microsoft.com/office/drawing/2014/main" id="{3CEAFA84-EC03-42A9-ADC9-85F348C1E0FE}"/>
+                </a:ext>
+              </a:extLst>
+            </p:cNvPr>
+            <p:cNvSpPr txBox="1"/>
+            <p:nvPr/>
+          </p:nvSpPr>
+          <p:spPr>
+            <a:xfrm>
+              <a:off x="9933963" y="3913464"/>
+              <a:ext cx="1249960" cy="369332"/>
+            </a:xfrm>
+            <a:prstGeom prst="rect">
+              <a:avLst/>
+            </a:prstGeom>
+            <a:noFill/>
+          </p:spPr>
+          <p:txBody>
+            <a:bodyPr wrap="square" rtlCol="0">
+              <a:spAutoFit/>
+            </a:bodyPr>
+            <a:lstStyle/>
+            <a:p>
+              <a:r>
+                <a:rPr lang="en-GB" dirty="0"/>
+                <a:t>R = 0.03</a:t>
+              </a:r>
+            </a:p>
+          </p:txBody>
+        </p:sp>
+      </p:grpSp>
+      <p:sp>
+        <p:nvSpPr>
+          <p:cNvPr id="2" name="TextBox 1">
+            <a:extLst>
+              <a:ext uri="{FF2B5EF4-FFF2-40B4-BE49-F238E27FC236}">
+                <a16:creationId xmlns:a16="http://schemas.microsoft.com/office/drawing/2014/main" id="{E160FD2B-9306-4698-B982-002A47305769}"/>
+              </a:ext>
+            </a:extLst>
+          </p:cNvPr>
+          <p:cNvSpPr txBox="1"/>
+          <p:nvPr/>
+        </p:nvSpPr>
+        <p:spPr>
+          <a:xfrm>
+            <a:off x="3287354" y="914292"/>
+            <a:ext cx="2776756" cy="738664"/>
+          </a:xfrm>
+          <a:prstGeom prst="rect">
+            <a:avLst/>
+          </a:prstGeom>
+          <a:solidFill>
+            <a:schemeClr val="bg1"/>
+          </a:solidFill>
+        </p:spPr>
+        <p:txBody>
+          <a:bodyPr wrap="square" rtlCol="0">
+            <a:spAutoFit/>
+          </a:bodyPr>
+          <a:lstStyle/>
+          <a:p>
+            <a:r>
+              <a:rPr lang="en-GB" sz="1400" dirty="0"/>
+              <a:t>Strong positive relationship between average pace and time as is expected. </a:t>
+            </a:r>
+          </a:p>
+        </p:txBody>
+      </p:sp>
+      <p:sp>
+        <p:nvSpPr>
+          <p:cNvPr id="9" name="TextBox 8">
+            <a:extLst>
+              <a:ext uri="{FF2B5EF4-FFF2-40B4-BE49-F238E27FC236}">
+                <a16:creationId xmlns:a16="http://schemas.microsoft.com/office/drawing/2014/main" id="{3BA459F3-4666-4785-9C5A-DB1926F93481}"/>
+              </a:ext>
+            </a:extLst>
+          </p:cNvPr>
+          <p:cNvSpPr txBox="1"/>
+          <p:nvPr/>
+        </p:nvSpPr>
+        <p:spPr>
+          <a:xfrm>
+            <a:off x="8296342" y="914292"/>
+            <a:ext cx="3484062" cy="738664"/>
+          </a:xfrm>
+          <a:prstGeom prst="rect">
+            <a:avLst/>
+          </a:prstGeom>
+          <a:solidFill>
+            <a:schemeClr val="bg1"/>
+          </a:solidFill>
+        </p:spPr>
+        <p:txBody>
+          <a:bodyPr wrap="square" rtlCol="0">
+            <a:spAutoFit/>
+          </a:bodyPr>
+          <a:lstStyle/>
+          <a:p>
+            <a:r>
+              <a:rPr lang="en-GB" sz="1400" dirty="0"/>
+              <a:t>Much weaker correlation than average pace. This would probably be expected. Curious gap in the data between 5.6 and 6mins/km.  </a:t>
+            </a:r>
+          </a:p>
+        </p:txBody>
+      </p:sp>
+      <p:sp>
+        <p:nvSpPr>
+          <p:cNvPr id="11" name="TextBox 10">
+            <a:extLst>
+              <a:ext uri="{FF2B5EF4-FFF2-40B4-BE49-F238E27FC236}">
+                <a16:creationId xmlns:a16="http://schemas.microsoft.com/office/drawing/2014/main" id="{407396BE-5157-41D4-B966-58296790F804}"/>
+              </a:ext>
+            </a:extLst>
+          </p:cNvPr>
+          <p:cNvSpPr txBox="1"/>
+          <p:nvPr/>
+        </p:nvSpPr>
+        <p:spPr>
+          <a:xfrm>
+            <a:off x="2726422" y="3805742"/>
+            <a:ext cx="3204595" cy="954107"/>
+          </a:xfrm>
+          <a:prstGeom prst="rect">
+            <a:avLst/>
+          </a:prstGeom>
+          <a:solidFill>
+            <a:schemeClr val="bg1"/>
+          </a:solidFill>
+        </p:spPr>
+        <p:txBody>
+          <a:bodyPr wrap="square" rtlCol="0">
+            <a:spAutoFit/>
+          </a:bodyPr>
+          <a:lstStyle/>
+          <a:p>
+            <a:r>
+              <a:rPr lang="en-GB" sz="1400" dirty="0"/>
+              <a:t>Calories burnt are clustered around 500-600. An R value of 0.3 implies a much stronger relationship than is immediately visible by human eye. </a:t>
+            </a:r>
+          </a:p>
+        </p:txBody>
+      </p:sp>
+      <p:sp>
+        <p:nvSpPr>
+          <p:cNvPr id="12" name="TextBox 11">
+            <a:extLst>
+              <a:ext uri="{FF2B5EF4-FFF2-40B4-BE49-F238E27FC236}">
+                <a16:creationId xmlns:a16="http://schemas.microsoft.com/office/drawing/2014/main" id="{D28A9338-D2A5-4F1E-BD68-F4E8DF20BA38}"/>
+              </a:ext>
+            </a:extLst>
+          </p:cNvPr>
+          <p:cNvSpPr txBox="1"/>
+          <p:nvPr/>
+        </p:nvSpPr>
+        <p:spPr>
+          <a:xfrm>
+            <a:off x="6314812" y="3793266"/>
+            <a:ext cx="3550641" cy="1169551"/>
+          </a:xfrm>
+          <a:prstGeom prst="rect">
+            <a:avLst/>
+          </a:prstGeom>
+          <a:solidFill>
+            <a:schemeClr val="bg1"/>
+          </a:solidFill>
+        </p:spPr>
+        <p:txBody>
+          <a:bodyPr wrap="square" rtlCol="0">
+            <a:spAutoFit/>
+          </a:bodyPr>
+          <a:lstStyle/>
+          <a:p>
+            <a:r>
+              <a:rPr lang="en-GB" sz="1400" dirty="0"/>
+              <a:t>No correlation visible here. Although this is almost certainly due to the limited range of the elevation. We would definitely expect a correlation between elevation and time with a more varied dataset. </a:t>
+            </a:r>
+          </a:p>
+        </p:txBody>
+      </p:sp>
+      <p:sp>
+        <p:nvSpPr>
+          <p:cNvPr id="13" name="TextBox 12">
+            <a:extLst>
+              <a:ext uri="{FF2B5EF4-FFF2-40B4-BE49-F238E27FC236}">
+                <a16:creationId xmlns:a16="http://schemas.microsoft.com/office/drawing/2014/main" id="{E572A2B0-48B9-4AED-84BC-60B14980C560}"/>
+              </a:ext>
+            </a:extLst>
+          </p:cNvPr>
+          <p:cNvSpPr txBox="1"/>
+          <p:nvPr/>
+        </p:nvSpPr>
+        <p:spPr>
+          <a:xfrm>
+            <a:off x="82759" y="5773863"/>
+            <a:ext cx="3204595" cy="954107"/>
+          </a:xfrm>
+          <a:prstGeom prst="rect">
+            <a:avLst/>
+          </a:prstGeom>
+          <a:solidFill>
+            <a:schemeClr val="bg1"/>
+          </a:solidFill>
+        </p:spPr>
+        <p:txBody>
+          <a:bodyPr wrap="square" rtlCol="0">
+            <a:spAutoFit/>
+          </a:bodyPr>
+          <a:lstStyle/>
+          <a:p>
+            <a:r>
+              <a:rPr lang="en-GB" sz="1400" dirty="0"/>
+              <a:t>As companies don’t typically release their algorithms for calculating calories, this would be an interesting feature to explore further. </a:t>
+            </a:r>
+          </a:p>
+        </p:txBody>
+      </p:sp>
+    </p:spTree>
+    <p:extLst>
+      <p:ext uri="{BB962C8B-B14F-4D97-AF65-F5344CB8AC3E}">
+        <p14:creationId xmlns:p14="http://schemas.microsoft.com/office/powerpoint/2010/main" val="3712625328"/>
+      </p:ext>
+    </p:extLst>
+  </p:cSld>
+  <p:clrMapOvr>
+    <a:masterClrMapping/>
+  </p:clrMapOvr>
+</p:sld>
+</file>
+
 <file path=ppt/slides/slide2.xml><?xml version="1.0" encoding="utf-8"?>
 <p:sld xmlns:a="http://schemas.openxmlformats.org/drawingml/2006/main" xmlns:r="http://schemas.openxmlformats.org/officeDocument/2006/relationships" xmlns:p="http://schemas.openxmlformats.org/presentationml/2006/main">
   <p:cSld>
@@ -4811,6 +6061,1095 @@
     <p:extLst>
       <p:ext uri="{BB962C8B-B14F-4D97-AF65-F5344CB8AC3E}">
         <p14:creationId xmlns:p14="http://schemas.microsoft.com/office/powerpoint/2010/main" val="4090212194"/>
+      </p:ext>
+    </p:extLst>
+  </p:cSld>
+  <p:clrMapOvr>
+    <a:masterClrMapping/>
+  </p:clrMapOvr>
+</p:sld>
+</file>
+
+<file path=ppt/slides/slide20.xml><?xml version="1.0" encoding="utf-8"?>
+<p:sld xmlns:a="http://schemas.openxmlformats.org/drawingml/2006/main" xmlns:r="http://schemas.openxmlformats.org/officeDocument/2006/relationships" xmlns:p="http://schemas.openxmlformats.org/presentationml/2006/main">
+  <p:cSld>
+    <p:spTree>
+      <p:nvGrpSpPr>
+        <p:cNvPr id="1" name=""/>
+        <p:cNvGrpSpPr/>
+        <p:nvPr/>
+      </p:nvGrpSpPr>
+      <p:grpSpPr>
+        <a:xfrm>
+          <a:off x="0" y="0"/>
+          <a:ext cx="0" cy="0"/>
+          <a:chOff x="0" y="0"/>
+          <a:chExt cx="0" cy="0"/>
+        </a:xfrm>
+      </p:grpSpPr>
+      <p:grpSp>
+        <p:nvGrpSpPr>
+          <p:cNvPr id="11" name="Group 10">
+            <a:extLst>
+              <a:ext uri="{FF2B5EF4-FFF2-40B4-BE49-F238E27FC236}">
+                <a16:creationId xmlns:a16="http://schemas.microsoft.com/office/drawing/2014/main" id="{CD1F469E-C11E-4206-A1FD-4FCA3B9FF0CC}"/>
+              </a:ext>
+            </a:extLst>
+          </p:cNvPr>
+          <p:cNvGrpSpPr/>
+          <p:nvPr/>
+        </p:nvGrpSpPr>
+        <p:grpSpPr>
+          <a:xfrm>
+            <a:off x="1130253" y="172401"/>
+            <a:ext cx="10053670" cy="6555570"/>
+            <a:chOff x="1130253" y="172401"/>
+            <a:chExt cx="10053670" cy="6555570"/>
+          </a:xfrm>
+        </p:grpSpPr>
+        <p:pic>
+          <p:nvPicPr>
+            <p:cNvPr id="3" name="Picture 2" descr="A screenshot of a cell phone&#10;&#10;Description automatically generated">
+              <a:extLst>
+                <a:ext uri="{FF2B5EF4-FFF2-40B4-BE49-F238E27FC236}">
+                  <a16:creationId xmlns:a16="http://schemas.microsoft.com/office/drawing/2014/main" id="{8F169DB8-4F67-4FF6-8C29-7C3C19FAEBBB}"/>
+                </a:ext>
+              </a:extLst>
+            </p:cNvPr>
+            <p:cNvPicPr>
+              <a:picLocks noChangeAspect="1"/>
+            </p:cNvPicPr>
+            <p:nvPr/>
+          </p:nvPicPr>
+          <p:blipFill>
+            <a:blip r:embed="rId2">
+              <a:extLst>
+                <a:ext uri="{28A0092B-C50C-407E-A947-70E740481C1C}">
+                  <a14:useLocalDpi xmlns:a14="http://schemas.microsoft.com/office/drawing/2010/main" val="0"/>
+                </a:ext>
+              </a:extLst>
+            </a:blip>
+            <a:stretch>
+              <a:fillRect/>
+            </a:stretch>
+          </p:blipFill>
+          <p:spPr>
+            <a:xfrm>
+              <a:off x="1130253" y="172401"/>
+              <a:ext cx="9977660" cy="6555570"/>
+            </a:xfrm>
+            <a:prstGeom prst="rect">
+              <a:avLst/>
+            </a:prstGeom>
+          </p:spPr>
+        </p:pic>
+        <p:sp>
+          <p:nvSpPr>
+            <p:cNvPr id="7" name="TextBox 6">
+              <a:extLst>
+                <a:ext uri="{FF2B5EF4-FFF2-40B4-BE49-F238E27FC236}">
+                  <a16:creationId xmlns:a16="http://schemas.microsoft.com/office/drawing/2014/main" id="{499AB68D-045C-4DE6-91FC-DA031FC28614}"/>
+                </a:ext>
+              </a:extLst>
+            </p:cNvPr>
+            <p:cNvSpPr txBox="1"/>
+            <p:nvPr/>
+          </p:nvSpPr>
+          <p:spPr>
+            <a:xfrm>
+              <a:off x="1912690" y="1098958"/>
+              <a:ext cx="1249960" cy="369332"/>
+            </a:xfrm>
+            <a:prstGeom prst="rect">
+              <a:avLst/>
+            </a:prstGeom>
+            <a:noFill/>
+          </p:spPr>
+          <p:txBody>
+            <a:bodyPr wrap="square" rtlCol="0">
+              <a:spAutoFit/>
+            </a:bodyPr>
+            <a:lstStyle/>
+            <a:p>
+              <a:r>
+                <a:rPr lang="en-GB" dirty="0"/>
+                <a:t>R = -0.08</a:t>
+              </a:r>
+            </a:p>
+          </p:txBody>
+        </p:sp>
+        <p:sp>
+          <p:nvSpPr>
+            <p:cNvPr id="8" name="TextBox 7">
+              <a:extLst>
+                <a:ext uri="{FF2B5EF4-FFF2-40B4-BE49-F238E27FC236}">
+                  <a16:creationId xmlns:a16="http://schemas.microsoft.com/office/drawing/2014/main" id="{357EB3C3-C442-4B86-9275-28180D05B5EC}"/>
+                </a:ext>
+              </a:extLst>
+            </p:cNvPr>
+            <p:cNvSpPr txBox="1"/>
+            <p:nvPr/>
+          </p:nvSpPr>
+          <p:spPr>
+            <a:xfrm>
+              <a:off x="6855203" y="1098958"/>
+              <a:ext cx="1249960" cy="369332"/>
+            </a:xfrm>
+            <a:prstGeom prst="rect">
+              <a:avLst/>
+            </a:prstGeom>
+            <a:noFill/>
+          </p:spPr>
+          <p:txBody>
+            <a:bodyPr wrap="square" rtlCol="0">
+              <a:spAutoFit/>
+            </a:bodyPr>
+            <a:lstStyle/>
+            <a:p>
+              <a:r>
+                <a:rPr lang="en-GB" dirty="0"/>
+                <a:t>R = -0.1</a:t>
+              </a:r>
+            </a:p>
+          </p:txBody>
+        </p:sp>
+        <p:sp>
+          <p:nvSpPr>
+            <p:cNvPr id="9" name="TextBox 8">
+              <a:extLst>
+                <a:ext uri="{FF2B5EF4-FFF2-40B4-BE49-F238E27FC236}">
+                  <a16:creationId xmlns:a16="http://schemas.microsoft.com/office/drawing/2014/main" id="{0075353B-FD7C-4990-A987-95C3194B2F8B}"/>
+                </a:ext>
+              </a:extLst>
+            </p:cNvPr>
+            <p:cNvSpPr txBox="1"/>
+            <p:nvPr/>
+          </p:nvSpPr>
+          <p:spPr>
+            <a:xfrm>
+              <a:off x="4907128" y="3913464"/>
+              <a:ext cx="1249960" cy="369332"/>
+            </a:xfrm>
+            <a:prstGeom prst="rect">
+              <a:avLst/>
+            </a:prstGeom>
+            <a:noFill/>
+          </p:spPr>
+          <p:txBody>
+            <a:bodyPr wrap="square" rtlCol="0">
+              <a:spAutoFit/>
+            </a:bodyPr>
+            <a:lstStyle/>
+            <a:p>
+              <a:r>
+                <a:rPr lang="en-GB" dirty="0"/>
+                <a:t>R = -0.13</a:t>
+              </a:r>
+            </a:p>
+          </p:txBody>
+        </p:sp>
+        <p:sp>
+          <p:nvSpPr>
+            <p:cNvPr id="10" name="TextBox 9">
+              <a:extLst>
+                <a:ext uri="{FF2B5EF4-FFF2-40B4-BE49-F238E27FC236}">
+                  <a16:creationId xmlns:a16="http://schemas.microsoft.com/office/drawing/2014/main" id="{2A2D5211-FB34-4D9E-B721-54BF02694F3E}"/>
+                </a:ext>
+              </a:extLst>
+            </p:cNvPr>
+            <p:cNvSpPr txBox="1"/>
+            <p:nvPr/>
+          </p:nvSpPr>
+          <p:spPr>
+            <a:xfrm>
+              <a:off x="9933963" y="3913464"/>
+              <a:ext cx="1249960" cy="369332"/>
+            </a:xfrm>
+            <a:prstGeom prst="rect">
+              <a:avLst/>
+            </a:prstGeom>
+            <a:noFill/>
+          </p:spPr>
+          <p:txBody>
+            <a:bodyPr wrap="square" rtlCol="0">
+              <a:spAutoFit/>
+            </a:bodyPr>
+            <a:lstStyle/>
+            <a:p>
+              <a:r>
+                <a:rPr lang="en-GB" dirty="0"/>
+                <a:t>R = -0.3</a:t>
+              </a:r>
+            </a:p>
+          </p:txBody>
+        </p:sp>
+      </p:grpSp>
+    </p:spTree>
+    <p:extLst>
+      <p:ext uri="{BB962C8B-B14F-4D97-AF65-F5344CB8AC3E}">
+        <p14:creationId xmlns:p14="http://schemas.microsoft.com/office/powerpoint/2010/main" val="3639911692"/>
+      </p:ext>
+    </p:extLst>
+  </p:cSld>
+  <p:clrMapOvr>
+    <a:masterClrMapping/>
+  </p:clrMapOvr>
+</p:sld>
+</file>
+
+<file path=ppt/slides/slide21.xml><?xml version="1.0" encoding="utf-8"?>
+<p:sld xmlns:a="http://schemas.openxmlformats.org/drawingml/2006/main" xmlns:r="http://schemas.openxmlformats.org/officeDocument/2006/relationships" xmlns:p="http://schemas.openxmlformats.org/presentationml/2006/main">
+  <p:cSld>
+    <p:spTree>
+      <p:nvGrpSpPr>
+        <p:cNvPr id="1" name=""/>
+        <p:cNvGrpSpPr/>
+        <p:nvPr/>
+      </p:nvGrpSpPr>
+      <p:grpSpPr>
+        <a:xfrm>
+          <a:off x="0" y="0"/>
+          <a:ext cx="0" cy="0"/>
+          <a:chOff x="0" y="0"/>
+          <a:chExt cx="0" cy="0"/>
+        </a:xfrm>
+      </p:grpSpPr>
+      <p:grpSp>
+        <p:nvGrpSpPr>
+          <p:cNvPr id="11" name="Group 10">
+            <a:extLst>
+              <a:ext uri="{FF2B5EF4-FFF2-40B4-BE49-F238E27FC236}">
+                <a16:creationId xmlns:a16="http://schemas.microsoft.com/office/drawing/2014/main" id="{CD1F469E-C11E-4206-A1FD-4FCA3B9FF0CC}"/>
+              </a:ext>
+            </a:extLst>
+          </p:cNvPr>
+          <p:cNvGrpSpPr/>
+          <p:nvPr/>
+        </p:nvGrpSpPr>
+        <p:grpSpPr>
+          <a:xfrm>
+            <a:off x="1130253" y="172401"/>
+            <a:ext cx="10053670" cy="6555570"/>
+            <a:chOff x="1130253" y="172401"/>
+            <a:chExt cx="10053670" cy="6555570"/>
+          </a:xfrm>
+        </p:grpSpPr>
+        <p:pic>
+          <p:nvPicPr>
+            <p:cNvPr id="3" name="Picture 2" descr="A screenshot of a cell phone&#10;&#10;Description automatically generated">
+              <a:extLst>
+                <a:ext uri="{FF2B5EF4-FFF2-40B4-BE49-F238E27FC236}">
+                  <a16:creationId xmlns:a16="http://schemas.microsoft.com/office/drawing/2014/main" id="{8F169DB8-4F67-4FF6-8C29-7C3C19FAEBBB}"/>
+                </a:ext>
+              </a:extLst>
+            </p:cNvPr>
+            <p:cNvPicPr>
+              <a:picLocks noChangeAspect="1"/>
+            </p:cNvPicPr>
+            <p:nvPr/>
+          </p:nvPicPr>
+          <p:blipFill>
+            <a:blip r:embed="rId2">
+              <a:extLst>
+                <a:ext uri="{28A0092B-C50C-407E-A947-70E740481C1C}">
+                  <a14:useLocalDpi xmlns:a14="http://schemas.microsoft.com/office/drawing/2010/main" val="0"/>
+                </a:ext>
+              </a:extLst>
+            </a:blip>
+            <a:stretch>
+              <a:fillRect/>
+            </a:stretch>
+          </p:blipFill>
+          <p:spPr>
+            <a:xfrm>
+              <a:off x="1130253" y="172401"/>
+              <a:ext cx="9977660" cy="6555570"/>
+            </a:xfrm>
+            <a:prstGeom prst="rect">
+              <a:avLst/>
+            </a:prstGeom>
+          </p:spPr>
+        </p:pic>
+        <p:sp>
+          <p:nvSpPr>
+            <p:cNvPr id="7" name="TextBox 6">
+              <a:extLst>
+                <a:ext uri="{FF2B5EF4-FFF2-40B4-BE49-F238E27FC236}">
+                  <a16:creationId xmlns:a16="http://schemas.microsoft.com/office/drawing/2014/main" id="{499AB68D-045C-4DE6-91FC-DA031FC28614}"/>
+                </a:ext>
+              </a:extLst>
+            </p:cNvPr>
+            <p:cNvSpPr txBox="1"/>
+            <p:nvPr/>
+          </p:nvSpPr>
+          <p:spPr>
+            <a:xfrm>
+              <a:off x="1912690" y="1098958"/>
+              <a:ext cx="1249960" cy="369332"/>
+            </a:xfrm>
+            <a:prstGeom prst="rect">
+              <a:avLst/>
+            </a:prstGeom>
+            <a:noFill/>
+          </p:spPr>
+          <p:txBody>
+            <a:bodyPr wrap="square" rtlCol="0">
+              <a:spAutoFit/>
+            </a:bodyPr>
+            <a:lstStyle/>
+            <a:p>
+              <a:r>
+                <a:rPr lang="en-GB" dirty="0"/>
+                <a:t>R = -0.08</a:t>
+              </a:r>
+            </a:p>
+          </p:txBody>
+        </p:sp>
+        <p:sp>
+          <p:nvSpPr>
+            <p:cNvPr id="8" name="TextBox 7">
+              <a:extLst>
+                <a:ext uri="{FF2B5EF4-FFF2-40B4-BE49-F238E27FC236}">
+                  <a16:creationId xmlns:a16="http://schemas.microsoft.com/office/drawing/2014/main" id="{357EB3C3-C442-4B86-9275-28180D05B5EC}"/>
+                </a:ext>
+              </a:extLst>
+            </p:cNvPr>
+            <p:cNvSpPr txBox="1"/>
+            <p:nvPr/>
+          </p:nvSpPr>
+          <p:spPr>
+            <a:xfrm>
+              <a:off x="6855203" y="1098958"/>
+              <a:ext cx="1249960" cy="369332"/>
+            </a:xfrm>
+            <a:prstGeom prst="rect">
+              <a:avLst/>
+            </a:prstGeom>
+            <a:noFill/>
+          </p:spPr>
+          <p:txBody>
+            <a:bodyPr wrap="square" rtlCol="0">
+              <a:spAutoFit/>
+            </a:bodyPr>
+            <a:lstStyle/>
+            <a:p>
+              <a:r>
+                <a:rPr lang="en-GB" dirty="0"/>
+                <a:t>R = -0.1</a:t>
+              </a:r>
+            </a:p>
+          </p:txBody>
+        </p:sp>
+        <p:sp>
+          <p:nvSpPr>
+            <p:cNvPr id="9" name="TextBox 8">
+              <a:extLst>
+                <a:ext uri="{FF2B5EF4-FFF2-40B4-BE49-F238E27FC236}">
+                  <a16:creationId xmlns:a16="http://schemas.microsoft.com/office/drawing/2014/main" id="{0075353B-FD7C-4990-A987-95C3194B2F8B}"/>
+                </a:ext>
+              </a:extLst>
+            </p:cNvPr>
+            <p:cNvSpPr txBox="1"/>
+            <p:nvPr/>
+          </p:nvSpPr>
+          <p:spPr>
+            <a:xfrm>
+              <a:off x="4907128" y="3913464"/>
+              <a:ext cx="1249960" cy="369332"/>
+            </a:xfrm>
+            <a:prstGeom prst="rect">
+              <a:avLst/>
+            </a:prstGeom>
+            <a:noFill/>
+          </p:spPr>
+          <p:txBody>
+            <a:bodyPr wrap="square" rtlCol="0">
+              <a:spAutoFit/>
+            </a:bodyPr>
+            <a:lstStyle/>
+            <a:p>
+              <a:r>
+                <a:rPr lang="en-GB" dirty="0"/>
+                <a:t>R = -0.13</a:t>
+              </a:r>
+            </a:p>
+          </p:txBody>
+        </p:sp>
+        <p:sp>
+          <p:nvSpPr>
+            <p:cNvPr id="10" name="TextBox 9">
+              <a:extLst>
+                <a:ext uri="{FF2B5EF4-FFF2-40B4-BE49-F238E27FC236}">
+                  <a16:creationId xmlns:a16="http://schemas.microsoft.com/office/drawing/2014/main" id="{2A2D5211-FB34-4D9E-B721-54BF02694F3E}"/>
+                </a:ext>
+              </a:extLst>
+            </p:cNvPr>
+            <p:cNvSpPr txBox="1"/>
+            <p:nvPr/>
+          </p:nvSpPr>
+          <p:spPr>
+            <a:xfrm>
+              <a:off x="9933963" y="3913464"/>
+              <a:ext cx="1249960" cy="369332"/>
+            </a:xfrm>
+            <a:prstGeom prst="rect">
+              <a:avLst/>
+            </a:prstGeom>
+            <a:noFill/>
+          </p:spPr>
+          <p:txBody>
+            <a:bodyPr wrap="square" rtlCol="0">
+              <a:spAutoFit/>
+            </a:bodyPr>
+            <a:lstStyle/>
+            <a:p>
+              <a:r>
+                <a:rPr lang="en-GB" dirty="0"/>
+                <a:t>R = -0.3</a:t>
+              </a:r>
+            </a:p>
+          </p:txBody>
+        </p:sp>
+      </p:grpSp>
+      <p:sp>
+        <p:nvSpPr>
+          <p:cNvPr id="2" name="TextBox 1">
+            <a:extLst>
+              <a:ext uri="{FF2B5EF4-FFF2-40B4-BE49-F238E27FC236}">
+                <a16:creationId xmlns:a16="http://schemas.microsoft.com/office/drawing/2014/main" id="{6F49BB6C-7E89-41F2-8820-EC053F8D96C4}"/>
+              </a:ext>
+            </a:extLst>
+          </p:cNvPr>
+          <p:cNvSpPr txBox="1"/>
+          <p:nvPr/>
+        </p:nvSpPr>
+        <p:spPr>
+          <a:xfrm>
+            <a:off x="3590488" y="587229"/>
+            <a:ext cx="5217952" cy="1200329"/>
+          </a:xfrm>
+          <a:prstGeom prst="rect">
+            <a:avLst/>
+          </a:prstGeom>
+          <a:solidFill>
+            <a:schemeClr val="bg1"/>
+          </a:solidFill>
+        </p:spPr>
+        <p:txBody>
+          <a:bodyPr wrap="square" rtlCol="0">
+            <a:spAutoFit/>
+          </a:bodyPr>
+          <a:lstStyle/>
+          <a:p>
+            <a:r>
+              <a:rPr lang="en-GB" dirty="0"/>
+              <a:t>HR measurements show little correlation to time. The average HR is clustered 145-160 and max HR 160-180 bpm. Does a lack of correlation make sense here? Probably need to ask a health scientist. . </a:t>
+            </a:r>
+          </a:p>
+        </p:txBody>
+      </p:sp>
+      <p:sp>
+        <p:nvSpPr>
+          <p:cNvPr id="12" name="TextBox 11">
+            <a:extLst>
+              <a:ext uri="{FF2B5EF4-FFF2-40B4-BE49-F238E27FC236}">
+                <a16:creationId xmlns:a16="http://schemas.microsoft.com/office/drawing/2014/main" id="{70006FDD-CADF-4597-AE7C-391247EA6C5D}"/>
+              </a:ext>
+            </a:extLst>
+          </p:cNvPr>
+          <p:cNvSpPr txBox="1"/>
+          <p:nvPr/>
+        </p:nvSpPr>
+        <p:spPr>
+          <a:xfrm>
+            <a:off x="3721916" y="3758402"/>
+            <a:ext cx="5217952" cy="369332"/>
+          </a:xfrm>
+          <a:prstGeom prst="rect">
+            <a:avLst/>
+          </a:prstGeom>
+          <a:solidFill>
+            <a:schemeClr val="bg1"/>
+          </a:solidFill>
+        </p:spPr>
+        <p:txBody>
+          <a:bodyPr wrap="square" rtlCol="0">
+            <a:spAutoFit/>
+          </a:bodyPr>
+          <a:lstStyle/>
+          <a:p>
+            <a:r>
+              <a:rPr lang="en-GB" dirty="0"/>
+              <a:t>Gaps are due to the squashed axis and integer values. </a:t>
+            </a:r>
+          </a:p>
+        </p:txBody>
+      </p:sp>
+      <p:cxnSp>
+        <p:nvCxnSpPr>
+          <p:cNvPr id="5" name="Straight Arrow Connector 4">
+            <a:extLst>
+              <a:ext uri="{FF2B5EF4-FFF2-40B4-BE49-F238E27FC236}">
+                <a16:creationId xmlns:a16="http://schemas.microsoft.com/office/drawing/2014/main" id="{9C79302D-4AB0-46AC-8FBB-1C2194E75AEB}"/>
+              </a:ext>
+            </a:extLst>
+          </p:cNvPr>
+          <p:cNvCxnSpPr/>
+          <p:nvPr/>
+        </p:nvCxnSpPr>
+        <p:spPr>
+          <a:xfrm>
+            <a:off x="8380602" y="4098130"/>
+            <a:ext cx="232350" cy="683595"/>
+          </a:xfrm>
+          <a:prstGeom prst="straightConnector1">
+            <a:avLst/>
+          </a:prstGeom>
+          <a:ln>
+            <a:solidFill>
+              <a:schemeClr val="tx1"/>
+            </a:solidFill>
+            <a:tailEnd type="triangle"/>
+          </a:ln>
+        </p:spPr>
+        <p:style>
+          <a:lnRef idx="1">
+            <a:schemeClr val="accent1"/>
+          </a:lnRef>
+          <a:fillRef idx="0">
+            <a:schemeClr val="accent1"/>
+          </a:fillRef>
+          <a:effectRef idx="0">
+            <a:schemeClr val="accent1"/>
+          </a:effectRef>
+          <a:fontRef idx="minor">
+            <a:schemeClr val="tx1"/>
+          </a:fontRef>
+        </p:style>
+      </p:cxnSp>
+      <p:cxnSp>
+        <p:nvCxnSpPr>
+          <p:cNvPr id="13" name="Straight Arrow Connector 12">
+            <a:extLst>
+              <a:ext uri="{FF2B5EF4-FFF2-40B4-BE49-F238E27FC236}">
+                <a16:creationId xmlns:a16="http://schemas.microsoft.com/office/drawing/2014/main" id="{00121BF9-7F5F-41D4-B5BF-00B1281059B6}"/>
+              </a:ext>
+            </a:extLst>
+          </p:cNvPr>
+          <p:cNvCxnSpPr>
+            <a:cxnSpLocks/>
+          </p:cNvCxnSpPr>
+          <p:nvPr/>
+        </p:nvCxnSpPr>
+        <p:spPr>
+          <a:xfrm flipH="1">
+            <a:off x="4130448" y="4202884"/>
+            <a:ext cx="449764" cy="679509"/>
+          </a:xfrm>
+          <a:prstGeom prst="straightConnector1">
+            <a:avLst/>
+          </a:prstGeom>
+          <a:ln>
+            <a:solidFill>
+              <a:schemeClr val="tx1"/>
+            </a:solidFill>
+            <a:tailEnd type="triangle"/>
+          </a:ln>
+        </p:spPr>
+        <p:style>
+          <a:lnRef idx="1">
+            <a:schemeClr val="accent1"/>
+          </a:lnRef>
+          <a:fillRef idx="0">
+            <a:schemeClr val="accent1"/>
+          </a:fillRef>
+          <a:effectRef idx="0">
+            <a:schemeClr val="accent1"/>
+          </a:effectRef>
+          <a:fontRef idx="minor">
+            <a:schemeClr val="tx1"/>
+          </a:fontRef>
+        </p:style>
+      </p:cxnSp>
+    </p:spTree>
+    <p:extLst>
+      <p:ext uri="{BB962C8B-B14F-4D97-AF65-F5344CB8AC3E}">
+        <p14:creationId xmlns:p14="http://schemas.microsoft.com/office/powerpoint/2010/main" val="3565583398"/>
+      </p:ext>
+    </p:extLst>
+  </p:cSld>
+  <p:clrMapOvr>
+    <a:masterClrMapping/>
+  </p:clrMapOvr>
+</p:sld>
+</file>
+
+<file path=ppt/slides/slide22.xml><?xml version="1.0" encoding="utf-8"?>
+<p:sld xmlns:a="http://schemas.openxmlformats.org/drawingml/2006/main" xmlns:r="http://schemas.openxmlformats.org/officeDocument/2006/relationships" xmlns:p="http://schemas.openxmlformats.org/presentationml/2006/main">
+  <p:cSld>
+    <p:spTree>
+      <p:nvGrpSpPr>
+        <p:cNvPr id="1" name=""/>
+        <p:cNvGrpSpPr/>
+        <p:nvPr/>
+      </p:nvGrpSpPr>
+      <p:grpSpPr>
+        <a:xfrm>
+          <a:off x="0" y="0"/>
+          <a:ext cx="0" cy="0"/>
+          <a:chOff x="0" y="0"/>
+          <a:chExt cx="0" cy="0"/>
+        </a:xfrm>
+      </p:grpSpPr>
+      <p:pic>
+        <p:nvPicPr>
+          <p:cNvPr id="3" name="Picture 2" descr="A screenshot of a cell phone&#10;&#10;Description automatically generated">
+            <a:extLst>
+              <a:ext uri="{FF2B5EF4-FFF2-40B4-BE49-F238E27FC236}">
+                <a16:creationId xmlns:a16="http://schemas.microsoft.com/office/drawing/2014/main" id="{C8826A4C-AC8F-47C2-AC77-D78C7EE6B6D1}"/>
+              </a:ext>
+            </a:extLst>
+          </p:cNvPr>
+          <p:cNvPicPr>
+            <a:picLocks noChangeAspect="1"/>
+          </p:cNvPicPr>
+          <p:nvPr/>
+        </p:nvPicPr>
+        <p:blipFill>
+          <a:blip r:embed="rId2">
+            <a:extLst>
+              <a:ext uri="{28A0092B-C50C-407E-A947-70E740481C1C}">
+                <a14:useLocalDpi xmlns:a14="http://schemas.microsoft.com/office/drawing/2010/main" val="0"/>
+              </a:ext>
+            </a:extLst>
+          </a:blip>
+          <a:stretch>
+            <a:fillRect/>
+          </a:stretch>
+        </p:blipFill>
+        <p:spPr>
+          <a:xfrm>
+            <a:off x="1038945" y="0"/>
+            <a:ext cx="10114109" cy="6858000"/>
+          </a:xfrm>
+          <a:prstGeom prst="rect">
+            <a:avLst/>
+          </a:prstGeom>
+        </p:spPr>
+      </p:pic>
+    </p:spTree>
+    <p:extLst>
+      <p:ext uri="{BB962C8B-B14F-4D97-AF65-F5344CB8AC3E}">
+        <p14:creationId xmlns:p14="http://schemas.microsoft.com/office/powerpoint/2010/main" val="2807649956"/>
+      </p:ext>
+    </p:extLst>
+  </p:cSld>
+  <p:clrMapOvr>
+    <a:masterClrMapping/>
+  </p:clrMapOvr>
+</p:sld>
+</file>
+
+<file path=ppt/slides/slide23.xml><?xml version="1.0" encoding="utf-8"?>
+<p:sld xmlns:a="http://schemas.openxmlformats.org/drawingml/2006/main" xmlns:r="http://schemas.openxmlformats.org/officeDocument/2006/relationships" xmlns:p="http://schemas.openxmlformats.org/presentationml/2006/main">
+  <p:cSld>
+    <p:spTree>
+      <p:nvGrpSpPr>
+        <p:cNvPr id="1" name=""/>
+        <p:cNvGrpSpPr/>
+        <p:nvPr/>
+      </p:nvGrpSpPr>
+      <p:grpSpPr>
+        <a:xfrm>
+          <a:off x="0" y="0"/>
+          <a:ext cx="0" cy="0"/>
+          <a:chOff x="0" y="0"/>
+          <a:chExt cx="0" cy="0"/>
+        </a:xfrm>
+      </p:grpSpPr>
+      <p:pic>
+        <p:nvPicPr>
+          <p:cNvPr id="3" name="Picture 2" descr="A screenshot of a cell phone&#10;&#10;Description automatically generated">
+            <a:extLst>
+              <a:ext uri="{FF2B5EF4-FFF2-40B4-BE49-F238E27FC236}">
+                <a16:creationId xmlns:a16="http://schemas.microsoft.com/office/drawing/2014/main" id="{C8826A4C-AC8F-47C2-AC77-D78C7EE6B6D1}"/>
+              </a:ext>
+            </a:extLst>
+          </p:cNvPr>
+          <p:cNvPicPr>
+            <a:picLocks noChangeAspect="1"/>
+          </p:cNvPicPr>
+          <p:nvPr/>
+        </p:nvPicPr>
+        <p:blipFill>
+          <a:blip r:embed="rId2">
+            <a:extLst>
+              <a:ext uri="{28A0092B-C50C-407E-A947-70E740481C1C}">
+                <a14:useLocalDpi xmlns:a14="http://schemas.microsoft.com/office/drawing/2010/main" val="0"/>
+              </a:ext>
+            </a:extLst>
+          </a:blip>
+          <a:stretch>
+            <a:fillRect/>
+          </a:stretch>
+        </p:blipFill>
+        <p:spPr>
+          <a:xfrm>
+            <a:off x="1038945" y="0"/>
+            <a:ext cx="10114109" cy="6858000"/>
+          </a:xfrm>
+          <a:prstGeom prst="rect">
+            <a:avLst/>
+          </a:prstGeom>
+        </p:spPr>
+      </p:pic>
+      <p:sp>
+        <p:nvSpPr>
+          <p:cNvPr id="2" name="TextBox 1">
+            <a:extLst>
+              <a:ext uri="{FF2B5EF4-FFF2-40B4-BE49-F238E27FC236}">
+                <a16:creationId xmlns:a16="http://schemas.microsoft.com/office/drawing/2014/main" id="{798B9B1A-CECE-4D75-B635-974C2D966B30}"/>
+              </a:ext>
+            </a:extLst>
+          </p:cNvPr>
+          <p:cNvSpPr txBox="1"/>
+          <p:nvPr/>
+        </p:nvSpPr>
+        <p:spPr>
+          <a:xfrm>
+            <a:off x="9370503" y="3816991"/>
+            <a:ext cx="2567031" cy="1200329"/>
+          </a:xfrm>
+          <a:prstGeom prst="rect">
+            <a:avLst/>
+          </a:prstGeom>
+          <a:solidFill>
+            <a:schemeClr val="bg1"/>
+          </a:solidFill>
+        </p:spPr>
+        <p:txBody>
+          <a:bodyPr wrap="square" rtlCol="0">
+            <a:spAutoFit/>
+          </a:bodyPr>
+          <a:lstStyle/>
+          <a:p>
+            <a:r>
+              <a:rPr lang="en-GB" dirty="0"/>
+              <a:t>The best fit line is hopelessly overfit to the natural variance In the dataset. </a:t>
+            </a:r>
+          </a:p>
+        </p:txBody>
+      </p:sp>
+      <p:sp>
+        <p:nvSpPr>
+          <p:cNvPr id="4" name="TextBox 3">
+            <a:extLst>
+              <a:ext uri="{FF2B5EF4-FFF2-40B4-BE49-F238E27FC236}">
+                <a16:creationId xmlns:a16="http://schemas.microsoft.com/office/drawing/2014/main" id="{D89263A0-DB9D-4773-A8FE-0BC5CEE084B6}"/>
+              </a:ext>
+            </a:extLst>
+          </p:cNvPr>
+          <p:cNvSpPr txBox="1"/>
+          <p:nvPr/>
+        </p:nvSpPr>
+        <p:spPr>
+          <a:xfrm>
+            <a:off x="4328719" y="169179"/>
+            <a:ext cx="3256327" cy="1200329"/>
+          </a:xfrm>
+          <a:prstGeom prst="rect">
+            <a:avLst/>
+          </a:prstGeom>
+          <a:solidFill>
+            <a:schemeClr val="bg1"/>
+          </a:solidFill>
+        </p:spPr>
+        <p:txBody>
+          <a:bodyPr wrap="square" rtlCol="0">
+            <a:spAutoFit/>
+          </a:bodyPr>
+          <a:lstStyle/>
+          <a:p>
+            <a:r>
+              <a:rPr lang="en-GB" dirty="0"/>
+              <a:t>Linear and quadratic fits the data quite well but are they suitable for predicting future times? </a:t>
+            </a:r>
+          </a:p>
+        </p:txBody>
+      </p:sp>
+      <p:sp>
+        <p:nvSpPr>
+          <p:cNvPr id="5" name="TextBox 4">
+            <a:extLst>
+              <a:ext uri="{FF2B5EF4-FFF2-40B4-BE49-F238E27FC236}">
+                <a16:creationId xmlns:a16="http://schemas.microsoft.com/office/drawing/2014/main" id="{97D74A8D-24B1-4601-B157-C0F4446FB599}"/>
+              </a:ext>
+            </a:extLst>
+          </p:cNvPr>
+          <p:cNvSpPr txBox="1"/>
+          <p:nvPr/>
+        </p:nvSpPr>
+        <p:spPr>
+          <a:xfrm>
+            <a:off x="2551652" y="3816991"/>
+            <a:ext cx="3807203" cy="923330"/>
+          </a:xfrm>
+          <a:prstGeom prst="rect">
+            <a:avLst/>
+          </a:prstGeom>
+          <a:solidFill>
+            <a:schemeClr val="bg1"/>
+          </a:solidFill>
+        </p:spPr>
+        <p:txBody>
+          <a:bodyPr wrap="square" rtlCol="0">
+            <a:spAutoFit/>
+          </a:bodyPr>
+          <a:lstStyle/>
+          <a:p>
+            <a:r>
+              <a:rPr lang="en-GB" dirty="0"/>
+              <a:t>Both quadratic and cubic trendlines have negative gradients before ~150 days. Is this sensible? </a:t>
+            </a:r>
+          </a:p>
+        </p:txBody>
+      </p:sp>
+    </p:spTree>
+    <p:extLst>
+      <p:ext uri="{BB962C8B-B14F-4D97-AF65-F5344CB8AC3E}">
+        <p14:creationId xmlns:p14="http://schemas.microsoft.com/office/powerpoint/2010/main" val="1936054791"/>
+      </p:ext>
+    </p:extLst>
+  </p:cSld>
+  <p:clrMapOvr>
+    <a:masterClrMapping/>
+  </p:clrMapOvr>
+</p:sld>
+</file>
+
+<file path=ppt/slides/slide24.xml><?xml version="1.0" encoding="utf-8"?>
+<p:sld xmlns:a="http://schemas.openxmlformats.org/drawingml/2006/main" xmlns:r="http://schemas.openxmlformats.org/officeDocument/2006/relationships" xmlns:p="http://schemas.openxmlformats.org/presentationml/2006/main">
+  <p:cSld>
+    <p:spTree>
+      <p:nvGrpSpPr>
+        <p:cNvPr id="1" name=""/>
+        <p:cNvGrpSpPr/>
+        <p:nvPr/>
+      </p:nvGrpSpPr>
+      <p:grpSpPr>
+        <a:xfrm>
+          <a:off x="0" y="0"/>
+          <a:ext cx="0" cy="0"/>
+          <a:chOff x="0" y="0"/>
+          <a:chExt cx="0" cy="0"/>
+        </a:xfrm>
+      </p:grpSpPr>
+      <p:sp>
+        <p:nvSpPr>
+          <p:cNvPr id="2" name="Title 1">
+            <a:extLst>
+              <a:ext uri="{FF2B5EF4-FFF2-40B4-BE49-F238E27FC236}">
+                <a16:creationId xmlns:a16="http://schemas.microsoft.com/office/drawing/2014/main" id="{78140A36-B8B4-45EB-88EB-AE54A3EBA06B}"/>
+              </a:ext>
+            </a:extLst>
+          </p:cNvPr>
+          <p:cNvSpPr>
+            <a:spLocks noGrp="1"/>
+          </p:cNvSpPr>
+          <p:nvPr>
+            <p:ph type="title"/>
+          </p:nvPr>
+        </p:nvSpPr>
+        <p:spPr/>
+        <p:txBody>
+          <a:bodyPr/>
+          <a:lstStyle/>
+          <a:p>
+            <a:r>
+              <a:rPr lang="en-GB" dirty="0"/>
+              <a:t>Some other interesting stats. . . </a:t>
+            </a:r>
+          </a:p>
+        </p:txBody>
+      </p:sp>
+      <p:sp>
+        <p:nvSpPr>
+          <p:cNvPr id="3" name="Content Placeholder 2">
+            <a:extLst>
+              <a:ext uri="{FF2B5EF4-FFF2-40B4-BE49-F238E27FC236}">
+                <a16:creationId xmlns:a16="http://schemas.microsoft.com/office/drawing/2014/main" id="{869C1753-7B55-4CA2-9160-D1CBABA9CECE}"/>
+              </a:ext>
+            </a:extLst>
+          </p:cNvPr>
+          <p:cNvSpPr>
+            <a:spLocks noGrp="1"/>
+          </p:cNvSpPr>
+          <p:nvPr>
+            <p:ph idx="1"/>
+          </p:nvPr>
+        </p:nvSpPr>
+        <p:spPr/>
+        <p:txBody>
+          <a:bodyPr/>
+          <a:lstStyle/>
+          <a:p>
+            <a:r>
+              <a:rPr lang="en-GB" dirty="0"/>
+              <a:t>Difference between slowest and quickest 5k run: </a:t>
+            </a:r>
+            <a:r>
+              <a:rPr lang="en-GB" b="1" dirty="0"/>
+              <a:t>12 minutes and 2 seconds</a:t>
+            </a:r>
+          </a:p>
+          <a:p>
+            <a:r>
+              <a:rPr lang="en-GB" dirty="0"/>
+              <a:t>Difference between slowest and quickest 5k run (discard La Oliva): </a:t>
+            </a:r>
+            <a:r>
+              <a:rPr lang="en-GB" b="1" dirty="0"/>
+              <a:t>6 minutes and 59 seconds</a:t>
+            </a:r>
+          </a:p>
+          <a:p>
+            <a:r>
+              <a:rPr lang="en-GB" dirty="0"/>
+              <a:t>Difference between earliest and latest date: </a:t>
+            </a:r>
+            <a:r>
+              <a:rPr lang="en-GB" b="1" dirty="0"/>
+              <a:t>4 minutes and 57 seconds</a:t>
+            </a:r>
+          </a:p>
+          <a:p>
+            <a:r>
+              <a:rPr lang="en-GB" dirty="0"/>
+              <a:t>Time improvement at Wokingham is: </a:t>
+            </a:r>
+            <a:r>
+              <a:rPr lang="en-GB" b="1" dirty="0"/>
+              <a:t>6 m</a:t>
+            </a:r>
+            <a:r>
+              <a:rPr lang="en-GB" dirty="0"/>
+              <a:t>inutes and 59 seconds</a:t>
+            </a:r>
+          </a:p>
+          <a:p>
+            <a:r>
+              <a:rPr lang="en-GB" dirty="0"/>
+              <a:t>5k PB is: </a:t>
+            </a:r>
+            <a:r>
+              <a:rPr lang="en-GB" b="1" dirty="0"/>
+              <a:t>33 minutes and 11 seconds</a:t>
+            </a:r>
+          </a:p>
+        </p:txBody>
+      </p:sp>
+    </p:spTree>
+    <p:extLst>
+      <p:ext uri="{BB962C8B-B14F-4D97-AF65-F5344CB8AC3E}">
+        <p14:creationId xmlns:p14="http://schemas.microsoft.com/office/powerpoint/2010/main" val="3776936030"/>
+      </p:ext>
+    </p:extLst>
+  </p:cSld>
+  <p:clrMapOvr>
+    <a:masterClrMapping/>
+  </p:clrMapOvr>
+</p:sld>
+</file>
+
+<file path=ppt/slides/slide25.xml><?xml version="1.0" encoding="utf-8"?>
+<p:sld xmlns:a="http://schemas.openxmlformats.org/drawingml/2006/main" xmlns:r="http://schemas.openxmlformats.org/officeDocument/2006/relationships" xmlns:p="http://schemas.openxmlformats.org/presentationml/2006/main">
+  <p:cSld>
+    <p:spTree>
+      <p:nvGrpSpPr>
+        <p:cNvPr id="1" name=""/>
+        <p:cNvGrpSpPr/>
+        <p:nvPr/>
+      </p:nvGrpSpPr>
+      <p:grpSpPr>
+        <a:xfrm>
+          <a:off x="0" y="0"/>
+          <a:ext cx="0" cy="0"/>
+          <a:chOff x="0" y="0"/>
+          <a:chExt cx="0" cy="0"/>
+        </a:xfrm>
+      </p:grpSpPr>
+      <p:sp>
+        <p:nvSpPr>
+          <p:cNvPr id="2" name="Title 1">
+            <a:extLst>
+              <a:ext uri="{FF2B5EF4-FFF2-40B4-BE49-F238E27FC236}">
+                <a16:creationId xmlns:a16="http://schemas.microsoft.com/office/drawing/2014/main" id="{F2C74376-574F-47D1-9465-74EB6825B66E}"/>
+              </a:ext>
+            </a:extLst>
+          </p:cNvPr>
+          <p:cNvSpPr>
+            <a:spLocks noGrp="1"/>
+          </p:cNvSpPr>
+          <p:nvPr>
+            <p:ph type="title"/>
+          </p:nvPr>
+        </p:nvSpPr>
+        <p:spPr/>
+        <p:txBody>
+          <a:bodyPr/>
+          <a:lstStyle/>
+          <a:p>
+            <a:r>
+              <a:rPr lang="en-GB" dirty="0"/>
+              <a:t>10K data</a:t>
+            </a:r>
+          </a:p>
+        </p:txBody>
+      </p:sp>
+      <p:sp>
+        <p:nvSpPr>
+          <p:cNvPr id="3" name="Content Placeholder 2">
+            <a:extLst>
+              <a:ext uri="{FF2B5EF4-FFF2-40B4-BE49-F238E27FC236}">
+                <a16:creationId xmlns:a16="http://schemas.microsoft.com/office/drawing/2014/main" id="{3FDEE798-092E-41DD-AD81-32CCD574C570}"/>
+              </a:ext>
+            </a:extLst>
+          </p:cNvPr>
+          <p:cNvSpPr>
+            <a:spLocks noGrp="1"/>
+          </p:cNvSpPr>
+          <p:nvPr>
+            <p:ph idx="1"/>
+          </p:nvPr>
+        </p:nvSpPr>
+        <p:spPr/>
+        <p:txBody>
+          <a:bodyPr/>
+          <a:lstStyle/>
+          <a:p>
+            <a:r>
+              <a:rPr lang="en-GB" dirty="0"/>
+              <a:t>From the 260 data points recorded, 15 were recorded between the distances of 9.9 and 10.1km. </a:t>
+            </a:r>
+          </a:p>
+          <a:p>
+            <a:r>
+              <a:rPr lang="en-GB" dirty="0"/>
+              <a:t>These datapoints will be referred to as 10km runs. </a:t>
+            </a:r>
+          </a:p>
+          <a:p>
+            <a:r>
+              <a:rPr lang="en-GB" dirty="0"/>
+              <a:t>Next slides show some further analysis into the 10k runs. </a:t>
+            </a:r>
+          </a:p>
+        </p:txBody>
+      </p:sp>
+    </p:spTree>
+    <p:extLst>
+      <p:ext uri="{BB962C8B-B14F-4D97-AF65-F5344CB8AC3E}">
+        <p14:creationId xmlns:p14="http://schemas.microsoft.com/office/powerpoint/2010/main" val="2778795109"/>
       </p:ext>
     </p:extLst>
   </p:cSld>
@@ -5130,7 +7469,7 @@
           <a:p>
             <a:r>
               <a:rPr lang="en-GB" dirty="0"/>
-              <a:t>Max Distance: 13.82km  :O</a:t>
+              <a:t>Max Distance: 13.82km  </a:t>
             </a:r>
           </a:p>
           <a:p>

--- a/Data_Summary.pptx
+++ b/Data_Summary.pptx
@@ -7,8 +7,8 @@
   <p:sldIdLst>
     <p:sldId id="256" r:id="rId2"/>
     <p:sldId id="259" r:id="rId3"/>
-    <p:sldId id="260" r:id="rId4"/>
-    <p:sldId id="261" r:id="rId5"/>
+    <p:sldId id="261" r:id="rId4"/>
+    <p:sldId id="291" r:id="rId5"/>
     <p:sldId id="257" r:id="rId6"/>
     <p:sldId id="258" r:id="rId7"/>
     <p:sldId id="262" r:id="rId8"/>
@@ -17,7 +17,7 @@
     <p:sldId id="267" r:id="rId11"/>
     <p:sldId id="266" r:id="rId12"/>
     <p:sldId id="268" r:id="rId13"/>
-    <p:sldId id="263" r:id="rId14"/>
+    <p:sldId id="292" r:id="rId14"/>
     <p:sldId id="269" r:id="rId15"/>
     <p:sldId id="270" r:id="rId16"/>
     <p:sldId id="271" r:id="rId17"/>
@@ -29,7 +29,19 @@
     <p:sldId id="277" r:id="rId23"/>
     <p:sldId id="280" r:id="rId24"/>
     <p:sldId id="276" r:id="rId25"/>
-    <p:sldId id="272" r:id="rId26"/>
+    <p:sldId id="293" r:id="rId26"/>
+    <p:sldId id="272" r:id="rId27"/>
+    <p:sldId id="281" r:id="rId28"/>
+    <p:sldId id="286" r:id="rId29"/>
+    <p:sldId id="287" r:id="rId30"/>
+    <p:sldId id="283" r:id="rId31"/>
+    <p:sldId id="288" r:id="rId32"/>
+    <p:sldId id="285" r:id="rId33"/>
+    <p:sldId id="289" r:id="rId34"/>
+    <p:sldId id="284" r:id="rId35"/>
+    <p:sldId id="290" r:id="rId36"/>
+    <p:sldId id="294" r:id="rId37"/>
+    <p:sldId id="295" r:id="rId38"/>
   </p:sldIdLst>
   <p:sldSz cx="12192000" cy="6858000"/>
   <p:notesSz cx="6858000" cy="9144000"/>
@@ -4178,8 +4190,8 @@
               <a:buAutoNum type="arabicPeriod"/>
             </a:pPr>
             <a:r>
-              <a:rPr lang="en-GB" b="1" dirty="0"/>
-              <a:t>5k Data</a:t>
+              <a:rPr lang="en-GB" dirty="0"/>
+              <a:t>First Impressions</a:t>
             </a:r>
           </a:p>
           <a:p>
@@ -4188,8 +4200,16 @@
               <a:buAutoNum type="arabicPeriod"/>
             </a:pPr>
             <a:r>
+              <a:rPr lang="en-GB" b="1" dirty="0"/>
+              <a:t>5k</a:t>
+            </a:r>
+            <a:r>
               <a:rPr lang="en-GB" dirty="0"/>
-              <a:t>10k Data</a:t>
+              <a:t> </a:t>
+            </a:r>
+            <a:r>
+              <a:rPr lang="en-GB" b="1" dirty="0"/>
+              <a:t>Data</a:t>
             </a:r>
           </a:p>
           <a:p>
@@ -4199,7 +4219,7 @@
             </a:pPr>
             <a:r>
               <a:rPr lang="en-GB" dirty="0"/>
-              <a:t>Other</a:t>
+              <a:t>10k Data</a:t>
             </a:r>
           </a:p>
           <a:p>
@@ -4217,7 +4237,7 @@
     </p:spTree>
     <p:extLst>
       <p:ext uri="{BB962C8B-B14F-4D97-AF65-F5344CB8AC3E}">
-        <p14:creationId xmlns:p14="http://schemas.microsoft.com/office/powerpoint/2010/main" val="2594530493"/>
+        <p14:creationId xmlns:p14="http://schemas.microsoft.com/office/powerpoint/2010/main" val="4090216800"/>
       </p:ext>
     </p:extLst>
   </p:cSld>
@@ -6001,7 +6021,7 @@
               <a:buAutoNum type="arabicPeriod"/>
             </a:pPr>
             <a:r>
-              <a:rPr lang="en-GB" dirty="0"/>
+              <a:rPr lang="en-GB" b="1" dirty="0"/>
               <a:t>Introduction</a:t>
             </a:r>
           </a:p>
@@ -6033,16 +6053,6 @@
             <a:r>
               <a:rPr lang="en-GB" dirty="0"/>
               <a:t>10k Data</a:t>
-            </a:r>
-          </a:p>
-          <a:p>
-            <a:pPr marL="514350" indent="-514350">
-              <a:buFont typeface="+mj-lt"/>
-              <a:buAutoNum type="arabicPeriod"/>
-            </a:pPr>
-            <a:r>
-              <a:rPr lang="en-GB" dirty="0"/>
-              <a:t>Other</a:t>
             </a:r>
           </a:p>
           <a:p>
@@ -6835,7 +6845,7 @@
           <a:p>
             <a:r>
               <a:rPr lang="en-GB" dirty="0"/>
-              <a:t>The best fit line is hopelessly overfit to the natural variance In the dataset. </a:t>
+              <a:t>The best fit line for order 20 is hopelessly overfit to the natural variance In the dataset. </a:t>
             </a:r>
           </a:p>
         </p:txBody>
@@ -7083,7 +7093,7 @@
           <p:cNvPr id="2" name="Title 1">
             <a:extLst>
               <a:ext uri="{FF2B5EF4-FFF2-40B4-BE49-F238E27FC236}">
-                <a16:creationId xmlns:a16="http://schemas.microsoft.com/office/drawing/2014/main" id="{F2C74376-574F-47D1-9465-74EB6825B66E}"/>
+                <a16:creationId xmlns:a16="http://schemas.microsoft.com/office/drawing/2014/main" id="{74E9F826-5C6E-4474-BE7E-DEC7BF10A7D7}"/>
               </a:ext>
             </a:extLst>
           </p:cNvPr>
@@ -7101,7 +7111,7 @@
           <a:p>
             <a:r>
               <a:rPr lang="en-GB" dirty="0"/>
-              <a:t>10K data</a:t>
+              <a:t>Contents</a:t>
             </a:r>
           </a:p>
         </p:txBody>
@@ -7111,7 +7121,7 @@
           <p:cNvPr id="3" name="Content Placeholder 2">
             <a:extLst>
               <a:ext uri="{FF2B5EF4-FFF2-40B4-BE49-F238E27FC236}">
-                <a16:creationId xmlns:a16="http://schemas.microsoft.com/office/drawing/2014/main" id="{3FDEE798-092E-41DD-AD81-32CCD574C570}"/>
+                <a16:creationId xmlns:a16="http://schemas.microsoft.com/office/drawing/2014/main" id="{6507AB12-866C-4630-8EBA-A96761B739A0}"/>
               </a:ext>
             </a:extLst>
           </p:cNvPr>
@@ -7127,6 +7137,136 @@
           <a:bodyPr/>
           <a:lstStyle/>
           <a:p>
+            <a:pPr marL="514350" indent="-514350">
+              <a:buFont typeface="+mj-lt"/>
+              <a:buAutoNum type="arabicPeriod"/>
+            </a:pPr>
+            <a:r>
+              <a:rPr lang="en-GB" dirty="0"/>
+              <a:t>Introduction</a:t>
+            </a:r>
+          </a:p>
+          <a:p>
+            <a:pPr marL="514350" indent="-514350">
+              <a:buFont typeface="+mj-lt"/>
+              <a:buAutoNum type="arabicPeriod"/>
+            </a:pPr>
+            <a:r>
+              <a:rPr lang="en-GB" dirty="0"/>
+              <a:t>First Impressions</a:t>
+            </a:r>
+          </a:p>
+          <a:p>
+            <a:pPr marL="514350" indent="-514350">
+              <a:buFont typeface="+mj-lt"/>
+              <a:buAutoNum type="arabicPeriod"/>
+            </a:pPr>
+            <a:r>
+              <a:rPr lang="en-GB" dirty="0"/>
+              <a:t>5k Data</a:t>
+            </a:r>
+          </a:p>
+          <a:p>
+            <a:pPr marL="514350" indent="-514350">
+              <a:buFont typeface="+mj-lt"/>
+              <a:buAutoNum type="arabicPeriod"/>
+            </a:pPr>
+            <a:r>
+              <a:rPr lang="en-GB" b="1" dirty="0"/>
+              <a:t>10k Data</a:t>
+            </a:r>
+          </a:p>
+          <a:p>
+            <a:pPr marL="514350" indent="-514350">
+              <a:buFont typeface="+mj-lt"/>
+              <a:buAutoNum type="arabicPeriod"/>
+            </a:pPr>
+            <a:r>
+              <a:rPr lang="en-GB" dirty="0"/>
+              <a:t>Conclusion</a:t>
+            </a:r>
+          </a:p>
+        </p:txBody>
+      </p:sp>
+    </p:spTree>
+    <p:extLst>
+      <p:ext uri="{BB962C8B-B14F-4D97-AF65-F5344CB8AC3E}">
+        <p14:creationId xmlns:p14="http://schemas.microsoft.com/office/powerpoint/2010/main" val="2171188178"/>
+      </p:ext>
+    </p:extLst>
+  </p:cSld>
+  <p:clrMapOvr>
+    <a:masterClrMapping/>
+  </p:clrMapOvr>
+</p:sld>
+</file>
+
+<file path=ppt/slides/slide26.xml><?xml version="1.0" encoding="utf-8"?>
+<p:sld xmlns:a="http://schemas.openxmlformats.org/drawingml/2006/main" xmlns:r="http://schemas.openxmlformats.org/officeDocument/2006/relationships" xmlns:p="http://schemas.openxmlformats.org/presentationml/2006/main">
+  <p:cSld>
+    <p:spTree>
+      <p:nvGrpSpPr>
+        <p:cNvPr id="1" name=""/>
+        <p:cNvGrpSpPr/>
+        <p:nvPr/>
+      </p:nvGrpSpPr>
+      <p:grpSpPr>
+        <a:xfrm>
+          <a:off x="0" y="0"/>
+          <a:ext cx="0" cy="0"/>
+          <a:chOff x="0" y="0"/>
+          <a:chExt cx="0" cy="0"/>
+        </a:xfrm>
+      </p:grpSpPr>
+      <p:sp>
+        <p:nvSpPr>
+          <p:cNvPr id="2" name="Title 1">
+            <a:extLst>
+              <a:ext uri="{FF2B5EF4-FFF2-40B4-BE49-F238E27FC236}">
+                <a16:creationId xmlns:a16="http://schemas.microsoft.com/office/drawing/2014/main" id="{F2C74376-574F-47D1-9465-74EB6825B66E}"/>
+              </a:ext>
+            </a:extLst>
+          </p:cNvPr>
+          <p:cNvSpPr>
+            <a:spLocks noGrp="1"/>
+          </p:cNvSpPr>
+          <p:nvPr>
+            <p:ph type="title"/>
+          </p:nvPr>
+        </p:nvSpPr>
+        <p:spPr/>
+        <p:txBody>
+          <a:bodyPr/>
+          <a:lstStyle/>
+          <a:p>
+            <a:r>
+              <a:rPr lang="en-GB" dirty="0"/>
+              <a:t>10K data</a:t>
+            </a:r>
+          </a:p>
+        </p:txBody>
+      </p:sp>
+      <p:sp>
+        <p:nvSpPr>
+          <p:cNvPr id="3" name="Content Placeholder 2">
+            <a:extLst>
+              <a:ext uri="{FF2B5EF4-FFF2-40B4-BE49-F238E27FC236}">
+                <a16:creationId xmlns:a16="http://schemas.microsoft.com/office/drawing/2014/main" id="{3FDEE798-092E-41DD-AD81-32CCD574C570}"/>
+              </a:ext>
+            </a:extLst>
+          </p:cNvPr>
+          <p:cNvSpPr>
+            <a:spLocks noGrp="1"/>
+          </p:cNvSpPr>
+          <p:nvPr>
+            <p:ph idx="1"/>
+          </p:nvPr>
+        </p:nvSpPr>
+        <p:spPr/>
+        <p:txBody>
+          <a:bodyPr/>
+          <a:lstStyle/>
+          <a:p>
             <a:r>
               <a:rPr lang="en-GB" dirty="0"/>
               <a:t>From the 260 data points recorded, 15 were recorded between the distances of 9.9 and 10.1km. </a:t>
@@ -7141,7 +7281,13 @@
           <a:p>
             <a:r>
               <a:rPr lang="en-GB" dirty="0"/>
-              <a:t>Next slides show some further analysis into the 10k runs. </a:t>
+              <a:t>Next slides show some further analysis into the 10k runs.</a:t>
+            </a:r>
+          </a:p>
+          <a:p>
+            <a:r>
+              <a:rPr lang="en-GB" dirty="0"/>
+              <a:t>Note: The 10k dataset is much smaller and therefore harder to draw reliable trends and conclusions.  </a:t>
             </a:r>
           </a:p>
         </p:txBody>
@@ -7150,6 +7296,803 @@
     <p:extLst>
       <p:ext uri="{BB962C8B-B14F-4D97-AF65-F5344CB8AC3E}">
         <p14:creationId xmlns:p14="http://schemas.microsoft.com/office/powerpoint/2010/main" val="2778795109"/>
+      </p:ext>
+    </p:extLst>
+  </p:cSld>
+  <p:clrMapOvr>
+    <a:masterClrMapping/>
+  </p:clrMapOvr>
+</p:sld>
+</file>
+
+<file path=ppt/slides/slide27.xml><?xml version="1.0" encoding="utf-8"?>
+<p:sld xmlns:a="http://schemas.openxmlformats.org/drawingml/2006/main" xmlns:r="http://schemas.openxmlformats.org/officeDocument/2006/relationships" xmlns:p="http://schemas.openxmlformats.org/presentationml/2006/main">
+  <p:cSld>
+    <p:spTree>
+      <p:nvGrpSpPr>
+        <p:cNvPr id="1" name=""/>
+        <p:cNvGrpSpPr/>
+        <p:nvPr/>
+      </p:nvGrpSpPr>
+      <p:grpSpPr>
+        <a:xfrm>
+          <a:off x="0" y="0"/>
+          <a:ext cx="0" cy="0"/>
+          <a:chOff x="0" y="0"/>
+          <a:chExt cx="0" cy="0"/>
+        </a:xfrm>
+      </p:grpSpPr>
+      <p:pic>
+        <p:nvPicPr>
+          <p:cNvPr id="3" name="Picture 2" descr="A screenshot of a social media post&#10;&#10;Description automatically generated">
+            <a:extLst>
+              <a:ext uri="{FF2B5EF4-FFF2-40B4-BE49-F238E27FC236}">
+                <a16:creationId xmlns:a16="http://schemas.microsoft.com/office/drawing/2014/main" id="{6073A895-E19F-47B1-8047-AC970B9C7190}"/>
+              </a:ext>
+            </a:extLst>
+          </p:cNvPr>
+          <p:cNvPicPr>
+            <a:picLocks noChangeAspect="1"/>
+          </p:cNvPicPr>
+          <p:nvPr/>
+        </p:nvPicPr>
+        <p:blipFill>
+          <a:blip r:embed="rId2">
+            <a:extLst>
+              <a:ext uri="{28A0092B-C50C-407E-A947-70E740481C1C}">
+                <a14:useLocalDpi xmlns:a14="http://schemas.microsoft.com/office/drawing/2010/main" val="0"/>
+              </a:ext>
+            </a:extLst>
+          </a:blip>
+          <a:stretch>
+            <a:fillRect/>
+          </a:stretch>
+        </p:blipFill>
+        <p:spPr>
+          <a:xfrm>
+            <a:off x="1115736" y="54273"/>
+            <a:ext cx="9865453" cy="6815131"/>
+          </a:xfrm>
+          <a:prstGeom prst="rect">
+            <a:avLst/>
+          </a:prstGeom>
+        </p:spPr>
+      </p:pic>
+    </p:spTree>
+    <p:extLst>
+      <p:ext uri="{BB962C8B-B14F-4D97-AF65-F5344CB8AC3E}">
+        <p14:creationId xmlns:p14="http://schemas.microsoft.com/office/powerpoint/2010/main" val="3313220228"/>
+      </p:ext>
+    </p:extLst>
+  </p:cSld>
+  <p:clrMapOvr>
+    <a:masterClrMapping/>
+  </p:clrMapOvr>
+</p:sld>
+</file>
+
+<file path=ppt/slides/slide28.xml><?xml version="1.0" encoding="utf-8"?>
+<p:sld xmlns:a="http://schemas.openxmlformats.org/drawingml/2006/main" xmlns:r="http://schemas.openxmlformats.org/officeDocument/2006/relationships" xmlns:p="http://schemas.openxmlformats.org/presentationml/2006/main">
+  <p:cSld>
+    <p:spTree>
+      <p:nvGrpSpPr>
+        <p:cNvPr id="1" name=""/>
+        <p:cNvGrpSpPr/>
+        <p:nvPr/>
+      </p:nvGrpSpPr>
+      <p:grpSpPr>
+        <a:xfrm>
+          <a:off x="0" y="0"/>
+          <a:ext cx="0" cy="0"/>
+          <a:chOff x="0" y="0"/>
+          <a:chExt cx="0" cy="0"/>
+        </a:xfrm>
+      </p:grpSpPr>
+      <p:pic>
+        <p:nvPicPr>
+          <p:cNvPr id="3" name="Picture 2" descr="A screenshot of a social media post&#10;&#10;Description automatically generated">
+            <a:extLst>
+              <a:ext uri="{FF2B5EF4-FFF2-40B4-BE49-F238E27FC236}">
+                <a16:creationId xmlns:a16="http://schemas.microsoft.com/office/drawing/2014/main" id="{6073A895-E19F-47B1-8047-AC970B9C7190}"/>
+              </a:ext>
+            </a:extLst>
+          </p:cNvPr>
+          <p:cNvPicPr>
+            <a:picLocks noChangeAspect="1"/>
+          </p:cNvPicPr>
+          <p:nvPr/>
+        </p:nvPicPr>
+        <p:blipFill>
+          <a:blip r:embed="rId2">
+            <a:extLst>
+              <a:ext uri="{28A0092B-C50C-407E-A947-70E740481C1C}">
+                <a14:useLocalDpi xmlns:a14="http://schemas.microsoft.com/office/drawing/2010/main" val="0"/>
+              </a:ext>
+            </a:extLst>
+          </a:blip>
+          <a:stretch>
+            <a:fillRect/>
+          </a:stretch>
+        </p:blipFill>
+        <p:spPr>
+          <a:xfrm>
+            <a:off x="1115736" y="54273"/>
+            <a:ext cx="9865453" cy="6815131"/>
+          </a:xfrm>
+          <a:prstGeom prst="rect">
+            <a:avLst/>
+          </a:prstGeom>
+        </p:spPr>
+      </p:pic>
+      <p:sp>
+        <p:nvSpPr>
+          <p:cNvPr id="2" name="TextBox 1">
+            <a:extLst>
+              <a:ext uri="{FF2B5EF4-FFF2-40B4-BE49-F238E27FC236}">
+                <a16:creationId xmlns:a16="http://schemas.microsoft.com/office/drawing/2014/main" id="{FE44AB4D-CBE2-43C5-8E90-314CC49354C8}"/>
+              </a:ext>
+            </a:extLst>
+          </p:cNvPr>
+          <p:cNvSpPr txBox="1"/>
+          <p:nvPr/>
+        </p:nvSpPr>
+        <p:spPr>
+          <a:xfrm>
+            <a:off x="2910980" y="4496499"/>
+            <a:ext cx="2424418" cy="369332"/>
+          </a:xfrm>
+          <a:prstGeom prst="rect">
+            <a:avLst/>
+          </a:prstGeom>
+          <a:solidFill>
+            <a:schemeClr val="bg1"/>
+          </a:solidFill>
+        </p:spPr>
+        <p:txBody>
+          <a:bodyPr wrap="square" rtlCol="0">
+            <a:spAutoFit/>
+          </a:bodyPr>
+          <a:lstStyle/>
+          <a:p>
+            <a:r>
+              <a:rPr lang="en-GB" dirty="0"/>
+              <a:t>Strong negative trend! </a:t>
+            </a:r>
+          </a:p>
+        </p:txBody>
+      </p:sp>
+      <p:sp>
+        <p:nvSpPr>
+          <p:cNvPr id="4" name="TextBox 3">
+            <a:extLst>
+              <a:ext uri="{FF2B5EF4-FFF2-40B4-BE49-F238E27FC236}">
+                <a16:creationId xmlns:a16="http://schemas.microsoft.com/office/drawing/2014/main" id="{AB57767B-F843-44AC-8DE4-DAF1A829F3B8}"/>
+              </a:ext>
+            </a:extLst>
+          </p:cNvPr>
+          <p:cNvSpPr txBox="1"/>
+          <p:nvPr/>
+        </p:nvSpPr>
+        <p:spPr>
+          <a:xfrm>
+            <a:off x="6372836" y="513126"/>
+            <a:ext cx="2424418" cy="1754326"/>
+          </a:xfrm>
+          <a:prstGeom prst="rect">
+            <a:avLst/>
+          </a:prstGeom>
+          <a:solidFill>
+            <a:schemeClr val="bg1"/>
+          </a:solidFill>
+        </p:spPr>
+        <p:txBody>
+          <a:bodyPr wrap="square" rtlCol="0">
+            <a:spAutoFit/>
+          </a:bodyPr>
+          <a:lstStyle/>
+          <a:p>
+            <a:r>
+              <a:rPr lang="en-GB" dirty="0"/>
+              <a:t>There was a data point (from Woodley) here but none of the other features were recorded so it has been thrown away. </a:t>
+            </a:r>
+          </a:p>
+        </p:txBody>
+      </p:sp>
+      <p:cxnSp>
+        <p:nvCxnSpPr>
+          <p:cNvPr id="6" name="Straight Arrow Connector 5">
+            <a:extLst>
+              <a:ext uri="{FF2B5EF4-FFF2-40B4-BE49-F238E27FC236}">
+                <a16:creationId xmlns:a16="http://schemas.microsoft.com/office/drawing/2014/main" id="{9D5E2C07-DBC1-407E-9B41-B3FA9433A1C1}"/>
+              </a:ext>
+            </a:extLst>
+          </p:cNvPr>
+          <p:cNvCxnSpPr>
+            <a:stCxn id="4" idx="1"/>
+          </p:cNvCxnSpPr>
+          <p:nvPr/>
+        </p:nvCxnSpPr>
+        <p:spPr>
+          <a:xfrm flipH="1" flipV="1">
+            <a:off x="4311942" y="1090572"/>
+            <a:ext cx="2060894" cy="299717"/>
+          </a:xfrm>
+          <a:prstGeom prst="straightConnector1">
+            <a:avLst/>
+          </a:prstGeom>
+          <a:ln>
+            <a:tailEnd type="triangle"/>
+          </a:ln>
+        </p:spPr>
+        <p:style>
+          <a:lnRef idx="1">
+            <a:schemeClr val="accent1"/>
+          </a:lnRef>
+          <a:fillRef idx="0">
+            <a:schemeClr val="accent1"/>
+          </a:fillRef>
+          <a:effectRef idx="0">
+            <a:schemeClr val="accent1"/>
+          </a:effectRef>
+          <a:fontRef idx="minor">
+            <a:schemeClr val="tx1"/>
+          </a:fontRef>
+        </p:style>
+      </p:cxnSp>
+    </p:spTree>
+    <p:extLst>
+      <p:ext uri="{BB962C8B-B14F-4D97-AF65-F5344CB8AC3E}">
+        <p14:creationId xmlns:p14="http://schemas.microsoft.com/office/powerpoint/2010/main" val="4175844969"/>
+      </p:ext>
+    </p:extLst>
+  </p:cSld>
+  <p:clrMapOvr>
+    <a:masterClrMapping/>
+  </p:clrMapOvr>
+</p:sld>
+</file>
+
+<file path=ppt/slides/slide29.xml><?xml version="1.0" encoding="utf-8"?>
+<p:sld xmlns:a="http://schemas.openxmlformats.org/drawingml/2006/main" xmlns:r="http://schemas.openxmlformats.org/officeDocument/2006/relationships" xmlns:p="http://schemas.openxmlformats.org/presentationml/2006/main">
+  <p:cSld>
+    <p:spTree>
+      <p:nvGrpSpPr>
+        <p:cNvPr id="1" name=""/>
+        <p:cNvGrpSpPr/>
+        <p:nvPr/>
+      </p:nvGrpSpPr>
+      <p:grpSpPr>
+        <a:xfrm>
+          <a:off x="0" y="0"/>
+          <a:ext cx="0" cy="0"/>
+          <a:chOff x="0" y="0"/>
+          <a:chExt cx="0" cy="0"/>
+        </a:xfrm>
+      </p:grpSpPr>
+      <p:sp>
+        <p:nvSpPr>
+          <p:cNvPr id="2" name="Title 1">
+            <a:extLst>
+              <a:ext uri="{FF2B5EF4-FFF2-40B4-BE49-F238E27FC236}">
+                <a16:creationId xmlns:a16="http://schemas.microsoft.com/office/drawing/2014/main" id="{6065471C-B202-46C2-899B-28B20C87774A}"/>
+              </a:ext>
+            </a:extLst>
+          </p:cNvPr>
+          <p:cNvSpPr>
+            <a:spLocks noGrp="1"/>
+          </p:cNvSpPr>
+          <p:nvPr>
+            <p:ph type="title"/>
+          </p:nvPr>
+        </p:nvSpPr>
+        <p:spPr/>
+        <p:txBody>
+          <a:bodyPr/>
+          <a:lstStyle/>
+          <a:p>
+            <a:r>
+              <a:rPr lang="en-GB" dirty="0"/>
+              <a:t>So how do other features relate to Time? </a:t>
+            </a:r>
+          </a:p>
+        </p:txBody>
+      </p:sp>
+      <p:sp>
+        <p:nvSpPr>
+          <p:cNvPr id="3" name="Content Placeholder 2">
+            <a:extLst>
+              <a:ext uri="{FF2B5EF4-FFF2-40B4-BE49-F238E27FC236}">
+                <a16:creationId xmlns:a16="http://schemas.microsoft.com/office/drawing/2014/main" id="{01393760-D529-4A02-ACB7-E651183798A3}"/>
+              </a:ext>
+            </a:extLst>
+          </p:cNvPr>
+          <p:cNvSpPr>
+            <a:spLocks noGrp="1"/>
+          </p:cNvSpPr>
+          <p:nvPr>
+            <p:ph idx="1"/>
+          </p:nvPr>
+        </p:nvSpPr>
+        <p:spPr>
+          <a:xfrm>
+            <a:off x="838200" y="1825625"/>
+            <a:ext cx="5257800" cy="4351338"/>
+          </a:xfrm>
+        </p:spPr>
+        <p:txBody>
+          <a:bodyPr>
+            <a:normAutofit/>
+          </a:bodyPr>
+          <a:lstStyle/>
+          <a:p>
+            <a:r>
+              <a:rPr lang="en-GB" sz="2400" dirty="0"/>
+              <a:t>Same exercise as 5k runs, we are looking at how the other features correlate with time taken to run 10k?</a:t>
+            </a:r>
+          </a:p>
+          <a:p>
+            <a:endParaRPr lang="en-GB" sz="2400" dirty="0"/>
+          </a:p>
+          <a:p>
+            <a:r>
+              <a:rPr lang="en-GB" sz="2400" dirty="0"/>
+              <a:t>Generally stronger correlations found in this dataset, but this is most likely due to significantly less datapoints.</a:t>
+            </a:r>
+          </a:p>
+          <a:p>
+            <a:endParaRPr lang="en-GB" sz="2400" dirty="0"/>
+          </a:p>
+          <a:p>
+            <a:r>
+              <a:rPr lang="en-GB" sz="2400" dirty="0"/>
+              <a:t>I am very dubious of these R values for this dataset.   </a:t>
+            </a:r>
+          </a:p>
+          <a:p>
+            <a:endParaRPr lang="en-GB" sz="2400" dirty="0"/>
+          </a:p>
+        </p:txBody>
+      </p:sp>
+      <p:sp>
+        <p:nvSpPr>
+          <p:cNvPr id="5" name="TextBox 4">
+            <a:extLst>
+              <a:ext uri="{FF2B5EF4-FFF2-40B4-BE49-F238E27FC236}">
+                <a16:creationId xmlns:a16="http://schemas.microsoft.com/office/drawing/2014/main" id="{6E06E83A-6FE3-4DD5-B263-37C6BB5B2385}"/>
+              </a:ext>
+            </a:extLst>
+          </p:cNvPr>
+          <p:cNvSpPr txBox="1"/>
+          <p:nvPr/>
+        </p:nvSpPr>
+        <p:spPr>
+          <a:xfrm>
+            <a:off x="7217568" y="1527323"/>
+            <a:ext cx="1459707" cy="461665"/>
+          </a:xfrm>
+          <a:prstGeom prst="rect">
+            <a:avLst/>
+          </a:prstGeom>
+          <a:noFill/>
+        </p:spPr>
+        <p:txBody>
+          <a:bodyPr wrap="square" rtlCol="0">
+            <a:spAutoFit/>
+          </a:bodyPr>
+          <a:lstStyle/>
+          <a:p>
+            <a:r>
+              <a:rPr lang="en-GB" sz="2400" dirty="0"/>
+              <a:t>Features</a:t>
+            </a:r>
+          </a:p>
+        </p:txBody>
+      </p:sp>
+      <p:sp>
+        <p:nvSpPr>
+          <p:cNvPr id="6" name="TextBox 5">
+            <a:extLst>
+              <a:ext uri="{FF2B5EF4-FFF2-40B4-BE49-F238E27FC236}">
+                <a16:creationId xmlns:a16="http://schemas.microsoft.com/office/drawing/2014/main" id="{8B278B0E-5137-4874-BC3F-6E5780C8CEF3}"/>
+              </a:ext>
+            </a:extLst>
+          </p:cNvPr>
+          <p:cNvSpPr txBox="1"/>
+          <p:nvPr/>
+        </p:nvSpPr>
+        <p:spPr>
+          <a:xfrm>
+            <a:off x="9711331" y="1527324"/>
+            <a:ext cx="1232298" cy="461665"/>
+          </a:xfrm>
+          <a:prstGeom prst="rect">
+            <a:avLst/>
+          </a:prstGeom>
+          <a:noFill/>
+        </p:spPr>
+        <p:txBody>
+          <a:bodyPr wrap="square" rtlCol="0">
+            <a:spAutoFit/>
+          </a:bodyPr>
+          <a:lstStyle/>
+          <a:p>
+            <a:r>
+              <a:rPr lang="en-GB" sz="2400" dirty="0"/>
+              <a:t>R Value</a:t>
+            </a:r>
+          </a:p>
+        </p:txBody>
+      </p:sp>
+      <p:cxnSp>
+        <p:nvCxnSpPr>
+          <p:cNvPr id="8" name="Straight Arrow Connector 7">
+            <a:extLst>
+              <a:ext uri="{FF2B5EF4-FFF2-40B4-BE49-F238E27FC236}">
+                <a16:creationId xmlns:a16="http://schemas.microsoft.com/office/drawing/2014/main" id="{A7CD9B6E-A423-4FE6-99F6-DF3E2C2F0BF4}"/>
+              </a:ext>
+            </a:extLst>
+          </p:cNvPr>
+          <p:cNvCxnSpPr/>
+          <p:nvPr/>
+        </p:nvCxnSpPr>
+        <p:spPr>
+          <a:xfrm flipH="1">
+            <a:off x="10943629" y="2768367"/>
+            <a:ext cx="587229" cy="0"/>
+          </a:xfrm>
+          <a:prstGeom prst="straightConnector1">
+            <a:avLst/>
+          </a:prstGeom>
+          <a:ln w="38100">
+            <a:solidFill>
+              <a:srgbClr val="FF0000"/>
+            </a:solidFill>
+            <a:tailEnd type="triangle"/>
+          </a:ln>
+        </p:spPr>
+        <p:style>
+          <a:lnRef idx="1">
+            <a:schemeClr val="accent1"/>
+          </a:lnRef>
+          <a:fillRef idx="0">
+            <a:schemeClr val="accent1"/>
+          </a:fillRef>
+          <a:effectRef idx="0">
+            <a:schemeClr val="accent1"/>
+          </a:effectRef>
+          <a:fontRef idx="minor">
+            <a:schemeClr val="tx1"/>
+          </a:fontRef>
+        </p:style>
+      </p:cxnSp>
+      <p:cxnSp>
+        <p:nvCxnSpPr>
+          <p:cNvPr id="9" name="Straight Arrow Connector 8">
+            <a:extLst>
+              <a:ext uri="{FF2B5EF4-FFF2-40B4-BE49-F238E27FC236}">
+                <a16:creationId xmlns:a16="http://schemas.microsoft.com/office/drawing/2014/main" id="{D552E57B-D36D-4097-8AC9-26172F479A7D}"/>
+              </a:ext>
+            </a:extLst>
+          </p:cNvPr>
+          <p:cNvCxnSpPr/>
+          <p:nvPr/>
+        </p:nvCxnSpPr>
+        <p:spPr>
+          <a:xfrm flipH="1">
+            <a:off x="10956817" y="4001294"/>
+            <a:ext cx="587229" cy="0"/>
+          </a:xfrm>
+          <a:prstGeom prst="straightConnector1">
+            <a:avLst/>
+          </a:prstGeom>
+          <a:ln w="38100">
+            <a:solidFill>
+              <a:srgbClr val="FF0000"/>
+            </a:solidFill>
+            <a:tailEnd type="triangle"/>
+          </a:ln>
+        </p:spPr>
+        <p:style>
+          <a:lnRef idx="1">
+            <a:schemeClr val="accent1"/>
+          </a:lnRef>
+          <a:fillRef idx="0">
+            <a:schemeClr val="accent1"/>
+          </a:fillRef>
+          <a:effectRef idx="0">
+            <a:schemeClr val="accent1"/>
+          </a:effectRef>
+          <a:fontRef idx="minor">
+            <a:schemeClr val="tx1"/>
+          </a:fontRef>
+        </p:style>
+      </p:cxnSp>
+      <p:cxnSp>
+        <p:nvCxnSpPr>
+          <p:cNvPr id="10" name="Straight Arrow Connector 9">
+            <a:extLst>
+              <a:ext uri="{FF2B5EF4-FFF2-40B4-BE49-F238E27FC236}">
+                <a16:creationId xmlns:a16="http://schemas.microsoft.com/office/drawing/2014/main" id="{75594942-E1FB-48ED-B81E-F11177FDBF95}"/>
+              </a:ext>
+            </a:extLst>
+          </p:cNvPr>
+          <p:cNvCxnSpPr/>
+          <p:nvPr/>
+        </p:nvCxnSpPr>
+        <p:spPr>
+          <a:xfrm flipH="1">
+            <a:off x="10943629" y="3389852"/>
+            <a:ext cx="587229" cy="0"/>
+          </a:xfrm>
+          <a:prstGeom prst="straightConnector1">
+            <a:avLst/>
+          </a:prstGeom>
+          <a:ln w="38100">
+            <a:solidFill>
+              <a:srgbClr val="FF0000"/>
+            </a:solidFill>
+            <a:tailEnd type="triangle"/>
+          </a:ln>
+        </p:spPr>
+        <p:style>
+          <a:lnRef idx="1">
+            <a:schemeClr val="accent1"/>
+          </a:lnRef>
+          <a:fillRef idx="0">
+            <a:schemeClr val="accent1"/>
+          </a:fillRef>
+          <a:effectRef idx="0">
+            <a:schemeClr val="accent1"/>
+          </a:effectRef>
+          <a:fontRef idx="minor">
+            <a:schemeClr val="tx1"/>
+          </a:fontRef>
+        </p:style>
+      </p:cxnSp>
+      <p:cxnSp>
+        <p:nvCxnSpPr>
+          <p:cNvPr id="11" name="Straight Arrow Connector 10">
+            <a:extLst>
+              <a:ext uri="{FF2B5EF4-FFF2-40B4-BE49-F238E27FC236}">
+                <a16:creationId xmlns:a16="http://schemas.microsoft.com/office/drawing/2014/main" id="{8326F180-55F7-4C11-87F1-BB5C2BD546F8}"/>
+              </a:ext>
+            </a:extLst>
+          </p:cNvPr>
+          <p:cNvCxnSpPr/>
+          <p:nvPr/>
+        </p:nvCxnSpPr>
+        <p:spPr>
+          <a:xfrm flipH="1">
+            <a:off x="10943629" y="3701643"/>
+            <a:ext cx="587229" cy="0"/>
+          </a:xfrm>
+          <a:prstGeom prst="straightConnector1">
+            <a:avLst/>
+          </a:prstGeom>
+          <a:ln w="38100">
+            <a:solidFill>
+              <a:srgbClr val="FF0000"/>
+            </a:solidFill>
+            <a:tailEnd type="triangle"/>
+          </a:ln>
+        </p:spPr>
+        <p:style>
+          <a:lnRef idx="1">
+            <a:schemeClr val="accent1"/>
+          </a:lnRef>
+          <a:fillRef idx="0">
+            <a:schemeClr val="accent1"/>
+          </a:fillRef>
+          <a:effectRef idx="0">
+            <a:schemeClr val="accent1"/>
+          </a:effectRef>
+          <a:fontRef idx="minor">
+            <a:schemeClr val="tx1"/>
+          </a:fontRef>
+        </p:style>
+      </p:cxnSp>
+      <p:cxnSp>
+        <p:nvCxnSpPr>
+          <p:cNvPr id="12" name="Straight Arrow Connector 11">
+            <a:extLst>
+              <a:ext uri="{FF2B5EF4-FFF2-40B4-BE49-F238E27FC236}">
+                <a16:creationId xmlns:a16="http://schemas.microsoft.com/office/drawing/2014/main" id="{EB0A1A9E-C5C1-4D91-AAAE-7BC0C963C3D2}"/>
+              </a:ext>
+            </a:extLst>
+          </p:cNvPr>
+          <p:cNvCxnSpPr/>
+          <p:nvPr/>
+        </p:nvCxnSpPr>
+        <p:spPr>
+          <a:xfrm flipH="1">
+            <a:off x="10958612" y="4322122"/>
+            <a:ext cx="587229" cy="0"/>
+          </a:xfrm>
+          <a:prstGeom prst="straightConnector1">
+            <a:avLst/>
+          </a:prstGeom>
+          <a:ln w="38100">
+            <a:solidFill>
+              <a:srgbClr val="FF0000"/>
+            </a:solidFill>
+            <a:tailEnd type="triangle"/>
+          </a:ln>
+        </p:spPr>
+        <p:style>
+          <a:lnRef idx="1">
+            <a:schemeClr val="accent1"/>
+          </a:lnRef>
+          <a:fillRef idx="0">
+            <a:schemeClr val="accent1"/>
+          </a:fillRef>
+          <a:effectRef idx="0">
+            <a:schemeClr val="accent1"/>
+          </a:effectRef>
+          <a:fontRef idx="minor">
+            <a:schemeClr val="tx1"/>
+          </a:fontRef>
+        </p:style>
+      </p:cxnSp>
+      <p:cxnSp>
+        <p:nvCxnSpPr>
+          <p:cNvPr id="13" name="Straight Arrow Connector 12">
+            <a:extLst>
+              <a:ext uri="{FF2B5EF4-FFF2-40B4-BE49-F238E27FC236}">
+                <a16:creationId xmlns:a16="http://schemas.microsoft.com/office/drawing/2014/main" id="{F941016F-B166-4519-82CB-28CB27E4861A}"/>
+              </a:ext>
+            </a:extLst>
+          </p:cNvPr>
+          <p:cNvCxnSpPr/>
+          <p:nvPr/>
+        </p:nvCxnSpPr>
+        <p:spPr>
+          <a:xfrm flipH="1">
+            <a:off x="10943629" y="5256403"/>
+            <a:ext cx="587229" cy="0"/>
+          </a:xfrm>
+          <a:prstGeom prst="straightConnector1">
+            <a:avLst/>
+          </a:prstGeom>
+          <a:ln w="38100">
+            <a:solidFill>
+              <a:srgbClr val="FF0000"/>
+            </a:solidFill>
+            <a:tailEnd type="triangle"/>
+          </a:ln>
+        </p:spPr>
+        <p:style>
+          <a:lnRef idx="1">
+            <a:schemeClr val="accent1"/>
+          </a:lnRef>
+          <a:fillRef idx="0">
+            <a:schemeClr val="accent1"/>
+          </a:fillRef>
+          <a:effectRef idx="0">
+            <a:schemeClr val="accent1"/>
+          </a:effectRef>
+          <a:fontRef idx="minor">
+            <a:schemeClr val="tx1"/>
+          </a:fontRef>
+        </p:style>
+      </p:cxnSp>
+      <p:cxnSp>
+        <p:nvCxnSpPr>
+          <p:cNvPr id="14" name="Straight Arrow Connector 13">
+            <a:extLst>
+              <a:ext uri="{FF2B5EF4-FFF2-40B4-BE49-F238E27FC236}">
+                <a16:creationId xmlns:a16="http://schemas.microsoft.com/office/drawing/2014/main" id="{A118D8B8-3069-4AFA-85C5-2A44057F7F41}"/>
+              </a:ext>
+            </a:extLst>
+          </p:cNvPr>
+          <p:cNvCxnSpPr/>
+          <p:nvPr/>
+        </p:nvCxnSpPr>
+        <p:spPr>
+          <a:xfrm flipH="1">
+            <a:off x="10943629" y="5861809"/>
+            <a:ext cx="587229" cy="0"/>
+          </a:xfrm>
+          <a:prstGeom prst="straightConnector1">
+            <a:avLst/>
+          </a:prstGeom>
+          <a:ln w="38100">
+            <a:solidFill>
+              <a:srgbClr val="FF0000"/>
+            </a:solidFill>
+            <a:tailEnd type="triangle"/>
+          </a:ln>
+        </p:spPr>
+        <p:style>
+          <a:lnRef idx="1">
+            <a:schemeClr val="accent1"/>
+          </a:lnRef>
+          <a:fillRef idx="0">
+            <a:schemeClr val="accent1"/>
+          </a:fillRef>
+          <a:effectRef idx="0">
+            <a:schemeClr val="accent1"/>
+          </a:effectRef>
+          <a:fontRef idx="minor">
+            <a:schemeClr val="tx1"/>
+          </a:fontRef>
+        </p:style>
+      </p:cxnSp>
+      <p:cxnSp>
+        <p:nvCxnSpPr>
+          <p:cNvPr id="15" name="Straight Arrow Connector 14">
+            <a:extLst>
+              <a:ext uri="{FF2B5EF4-FFF2-40B4-BE49-F238E27FC236}">
+                <a16:creationId xmlns:a16="http://schemas.microsoft.com/office/drawing/2014/main" id="{28A0AE86-BADA-4D39-AA70-C6F792611306}"/>
+              </a:ext>
+            </a:extLst>
+          </p:cNvPr>
+          <p:cNvCxnSpPr/>
+          <p:nvPr/>
+        </p:nvCxnSpPr>
+        <p:spPr>
+          <a:xfrm flipH="1">
+            <a:off x="10943629" y="6176963"/>
+            <a:ext cx="587229" cy="0"/>
+          </a:xfrm>
+          <a:prstGeom prst="straightConnector1">
+            <a:avLst/>
+          </a:prstGeom>
+          <a:ln w="38100">
+            <a:solidFill>
+              <a:srgbClr val="FF0000"/>
+            </a:solidFill>
+            <a:tailEnd type="triangle"/>
+          </a:ln>
+        </p:spPr>
+        <p:style>
+          <a:lnRef idx="1">
+            <a:schemeClr val="accent1"/>
+          </a:lnRef>
+          <a:fillRef idx="0">
+            <a:schemeClr val="accent1"/>
+          </a:fillRef>
+          <a:effectRef idx="0">
+            <a:schemeClr val="accent1"/>
+          </a:effectRef>
+          <a:fontRef idx="minor">
+            <a:schemeClr val="tx1"/>
+          </a:fontRef>
+        </p:style>
+      </p:cxnSp>
+      <p:pic>
+        <p:nvPicPr>
+          <p:cNvPr id="4" name="Picture 3">
+            <a:extLst>
+              <a:ext uri="{FF2B5EF4-FFF2-40B4-BE49-F238E27FC236}">
+                <a16:creationId xmlns:a16="http://schemas.microsoft.com/office/drawing/2014/main" id="{17BCF938-B897-4D78-A907-9BEA870F0E68}"/>
+              </a:ext>
+            </a:extLst>
+          </p:cNvPr>
+          <p:cNvPicPr>
+            <a:picLocks noChangeAspect="1"/>
+          </p:cNvPicPr>
+          <p:nvPr/>
+        </p:nvPicPr>
+        <p:blipFill>
+          <a:blip r:embed="rId2"/>
+          <a:stretch>
+            <a:fillRect/>
+          </a:stretch>
+        </p:blipFill>
+        <p:spPr>
+          <a:xfrm>
+            <a:off x="6748456" y="1947905"/>
+            <a:ext cx="4222550" cy="4748435"/>
+          </a:xfrm>
+          <a:prstGeom prst="rect">
+            <a:avLst/>
+          </a:prstGeom>
+        </p:spPr>
+      </p:pic>
+    </p:spTree>
+    <p:extLst>
+      <p:ext uri="{BB962C8B-B14F-4D97-AF65-F5344CB8AC3E}">
+        <p14:creationId xmlns:p14="http://schemas.microsoft.com/office/powerpoint/2010/main" val="379710401"/>
       </p:ext>
     </p:extLst>
   </p:cSld>
@@ -7181,7 +8124,7 @@
           <p:cNvPr id="2" name="Title 1">
             <a:extLst>
               <a:ext uri="{FF2B5EF4-FFF2-40B4-BE49-F238E27FC236}">
-                <a16:creationId xmlns:a16="http://schemas.microsoft.com/office/drawing/2014/main" id="{74E9F826-5C6E-4474-BE7E-DEC7BF10A7D7}"/>
+                <a16:creationId xmlns:a16="http://schemas.microsoft.com/office/drawing/2014/main" id="{854C52A5-9E9A-44D7-B12E-0FD122D8A7A3}"/>
               </a:ext>
             </a:extLst>
           </p:cNvPr>
@@ -7199,7 +8142,7 @@
           <a:p>
             <a:r>
               <a:rPr lang="en-GB" dirty="0"/>
-              <a:t>Contents</a:t>
+              <a:t>Introduction</a:t>
             </a:r>
           </a:p>
         </p:txBody>
@@ -7209,7 +8152,7 @@
           <p:cNvPr id="3" name="Content Placeholder 2">
             <a:extLst>
               <a:ext uri="{FF2B5EF4-FFF2-40B4-BE49-F238E27FC236}">
-                <a16:creationId xmlns:a16="http://schemas.microsoft.com/office/drawing/2014/main" id="{6507AB12-866C-4630-8EBA-A96761B739A0}"/>
+                <a16:creationId xmlns:a16="http://schemas.microsoft.com/office/drawing/2014/main" id="{5485ED19-43AA-4F1C-B23F-3D5812474831}"/>
               </a:ext>
             </a:extLst>
           </p:cNvPr>
@@ -7225,53 +8168,41 @@
           <a:bodyPr/>
           <a:lstStyle/>
           <a:p>
-            <a:pPr marL="514350" indent="-514350">
+            <a:r>
+              <a:rPr lang="en-GB" dirty="0"/>
+              <a:t>This presentation analyses a small running dataset where the data was collected on a fitness watch. The two main aims of this project are: </a:t>
+            </a:r>
+          </a:p>
+          <a:p>
+            <a:pPr marL="914400" lvl="1" indent="-457200">
               <a:buFont typeface="+mj-lt"/>
               <a:buAutoNum type="arabicPeriod"/>
             </a:pPr>
             <a:r>
-              <a:rPr lang="en-GB" b="1" dirty="0"/>
-              <a:t>Introduction</a:t>
-            </a:r>
-          </a:p>
-          <a:p>
-            <a:pPr marL="514350" indent="-514350">
+              <a:rPr lang="en-GB" dirty="0"/>
+              <a:t>Practice of data handling on real, messy data</a:t>
+            </a:r>
+          </a:p>
+          <a:p>
+            <a:pPr marL="914400" lvl="1" indent="-457200">
               <a:buFont typeface="+mj-lt"/>
               <a:buAutoNum type="arabicPeriod"/>
             </a:pPr>
             <a:r>
               <a:rPr lang="en-GB" dirty="0"/>
-              <a:t>5k Data</a:t>
-            </a:r>
-          </a:p>
-          <a:p>
-            <a:pPr marL="514350" indent="-514350">
-              <a:buFont typeface="+mj-lt"/>
-              <a:buAutoNum type="arabicPeriod"/>
-            </a:pPr>
+              <a:t>Assess whether this dataset is suitable for a machine learning project</a:t>
+            </a:r>
+          </a:p>
+          <a:p>
             <a:r>
               <a:rPr lang="en-GB" dirty="0"/>
-              <a:t>10k Data</a:t>
-            </a:r>
-          </a:p>
-          <a:p>
-            <a:pPr marL="514350" indent="-514350">
-              <a:buFont typeface="+mj-lt"/>
-              <a:buAutoNum type="arabicPeriod"/>
-            </a:pPr>
+              <a:t>Multiple plots are shown to broadly summarise the data before assessing specific relationships multiple features and the time taken to complete a run. </a:t>
+            </a:r>
+          </a:p>
+          <a:p>
             <a:r>
               <a:rPr lang="en-GB" dirty="0"/>
-              <a:t>Other</a:t>
-            </a:r>
-          </a:p>
-          <a:p>
-            <a:pPr marL="514350" indent="-514350">
-              <a:buFont typeface="+mj-lt"/>
-              <a:buAutoNum type="arabicPeriod"/>
-            </a:pPr>
-            <a:r>
-              <a:rPr lang="en-GB" dirty="0"/>
-              <a:t>Conclusion</a:t>
+              <a:t>This has been done for practice/general fun. </a:t>
             </a:r>
           </a:p>
         </p:txBody>
@@ -7279,7 +8210,1390 @@
     </p:spTree>
     <p:extLst>
       <p:ext uri="{BB962C8B-B14F-4D97-AF65-F5344CB8AC3E}">
-        <p14:creationId xmlns:p14="http://schemas.microsoft.com/office/powerpoint/2010/main" val="1490033011"/>
+        <p14:creationId xmlns:p14="http://schemas.microsoft.com/office/powerpoint/2010/main" val="1513206591"/>
+      </p:ext>
+    </p:extLst>
+  </p:cSld>
+  <p:clrMapOvr>
+    <a:masterClrMapping/>
+  </p:clrMapOvr>
+</p:sld>
+</file>
+
+<file path=ppt/slides/slide30.xml><?xml version="1.0" encoding="utf-8"?>
+<p:sld xmlns:a="http://schemas.openxmlformats.org/drawingml/2006/main" xmlns:r="http://schemas.openxmlformats.org/officeDocument/2006/relationships" xmlns:p="http://schemas.openxmlformats.org/presentationml/2006/main">
+  <p:cSld>
+    <p:spTree>
+      <p:nvGrpSpPr>
+        <p:cNvPr id="1" name=""/>
+        <p:cNvGrpSpPr/>
+        <p:nvPr/>
+      </p:nvGrpSpPr>
+      <p:grpSpPr>
+        <a:xfrm>
+          <a:off x="0" y="0"/>
+          <a:ext cx="0" cy="0"/>
+          <a:chOff x="0" y="0"/>
+          <a:chExt cx="0" cy="0"/>
+        </a:xfrm>
+      </p:grpSpPr>
+      <p:pic>
+        <p:nvPicPr>
+          <p:cNvPr id="3" name="Picture 2" descr="A screenshot of a cell phone&#10;&#10;Description automatically generated">
+            <a:extLst>
+              <a:ext uri="{FF2B5EF4-FFF2-40B4-BE49-F238E27FC236}">
+                <a16:creationId xmlns:a16="http://schemas.microsoft.com/office/drawing/2014/main" id="{4415F31B-F0F6-4338-9F20-C6B878C4869D}"/>
+              </a:ext>
+            </a:extLst>
+          </p:cNvPr>
+          <p:cNvPicPr>
+            <a:picLocks noChangeAspect="1"/>
+          </p:cNvPicPr>
+          <p:nvPr/>
+        </p:nvPicPr>
+        <p:blipFill>
+          <a:blip r:embed="rId2">
+            <a:extLst>
+              <a:ext uri="{28A0092B-C50C-407E-A947-70E740481C1C}">
+                <a14:useLocalDpi xmlns:a14="http://schemas.microsoft.com/office/drawing/2010/main" val="0"/>
+              </a:ext>
+            </a:extLst>
+          </a:blip>
+          <a:stretch>
+            <a:fillRect/>
+          </a:stretch>
+        </p:blipFill>
+        <p:spPr>
+          <a:xfrm>
+            <a:off x="1057013" y="138962"/>
+            <a:ext cx="9991288" cy="6637666"/>
+          </a:xfrm>
+          <a:prstGeom prst="rect">
+            <a:avLst/>
+          </a:prstGeom>
+        </p:spPr>
+      </p:pic>
+      <p:sp>
+        <p:nvSpPr>
+          <p:cNvPr id="4" name="TextBox 3">
+            <a:extLst>
+              <a:ext uri="{FF2B5EF4-FFF2-40B4-BE49-F238E27FC236}">
+                <a16:creationId xmlns:a16="http://schemas.microsoft.com/office/drawing/2014/main" id="{1DEE8E9A-214A-4887-B632-79A1E119A115}"/>
+              </a:ext>
+            </a:extLst>
+          </p:cNvPr>
+          <p:cNvSpPr txBox="1"/>
+          <p:nvPr/>
+        </p:nvSpPr>
+        <p:spPr>
+          <a:xfrm>
+            <a:off x="1677798" y="1015068"/>
+            <a:ext cx="1249960" cy="369332"/>
+          </a:xfrm>
+          <a:prstGeom prst="rect">
+            <a:avLst/>
+          </a:prstGeom>
+          <a:noFill/>
+        </p:spPr>
+        <p:txBody>
+          <a:bodyPr wrap="square" rtlCol="0">
+            <a:spAutoFit/>
+          </a:bodyPr>
+          <a:lstStyle/>
+          <a:p>
+            <a:r>
+              <a:rPr lang="en-GB" dirty="0"/>
+              <a:t>R = 0.94</a:t>
+            </a:r>
+          </a:p>
+        </p:txBody>
+      </p:sp>
+      <p:sp>
+        <p:nvSpPr>
+          <p:cNvPr id="5" name="TextBox 4">
+            <a:extLst>
+              <a:ext uri="{FF2B5EF4-FFF2-40B4-BE49-F238E27FC236}">
+                <a16:creationId xmlns:a16="http://schemas.microsoft.com/office/drawing/2014/main" id="{BE74D6F1-03C8-4F94-8AD0-427BFC3ADA0A}"/>
+              </a:ext>
+            </a:extLst>
+          </p:cNvPr>
+          <p:cNvSpPr txBox="1"/>
+          <p:nvPr/>
+        </p:nvSpPr>
+        <p:spPr>
+          <a:xfrm>
+            <a:off x="6771313" y="1015068"/>
+            <a:ext cx="1249960" cy="369332"/>
+          </a:xfrm>
+          <a:prstGeom prst="rect">
+            <a:avLst/>
+          </a:prstGeom>
+          <a:noFill/>
+        </p:spPr>
+        <p:txBody>
+          <a:bodyPr wrap="square" rtlCol="0">
+            <a:spAutoFit/>
+          </a:bodyPr>
+          <a:lstStyle/>
+          <a:p>
+            <a:r>
+              <a:rPr lang="en-GB" dirty="0"/>
+              <a:t>R = -0.1</a:t>
+            </a:r>
+          </a:p>
+        </p:txBody>
+      </p:sp>
+      <p:sp>
+        <p:nvSpPr>
+          <p:cNvPr id="6" name="TextBox 5">
+            <a:extLst>
+              <a:ext uri="{FF2B5EF4-FFF2-40B4-BE49-F238E27FC236}">
+                <a16:creationId xmlns:a16="http://schemas.microsoft.com/office/drawing/2014/main" id="{5F9CB728-364E-41DD-A4CD-3972B6290363}"/>
+              </a:ext>
+            </a:extLst>
+          </p:cNvPr>
+          <p:cNvSpPr txBox="1"/>
+          <p:nvPr/>
+        </p:nvSpPr>
+        <p:spPr>
+          <a:xfrm>
+            <a:off x="1677798" y="3917037"/>
+            <a:ext cx="1249960" cy="369332"/>
+          </a:xfrm>
+          <a:prstGeom prst="rect">
+            <a:avLst/>
+          </a:prstGeom>
+          <a:noFill/>
+        </p:spPr>
+        <p:txBody>
+          <a:bodyPr wrap="square" rtlCol="0">
+            <a:spAutoFit/>
+          </a:bodyPr>
+          <a:lstStyle/>
+          <a:p>
+            <a:r>
+              <a:rPr lang="en-GB" dirty="0"/>
+              <a:t>R = 0.03</a:t>
+            </a:r>
+          </a:p>
+        </p:txBody>
+      </p:sp>
+      <p:sp>
+        <p:nvSpPr>
+          <p:cNvPr id="7" name="TextBox 6">
+            <a:extLst>
+              <a:ext uri="{FF2B5EF4-FFF2-40B4-BE49-F238E27FC236}">
+                <a16:creationId xmlns:a16="http://schemas.microsoft.com/office/drawing/2014/main" id="{3F1B4C59-CD11-44AF-BF1E-D13202ABECE2}"/>
+              </a:ext>
+            </a:extLst>
+          </p:cNvPr>
+          <p:cNvSpPr txBox="1"/>
+          <p:nvPr/>
+        </p:nvSpPr>
+        <p:spPr>
+          <a:xfrm>
+            <a:off x="6771313" y="3895443"/>
+            <a:ext cx="1249960" cy="369332"/>
+          </a:xfrm>
+          <a:prstGeom prst="rect">
+            <a:avLst/>
+          </a:prstGeom>
+          <a:noFill/>
+        </p:spPr>
+        <p:txBody>
+          <a:bodyPr wrap="square" rtlCol="0">
+            <a:spAutoFit/>
+          </a:bodyPr>
+          <a:lstStyle/>
+          <a:p>
+            <a:r>
+              <a:rPr lang="en-GB" dirty="0"/>
+              <a:t>R = -0.3</a:t>
+            </a:r>
+          </a:p>
+        </p:txBody>
+      </p:sp>
+    </p:spTree>
+    <p:extLst>
+      <p:ext uri="{BB962C8B-B14F-4D97-AF65-F5344CB8AC3E}">
+        <p14:creationId xmlns:p14="http://schemas.microsoft.com/office/powerpoint/2010/main" val="283240657"/>
+      </p:ext>
+    </p:extLst>
+  </p:cSld>
+  <p:clrMapOvr>
+    <a:masterClrMapping/>
+  </p:clrMapOvr>
+</p:sld>
+</file>
+
+<file path=ppt/slides/slide31.xml><?xml version="1.0" encoding="utf-8"?>
+<p:sld xmlns:a="http://schemas.openxmlformats.org/drawingml/2006/main" xmlns:r="http://schemas.openxmlformats.org/officeDocument/2006/relationships" xmlns:p="http://schemas.openxmlformats.org/presentationml/2006/main">
+  <p:cSld>
+    <p:spTree>
+      <p:nvGrpSpPr>
+        <p:cNvPr id="1" name=""/>
+        <p:cNvGrpSpPr/>
+        <p:nvPr/>
+      </p:nvGrpSpPr>
+      <p:grpSpPr>
+        <a:xfrm>
+          <a:off x="0" y="0"/>
+          <a:ext cx="0" cy="0"/>
+          <a:chOff x="0" y="0"/>
+          <a:chExt cx="0" cy="0"/>
+        </a:xfrm>
+      </p:grpSpPr>
+      <p:pic>
+        <p:nvPicPr>
+          <p:cNvPr id="3" name="Picture 2" descr="A screenshot of a cell phone&#10;&#10;Description automatically generated">
+            <a:extLst>
+              <a:ext uri="{FF2B5EF4-FFF2-40B4-BE49-F238E27FC236}">
+                <a16:creationId xmlns:a16="http://schemas.microsoft.com/office/drawing/2014/main" id="{4415F31B-F0F6-4338-9F20-C6B878C4869D}"/>
+              </a:ext>
+            </a:extLst>
+          </p:cNvPr>
+          <p:cNvPicPr>
+            <a:picLocks noChangeAspect="1"/>
+          </p:cNvPicPr>
+          <p:nvPr/>
+        </p:nvPicPr>
+        <p:blipFill>
+          <a:blip r:embed="rId2">
+            <a:extLst>
+              <a:ext uri="{28A0092B-C50C-407E-A947-70E740481C1C}">
+                <a14:useLocalDpi xmlns:a14="http://schemas.microsoft.com/office/drawing/2010/main" val="0"/>
+              </a:ext>
+            </a:extLst>
+          </a:blip>
+          <a:stretch>
+            <a:fillRect/>
+          </a:stretch>
+        </p:blipFill>
+        <p:spPr>
+          <a:xfrm>
+            <a:off x="1057013" y="138962"/>
+            <a:ext cx="9991288" cy="6637666"/>
+          </a:xfrm>
+          <a:prstGeom prst="rect">
+            <a:avLst/>
+          </a:prstGeom>
+        </p:spPr>
+      </p:pic>
+      <p:sp>
+        <p:nvSpPr>
+          <p:cNvPr id="4" name="TextBox 3">
+            <a:extLst>
+              <a:ext uri="{FF2B5EF4-FFF2-40B4-BE49-F238E27FC236}">
+                <a16:creationId xmlns:a16="http://schemas.microsoft.com/office/drawing/2014/main" id="{1DEE8E9A-214A-4887-B632-79A1E119A115}"/>
+              </a:ext>
+            </a:extLst>
+          </p:cNvPr>
+          <p:cNvSpPr txBox="1"/>
+          <p:nvPr/>
+        </p:nvSpPr>
+        <p:spPr>
+          <a:xfrm>
+            <a:off x="1677798" y="1015068"/>
+            <a:ext cx="1249960" cy="369332"/>
+          </a:xfrm>
+          <a:prstGeom prst="rect">
+            <a:avLst/>
+          </a:prstGeom>
+          <a:noFill/>
+        </p:spPr>
+        <p:txBody>
+          <a:bodyPr wrap="square" rtlCol="0">
+            <a:spAutoFit/>
+          </a:bodyPr>
+          <a:lstStyle/>
+          <a:p>
+            <a:r>
+              <a:rPr lang="en-GB" dirty="0"/>
+              <a:t>R = 0.94</a:t>
+            </a:r>
+          </a:p>
+        </p:txBody>
+      </p:sp>
+      <p:sp>
+        <p:nvSpPr>
+          <p:cNvPr id="5" name="TextBox 4">
+            <a:extLst>
+              <a:ext uri="{FF2B5EF4-FFF2-40B4-BE49-F238E27FC236}">
+                <a16:creationId xmlns:a16="http://schemas.microsoft.com/office/drawing/2014/main" id="{BE74D6F1-03C8-4F94-8AD0-427BFC3ADA0A}"/>
+              </a:ext>
+            </a:extLst>
+          </p:cNvPr>
+          <p:cNvSpPr txBox="1"/>
+          <p:nvPr/>
+        </p:nvSpPr>
+        <p:spPr>
+          <a:xfrm>
+            <a:off x="6771313" y="1015068"/>
+            <a:ext cx="1249960" cy="369332"/>
+          </a:xfrm>
+          <a:prstGeom prst="rect">
+            <a:avLst/>
+          </a:prstGeom>
+          <a:noFill/>
+        </p:spPr>
+        <p:txBody>
+          <a:bodyPr wrap="square" rtlCol="0">
+            <a:spAutoFit/>
+          </a:bodyPr>
+          <a:lstStyle/>
+          <a:p>
+            <a:r>
+              <a:rPr lang="en-GB" dirty="0"/>
+              <a:t>R = -0.1</a:t>
+            </a:r>
+          </a:p>
+        </p:txBody>
+      </p:sp>
+      <p:sp>
+        <p:nvSpPr>
+          <p:cNvPr id="6" name="TextBox 5">
+            <a:extLst>
+              <a:ext uri="{FF2B5EF4-FFF2-40B4-BE49-F238E27FC236}">
+                <a16:creationId xmlns:a16="http://schemas.microsoft.com/office/drawing/2014/main" id="{5F9CB728-364E-41DD-A4CD-3972B6290363}"/>
+              </a:ext>
+            </a:extLst>
+          </p:cNvPr>
+          <p:cNvSpPr txBox="1"/>
+          <p:nvPr/>
+        </p:nvSpPr>
+        <p:spPr>
+          <a:xfrm>
+            <a:off x="1677798" y="3917037"/>
+            <a:ext cx="1249960" cy="369332"/>
+          </a:xfrm>
+          <a:prstGeom prst="rect">
+            <a:avLst/>
+          </a:prstGeom>
+          <a:noFill/>
+        </p:spPr>
+        <p:txBody>
+          <a:bodyPr wrap="square" rtlCol="0">
+            <a:spAutoFit/>
+          </a:bodyPr>
+          <a:lstStyle/>
+          <a:p>
+            <a:r>
+              <a:rPr lang="en-GB" dirty="0"/>
+              <a:t>R = 0.03</a:t>
+            </a:r>
+          </a:p>
+        </p:txBody>
+      </p:sp>
+      <p:sp>
+        <p:nvSpPr>
+          <p:cNvPr id="7" name="TextBox 6">
+            <a:extLst>
+              <a:ext uri="{FF2B5EF4-FFF2-40B4-BE49-F238E27FC236}">
+                <a16:creationId xmlns:a16="http://schemas.microsoft.com/office/drawing/2014/main" id="{3F1B4C59-CD11-44AF-BF1E-D13202ABECE2}"/>
+              </a:ext>
+            </a:extLst>
+          </p:cNvPr>
+          <p:cNvSpPr txBox="1"/>
+          <p:nvPr/>
+        </p:nvSpPr>
+        <p:spPr>
+          <a:xfrm>
+            <a:off x="6771313" y="3895443"/>
+            <a:ext cx="1249960" cy="369332"/>
+          </a:xfrm>
+          <a:prstGeom prst="rect">
+            <a:avLst/>
+          </a:prstGeom>
+          <a:noFill/>
+        </p:spPr>
+        <p:txBody>
+          <a:bodyPr wrap="square" rtlCol="0">
+            <a:spAutoFit/>
+          </a:bodyPr>
+          <a:lstStyle/>
+          <a:p>
+            <a:r>
+              <a:rPr lang="en-GB" dirty="0"/>
+              <a:t>R = -0.3</a:t>
+            </a:r>
+          </a:p>
+        </p:txBody>
+      </p:sp>
+      <p:sp>
+        <p:nvSpPr>
+          <p:cNvPr id="2" name="TextBox 1">
+            <a:extLst>
+              <a:ext uri="{FF2B5EF4-FFF2-40B4-BE49-F238E27FC236}">
+                <a16:creationId xmlns:a16="http://schemas.microsoft.com/office/drawing/2014/main" id="{36EB936F-4CD4-4302-8E53-E73E7EA14F58}"/>
+              </a:ext>
+            </a:extLst>
+          </p:cNvPr>
+          <p:cNvSpPr txBox="1"/>
+          <p:nvPr/>
+        </p:nvSpPr>
+        <p:spPr>
+          <a:xfrm>
+            <a:off x="4353886" y="1499365"/>
+            <a:ext cx="3140278" cy="1754326"/>
+          </a:xfrm>
+          <a:prstGeom prst="rect">
+            <a:avLst/>
+          </a:prstGeom>
+          <a:solidFill>
+            <a:schemeClr val="bg1"/>
+          </a:solidFill>
+        </p:spPr>
+        <p:txBody>
+          <a:bodyPr wrap="square" rtlCol="0">
+            <a:spAutoFit/>
+          </a:bodyPr>
+          <a:lstStyle/>
+          <a:p>
+            <a:r>
+              <a:rPr lang="en-GB" dirty="0"/>
+              <a:t>Considerable difference between correlations from best and average pace. Similar to 5k dataset. Difference between </a:t>
+            </a:r>
+            <a:r>
+              <a:rPr lang="en-GB" dirty="0" err="1"/>
+              <a:t>Avg_Pace</a:t>
+            </a:r>
+            <a:r>
+              <a:rPr lang="en-GB" dirty="0"/>
+              <a:t> and </a:t>
+            </a:r>
+            <a:r>
+              <a:rPr lang="en-GB" dirty="0" err="1"/>
+              <a:t>Best_Pace</a:t>
+            </a:r>
+            <a:r>
+              <a:rPr lang="en-GB" dirty="0"/>
+              <a:t> may be an interesting metric.. ? </a:t>
+            </a:r>
+          </a:p>
+        </p:txBody>
+      </p:sp>
+      <p:sp>
+        <p:nvSpPr>
+          <p:cNvPr id="8" name="TextBox 7">
+            <a:extLst>
+              <a:ext uri="{FF2B5EF4-FFF2-40B4-BE49-F238E27FC236}">
+                <a16:creationId xmlns:a16="http://schemas.microsoft.com/office/drawing/2014/main" id="{9F37F9CE-E867-4186-9576-219B0DEA538D}"/>
+              </a:ext>
+            </a:extLst>
+          </p:cNvPr>
+          <p:cNvSpPr txBox="1"/>
+          <p:nvPr/>
+        </p:nvSpPr>
+        <p:spPr>
+          <a:xfrm>
+            <a:off x="5076737" y="4422230"/>
+            <a:ext cx="2417427" cy="923330"/>
+          </a:xfrm>
+          <a:prstGeom prst="rect">
+            <a:avLst/>
+          </a:prstGeom>
+          <a:solidFill>
+            <a:schemeClr val="bg1"/>
+          </a:solidFill>
+        </p:spPr>
+        <p:txBody>
+          <a:bodyPr wrap="square" rtlCol="0">
+            <a:spAutoFit/>
+          </a:bodyPr>
+          <a:lstStyle/>
+          <a:p>
+            <a:r>
+              <a:rPr lang="en-GB" dirty="0"/>
+              <a:t>Calories once again shows no correlation to the time. </a:t>
+            </a:r>
+          </a:p>
+        </p:txBody>
+      </p:sp>
+    </p:spTree>
+    <p:extLst>
+      <p:ext uri="{BB962C8B-B14F-4D97-AF65-F5344CB8AC3E}">
+        <p14:creationId xmlns:p14="http://schemas.microsoft.com/office/powerpoint/2010/main" val="536886127"/>
+      </p:ext>
+    </p:extLst>
+  </p:cSld>
+  <p:clrMapOvr>
+    <a:masterClrMapping/>
+  </p:clrMapOvr>
+</p:sld>
+</file>
+
+<file path=ppt/slides/slide32.xml><?xml version="1.0" encoding="utf-8"?>
+<p:sld xmlns:a="http://schemas.openxmlformats.org/drawingml/2006/main" xmlns:r="http://schemas.openxmlformats.org/officeDocument/2006/relationships" xmlns:p="http://schemas.openxmlformats.org/presentationml/2006/main">
+  <p:cSld>
+    <p:spTree>
+      <p:nvGrpSpPr>
+        <p:cNvPr id="1" name=""/>
+        <p:cNvGrpSpPr/>
+        <p:nvPr/>
+      </p:nvGrpSpPr>
+      <p:grpSpPr>
+        <a:xfrm>
+          <a:off x="0" y="0"/>
+          <a:ext cx="0" cy="0"/>
+          <a:chOff x="0" y="0"/>
+          <a:chExt cx="0" cy="0"/>
+        </a:xfrm>
+      </p:grpSpPr>
+      <p:pic>
+        <p:nvPicPr>
+          <p:cNvPr id="3" name="Picture 2" descr="A screenshot of a cell phone&#10;&#10;Description automatically generated">
+            <a:extLst>
+              <a:ext uri="{FF2B5EF4-FFF2-40B4-BE49-F238E27FC236}">
+                <a16:creationId xmlns:a16="http://schemas.microsoft.com/office/drawing/2014/main" id="{B05D6D98-D2A4-4464-BE10-CDFF6597ED69}"/>
+              </a:ext>
+            </a:extLst>
+          </p:cNvPr>
+          <p:cNvPicPr>
+            <a:picLocks noChangeAspect="1"/>
+          </p:cNvPicPr>
+          <p:nvPr/>
+        </p:nvPicPr>
+        <p:blipFill>
+          <a:blip r:embed="rId2">
+            <a:extLst>
+              <a:ext uri="{28A0092B-C50C-407E-A947-70E740481C1C}">
+                <a14:useLocalDpi xmlns:a14="http://schemas.microsoft.com/office/drawing/2010/main" val="0"/>
+              </a:ext>
+            </a:extLst>
+          </a:blip>
+          <a:stretch>
+            <a:fillRect/>
+          </a:stretch>
+        </p:blipFill>
+        <p:spPr>
+          <a:xfrm>
+            <a:off x="1139538" y="27868"/>
+            <a:ext cx="10230339" cy="6758826"/>
+          </a:xfrm>
+          <a:prstGeom prst="rect">
+            <a:avLst/>
+          </a:prstGeom>
+        </p:spPr>
+      </p:pic>
+      <p:sp>
+        <p:nvSpPr>
+          <p:cNvPr id="5" name="TextBox 4">
+            <a:extLst>
+              <a:ext uri="{FF2B5EF4-FFF2-40B4-BE49-F238E27FC236}">
+                <a16:creationId xmlns:a16="http://schemas.microsoft.com/office/drawing/2014/main" id="{FBF2E48D-986D-4C70-989D-34C84E41D0AC}"/>
+              </a:ext>
+            </a:extLst>
+          </p:cNvPr>
+          <p:cNvSpPr txBox="1"/>
+          <p:nvPr/>
+        </p:nvSpPr>
+        <p:spPr>
+          <a:xfrm>
+            <a:off x="1812022" y="855678"/>
+            <a:ext cx="1249960" cy="369332"/>
+          </a:xfrm>
+          <a:prstGeom prst="rect">
+            <a:avLst/>
+          </a:prstGeom>
+          <a:noFill/>
+        </p:spPr>
+        <p:txBody>
+          <a:bodyPr wrap="square" rtlCol="0">
+            <a:spAutoFit/>
+          </a:bodyPr>
+          <a:lstStyle/>
+          <a:p>
+            <a:r>
+              <a:rPr lang="en-GB" dirty="0"/>
+              <a:t>R = -0.39</a:t>
+            </a:r>
+          </a:p>
+        </p:txBody>
+      </p:sp>
+      <p:sp>
+        <p:nvSpPr>
+          <p:cNvPr id="6" name="TextBox 5">
+            <a:extLst>
+              <a:ext uri="{FF2B5EF4-FFF2-40B4-BE49-F238E27FC236}">
+                <a16:creationId xmlns:a16="http://schemas.microsoft.com/office/drawing/2014/main" id="{18209A35-D8E3-4FAC-B531-9728287D4059}"/>
+              </a:ext>
+            </a:extLst>
+          </p:cNvPr>
+          <p:cNvSpPr txBox="1"/>
+          <p:nvPr/>
+        </p:nvSpPr>
+        <p:spPr>
+          <a:xfrm>
+            <a:off x="6905537" y="855678"/>
+            <a:ext cx="1249960" cy="369332"/>
+          </a:xfrm>
+          <a:prstGeom prst="rect">
+            <a:avLst/>
+          </a:prstGeom>
+          <a:noFill/>
+        </p:spPr>
+        <p:txBody>
+          <a:bodyPr wrap="square" rtlCol="0">
+            <a:spAutoFit/>
+          </a:bodyPr>
+          <a:lstStyle/>
+          <a:p>
+            <a:r>
+              <a:rPr lang="en-GB" dirty="0"/>
+              <a:t>R = -0.3</a:t>
+            </a:r>
+          </a:p>
+        </p:txBody>
+      </p:sp>
+      <p:sp>
+        <p:nvSpPr>
+          <p:cNvPr id="7" name="TextBox 6">
+            <a:extLst>
+              <a:ext uri="{FF2B5EF4-FFF2-40B4-BE49-F238E27FC236}">
+                <a16:creationId xmlns:a16="http://schemas.microsoft.com/office/drawing/2014/main" id="{8A95A2E1-8C58-4008-B58B-6EE9A24D9FE7}"/>
+              </a:ext>
+            </a:extLst>
+          </p:cNvPr>
+          <p:cNvSpPr txBox="1"/>
+          <p:nvPr/>
+        </p:nvSpPr>
+        <p:spPr>
+          <a:xfrm>
+            <a:off x="5050174" y="3807981"/>
+            <a:ext cx="1249960" cy="369332"/>
+          </a:xfrm>
+          <a:prstGeom prst="rect">
+            <a:avLst/>
+          </a:prstGeom>
+          <a:noFill/>
+        </p:spPr>
+        <p:txBody>
+          <a:bodyPr wrap="square" rtlCol="0">
+            <a:spAutoFit/>
+          </a:bodyPr>
+          <a:lstStyle/>
+          <a:p>
+            <a:r>
+              <a:rPr lang="en-GB" dirty="0"/>
+              <a:t>R = -0.35</a:t>
+            </a:r>
+          </a:p>
+        </p:txBody>
+      </p:sp>
+      <p:sp>
+        <p:nvSpPr>
+          <p:cNvPr id="8" name="TextBox 7">
+            <a:extLst>
+              <a:ext uri="{FF2B5EF4-FFF2-40B4-BE49-F238E27FC236}">
+                <a16:creationId xmlns:a16="http://schemas.microsoft.com/office/drawing/2014/main" id="{F139BAD6-FB90-41BB-839F-043B2697799D}"/>
+              </a:ext>
+            </a:extLst>
+          </p:cNvPr>
+          <p:cNvSpPr txBox="1"/>
+          <p:nvPr/>
+        </p:nvSpPr>
+        <p:spPr>
+          <a:xfrm>
+            <a:off x="10210769" y="3807981"/>
+            <a:ext cx="1249960" cy="369332"/>
+          </a:xfrm>
+          <a:prstGeom prst="rect">
+            <a:avLst/>
+          </a:prstGeom>
+          <a:noFill/>
+        </p:spPr>
+        <p:txBody>
+          <a:bodyPr wrap="square" rtlCol="0">
+            <a:spAutoFit/>
+          </a:bodyPr>
+          <a:lstStyle/>
+          <a:p>
+            <a:r>
+              <a:rPr lang="en-GB" dirty="0"/>
+              <a:t>R = -0.46</a:t>
+            </a:r>
+          </a:p>
+        </p:txBody>
+      </p:sp>
+    </p:spTree>
+    <p:extLst>
+      <p:ext uri="{BB962C8B-B14F-4D97-AF65-F5344CB8AC3E}">
+        <p14:creationId xmlns:p14="http://schemas.microsoft.com/office/powerpoint/2010/main" val="1797789806"/>
+      </p:ext>
+    </p:extLst>
+  </p:cSld>
+  <p:clrMapOvr>
+    <a:masterClrMapping/>
+  </p:clrMapOvr>
+</p:sld>
+</file>
+
+<file path=ppt/slides/slide33.xml><?xml version="1.0" encoding="utf-8"?>
+<p:sld xmlns:a="http://schemas.openxmlformats.org/drawingml/2006/main" xmlns:r="http://schemas.openxmlformats.org/officeDocument/2006/relationships" xmlns:p="http://schemas.openxmlformats.org/presentationml/2006/main">
+  <p:cSld>
+    <p:spTree>
+      <p:nvGrpSpPr>
+        <p:cNvPr id="1" name=""/>
+        <p:cNvGrpSpPr/>
+        <p:nvPr/>
+      </p:nvGrpSpPr>
+      <p:grpSpPr>
+        <a:xfrm>
+          <a:off x="0" y="0"/>
+          <a:ext cx="0" cy="0"/>
+          <a:chOff x="0" y="0"/>
+          <a:chExt cx="0" cy="0"/>
+        </a:xfrm>
+      </p:grpSpPr>
+      <p:pic>
+        <p:nvPicPr>
+          <p:cNvPr id="3" name="Picture 2" descr="A screenshot of a cell phone&#10;&#10;Description automatically generated">
+            <a:extLst>
+              <a:ext uri="{FF2B5EF4-FFF2-40B4-BE49-F238E27FC236}">
+                <a16:creationId xmlns:a16="http://schemas.microsoft.com/office/drawing/2014/main" id="{B05D6D98-D2A4-4464-BE10-CDFF6597ED69}"/>
+              </a:ext>
+            </a:extLst>
+          </p:cNvPr>
+          <p:cNvPicPr>
+            <a:picLocks noChangeAspect="1"/>
+          </p:cNvPicPr>
+          <p:nvPr/>
+        </p:nvPicPr>
+        <p:blipFill>
+          <a:blip r:embed="rId2">
+            <a:extLst>
+              <a:ext uri="{28A0092B-C50C-407E-A947-70E740481C1C}">
+                <a14:useLocalDpi xmlns:a14="http://schemas.microsoft.com/office/drawing/2010/main" val="0"/>
+              </a:ext>
+            </a:extLst>
+          </a:blip>
+          <a:stretch>
+            <a:fillRect/>
+          </a:stretch>
+        </p:blipFill>
+        <p:spPr>
+          <a:xfrm>
+            <a:off x="1139538" y="27868"/>
+            <a:ext cx="10230339" cy="6758826"/>
+          </a:xfrm>
+          <a:prstGeom prst="rect">
+            <a:avLst/>
+          </a:prstGeom>
+        </p:spPr>
+      </p:pic>
+      <p:sp>
+        <p:nvSpPr>
+          <p:cNvPr id="5" name="TextBox 4">
+            <a:extLst>
+              <a:ext uri="{FF2B5EF4-FFF2-40B4-BE49-F238E27FC236}">
+                <a16:creationId xmlns:a16="http://schemas.microsoft.com/office/drawing/2014/main" id="{FBF2E48D-986D-4C70-989D-34C84E41D0AC}"/>
+              </a:ext>
+            </a:extLst>
+          </p:cNvPr>
+          <p:cNvSpPr txBox="1"/>
+          <p:nvPr/>
+        </p:nvSpPr>
+        <p:spPr>
+          <a:xfrm>
+            <a:off x="1812022" y="855678"/>
+            <a:ext cx="1249960" cy="369332"/>
+          </a:xfrm>
+          <a:prstGeom prst="rect">
+            <a:avLst/>
+          </a:prstGeom>
+          <a:noFill/>
+        </p:spPr>
+        <p:txBody>
+          <a:bodyPr wrap="square" rtlCol="0">
+            <a:spAutoFit/>
+          </a:bodyPr>
+          <a:lstStyle/>
+          <a:p>
+            <a:r>
+              <a:rPr lang="en-GB" dirty="0"/>
+              <a:t>R = -0.39</a:t>
+            </a:r>
+          </a:p>
+        </p:txBody>
+      </p:sp>
+      <p:sp>
+        <p:nvSpPr>
+          <p:cNvPr id="6" name="TextBox 5">
+            <a:extLst>
+              <a:ext uri="{FF2B5EF4-FFF2-40B4-BE49-F238E27FC236}">
+                <a16:creationId xmlns:a16="http://schemas.microsoft.com/office/drawing/2014/main" id="{18209A35-D8E3-4FAC-B531-9728287D4059}"/>
+              </a:ext>
+            </a:extLst>
+          </p:cNvPr>
+          <p:cNvSpPr txBox="1"/>
+          <p:nvPr/>
+        </p:nvSpPr>
+        <p:spPr>
+          <a:xfrm>
+            <a:off x="6905537" y="855678"/>
+            <a:ext cx="1249960" cy="369332"/>
+          </a:xfrm>
+          <a:prstGeom prst="rect">
+            <a:avLst/>
+          </a:prstGeom>
+          <a:noFill/>
+        </p:spPr>
+        <p:txBody>
+          <a:bodyPr wrap="square" rtlCol="0">
+            <a:spAutoFit/>
+          </a:bodyPr>
+          <a:lstStyle/>
+          <a:p>
+            <a:r>
+              <a:rPr lang="en-GB" dirty="0"/>
+              <a:t>R = -0.3</a:t>
+            </a:r>
+          </a:p>
+        </p:txBody>
+      </p:sp>
+      <p:sp>
+        <p:nvSpPr>
+          <p:cNvPr id="7" name="TextBox 6">
+            <a:extLst>
+              <a:ext uri="{FF2B5EF4-FFF2-40B4-BE49-F238E27FC236}">
+                <a16:creationId xmlns:a16="http://schemas.microsoft.com/office/drawing/2014/main" id="{8A95A2E1-8C58-4008-B58B-6EE9A24D9FE7}"/>
+              </a:ext>
+            </a:extLst>
+          </p:cNvPr>
+          <p:cNvSpPr txBox="1"/>
+          <p:nvPr/>
+        </p:nvSpPr>
+        <p:spPr>
+          <a:xfrm>
+            <a:off x="5050174" y="3807981"/>
+            <a:ext cx="1249960" cy="369332"/>
+          </a:xfrm>
+          <a:prstGeom prst="rect">
+            <a:avLst/>
+          </a:prstGeom>
+          <a:noFill/>
+        </p:spPr>
+        <p:txBody>
+          <a:bodyPr wrap="square" rtlCol="0">
+            <a:spAutoFit/>
+          </a:bodyPr>
+          <a:lstStyle/>
+          <a:p>
+            <a:r>
+              <a:rPr lang="en-GB" dirty="0"/>
+              <a:t>R = -0.35</a:t>
+            </a:r>
+          </a:p>
+        </p:txBody>
+      </p:sp>
+      <p:sp>
+        <p:nvSpPr>
+          <p:cNvPr id="8" name="TextBox 7">
+            <a:extLst>
+              <a:ext uri="{FF2B5EF4-FFF2-40B4-BE49-F238E27FC236}">
+                <a16:creationId xmlns:a16="http://schemas.microsoft.com/office/drawing/2014/main" id="{F139BAD6-FB90-41BB-839F-043B2697799D}"/>
+              </a:ext>
+            </a:extLst>
+          </p:cNvPr>
+          <p:cNvSpPr txBox="1"/>
+          <p:nvPr/>
+        </p:nvSpPr>
+        <p:spPr>
+          <a:xfrm>
+            <a:off x="10210769" y="3807981"/>
+            <a:ext cx="1249960" cy="369332"/>
+          </a:xfrm>
+          <a:prstGeom prst="rect">
+            <a:avLst/>
+          </a:prstGeom>
+          <a:noFill/>
+        </p:spPr>
+        <p:txBody>
+          <a:bodyPr wrap="square" rtlCol="0">
+            <a:spAutoFit/>
+          </a:bodyPr>
+          <a:lstStyle/>
+          <a:p>
+            <a:r>
+              <a:rPr lang="en-GB" dirty="0"/>
+              <a:t>R = -0.46</a:t>
+            </a:r>
+          </a:p>
+        </p:txBody>
+      </p:sp>
+      <p:sp>
+        <p:nvSpPr>
+          <p:cNvPr id="2" name="TextBox 1">
+            <a:extLst>
+              <a:ext uri="{FF2B5EF4-FFF2-40B4-BE49-F238E27FC236}">
+                <a16:creationId xmlns:a16="http://schemas.microsoft.com/office/drawing/2014/main" id="{2B7317A3-5D7E-4312-86FA-90C0D46BA895}"/>
+              </a:ext>
+            </a:extLst>
+          </p:cNvPr>
+          <p:cNvSpPr txBox="1"/>
+          <p:nvPr/>
+        </p:nvSpPr>
+        <p:spPr>
+          <a:xfrm>
+            <a:off x="5050174" y="855678"/>
+            <a:ext cx="3187815" cy="923330"/>
+          </a:xfrm>
+          <a:prstGeom prst="rect">
+            <a:avLst/>
+          </a:prstGeom>
+          <a:solidFill>
+            <a:schemeClr val="bg1"/>
+          </a:solidFill>
+        </p:spPr>
+        <p:txBody>
+          <a:bodyPr wrap="square" rtlCol="0">
+            <a:spAutoFit/>
+          </a:bodyPr>
+          <a:lstStyle/>
+          <a:p>
+            <a:r>
+              <a:rPr lang="en-GB" dirty="0"/>
+              <a:t>Despite the R values, it looks like there is little correlation between HR and time. </a:t>
+            </a:r>
+          </a:p>
+        </p:txBody>
+      </p:sp>
+      <p:sp>
+        <p:nvSpPr>
+          <p:cNvPr id="9" name="TextBox 8">
+            <a:extLst>
+              <a:ext uri="{FF2B5EF4-FFF2-40B4-BE49-F238E27FC236}">
+                <a16:creationId xmlns:a16="http://schemas.microsoft.com/office/drawing/2014/main" id="{EE3188FC-41EC-47D6-A397-6C9F1CF55C1C}"/>
+              </a:ext>
+            </a:extLst>
+          </p:cNvPr>
+          <p:cNvSpPr txBox="1"/>
+          <p:nvPr/>
+        </p:nvSpPr>
+        <p:spPr>
+          <a:xfrm>
+            <a:off x="4081246" y="3715648"/>
+            <a:ext cx="3187815" cy="2031325"/>
+          </a:xfrm>
+          <a:prstGeom prst="rect">
+            <a:avLst/>
+          </a:prstGeom>
+          <a:solidFill>
+            <a:schemeClr val="bg1"/>
+          </a:solidFill>
+        </p:spPr>
+        <p:txBody>
+          <a:bodyPr wrap="square" rtlCol="0">
+            <a:spAutoFit/>
+          </a:bodyPr>
+          <a:lstStyle/>
+          <a:p>
+            <a:r>
+              <a:rPr lang="en-GB" dirty="0"/>
+              <a:t>Once again, other than Delta Day, Run Cadence and Stride Length are showing the strongest negative correlations with time. This makes sense as a combination of these two factors surely controls the pace. </a:t>
+            </a:r>
+          </a:p>
+        </p:txBody>
+      </p:sp>
+    </p:spTree>
+    <p:extLst>
+      <p:ext uri="{BB962C8B-B14F-4D97-AF65-F5344CB8AC3E}">
+        <p14:creationId xmlns:p14="http://schemas.microsoft.com/office/powerpoint/2010/main" val="4274103117"/>
+      </p:ext>
+    </p:extLst>
+  </p:cSld>
+  <p:clrMapOvr>
+    <a:masterClrMapping/>
+  </p:clrMapOvr>
+</p:sld>
+</file>
+
+<file path=ppt/slides/slide34.xml><?xml version="1.0" encoding="utf-8"?>
+<p:sld xmlns:a="http://schemas.openxmlformats.org/drawingml/2006/main" xmlns:r="http://schemas.openxmlformats.org/officeDocument/2006/relationships" xmlns:p="http://schemas.openxmlformats.org/presentationml/2006/main">
+  <p:cSld>
+    <p:spTree>
+      <p:nvGrpSpPr>
+        <p:cNvPr id="1" name=""/>
+        <p:cNvGrpSpPr/>
+        <p:nvPr/>
+      </p:nvGrpSpPr>
+      <p:grpSpPr>
+        <a:xfrm>
+          <a:off x="0" y="0"/>
+          <a:ext cx="0" cy="0"/>
+          <a:chOff x="0" y="0"/>
+          <a:chExt cx="0" cy="0"/>
+        </a:xfrm>
+      </p:grpSpPr>
+      <p:pic>
+        <p:nvPicPr>
+          <p:cNvPr id="3" name="Picture 2" descr="A close up of a map&#10;&#10;Description automatically generated">
+            <a:extLst>
+              <a:ext uri="{FF2B5EF4-FFF2-40B4-BE49-F238E27FC236}">
+                <a16:creationId xmlns:a16="http://schemas.microsoft.com/office/drawing/2014/main" id="{7D3BF0B0-0C20-42CE-9AF4-C606398C9944}"/>
+              </a:ext>
+            </a:extLst>
+          </p:cNvPr>
+          <p:cNvPicPr>
+            <a:picLocks noChangeAspect="1"/>
+          </p:cNvPicPr>
+          <p:nvPr/>
+        </p:nvPicPr>
+        <p:blipFill>
+          <a:blip r:embed="rId2">
+            <a:extLst>
+              <a:ext uri="{28A0092B-C50C-407E-A947-70E740481C1C}">
+                <a14:useLocalDpi xmlns:a14="http://schemas.microsoft.com/office/drawing/2010/main" val="0"/>
+              </a:ext>
+            </a:extLst>
+          </a:blip>
+          <a:stretch>
+            <a:fillRect/>
+          </a:stretch>
+        </p:blipFill>
+        <p:spPr>
+          <a:xfrm>
+            <a:off x="1038945" y="0"/>
+            <a:ext cx="10114109" cy="6858000"/>
+          </a:xfrm>
+          <a:prstGeom prst="rect">
+            <a:avLst/>
+          </a:prstGeom>
+        </p:spPr>
+      </p:pic>
+    </p:spTree>
+    <p:extLst>
+      <p:ext uri="{BB962C8B-B14F-4D97-AF65-F5344CB8AC3E}">
+        <p14:creationId xmlns:p14="http://schemas.microsoft.com/office/powerpoint/2010/main" val="3447369500"/>
+      </p:ext>
+    </p:extLst>
+  </p:cSld>
+  <p:clrMapOvr>
+    <a:masterClrMapping/>
+  </p:clrMapOvr>
+</p:sld>
+</file>
+
+<file path=ppt/slides/slide35.xml><?xml version="1.0" encoding="utf-8"?>
+<p:sld xmlns:a="http://schemas.openxmlformats.org/drawingml/2006/main" xmlns:r="http://schemas.openxmlformats.org/officeDocument/2006/relationships" xmlns:p="http://schemas.openxmlformats.org/presentationml/2006/main">
+  <p:cSld>
+    <p:spTree>
+      <p:nvGrpSpPr>
+        <p:cNvPr id="1" name=""/>
+        <p:cNvGrpSpPr/>
+        <p:nvPr/>
+      </p:nvGrpSpPr>
+      <p:grpSpPr>
+        <a:xfrm>
+          <a:off x="0" y="0"/>
+          <a:ext cx="0" cy="0"/>
+          <a:chOff x="0" y="0"/>
+          <a:chExt cx="0" cy="0"/>
+        </a:xfrm>
+      </p:grpSpPr>
+      <p:pic>
+        <p:nvPicPr>
+          <p:cNvPr id="3" name="Picture 2" descr="A close up of a map&#10;&#10;Description automatically generated">
+            <a:extLst>
+              <a:ext uri="{FF2B5EF4-FFF2-40B4-BE49-F238E27FC236}">
+                <a16:creationId xmlns:a16="http://schemas.microsoft.com/office/drawing/2014/main" id="{7D3BF0B0-0C20-42CE-9AF4-C606398C9944}"/>
+              </a:ext>
+            </a:extLst>
+          </p:cNvPr>
+          <p:cNvPicPr>
+            <a:picLocks noChangeAspect="1"/>
+          </p:cNvPicPr>
+          <p:nvPr/>
+        </p:nvPicPr>
+        <p:blipFill>
+          <a:blip r:embed="rId2">
+            <a:extLst>
+              <a:ext uri="{28A0092B-C50C-407E-A947-70E740481C1C}">
+                <a14:useLocalDpi xmlns:a14="http://schemas.microsoft.com/office/drawing/2010/main" val="0"/>
+              </a:ext>
+            </a:extLst>
+          </a:blip>
+          <a:stretch>
+            <a:fillRect/>
+          </a:stretch>
+        </p:blipFill>
+        <p:spPr>
+          <a:xfrm>
+            <a:off x="1038945" y="0"/>
+            <a:ext cx="10114109" cy="6858000"/>
+          </a:xfrm>
+          <a:prstGeom prst="rect">
+            <a:avLst/>
+          </a:prstGeom>
+        </p:spPr>
+      </p:pic>
+      <p:sp>
+        <p:nvSpPr>
+          <p:cNvPr id="2" name="TextBox 1">
+            <a:extLst>
+              <a:ext uri="{FF2B5EF4-FFF2-40B4-BE49-F238E27FC236}">
+                <a16:creationId xmlns:a16="http://schemas.microsoft.com/office/drawing/2014/main" id="{FEA31A86-DB23-4F17-B4A0-85C4DDB7912A}"/>
+              </a:ext>
+            </a:extLst>
+          </p:cNvPr>
+          <p:cNvSpPr txBox="1"/>
+          <p:nvPr/>
+        </p:nvSpPr>
+        <p:spPr>
+          <a:xfrm>
+            <a:off x="5016617" y="3020037"/>
+            <a:ext cx="4102217" cy="1200329"/>
+          </a:xfrm>
+          <a:prstGeom prst="rect">
+            <a:avLst/>
+          </a:prstGeom>
+          <a:solidFill>
+            <a:schemeClr val="bg1"/>
+          </a:solidFill>
+        </p:spPr>
+        <p:txBody>
+          <a:bodyPr wrap="square" rtlCol="0">
+            <a:spAutoFit/>
+          </a:bodyPr>
+          <a:lstStyle/>
+          <a:p>
+            <a:r>
+              <a:rPr lang="en-GB" dirty="0"/>
+              <a:t>There is no need to look at higher order than a linear fit with this trend, especially due to the lack of data points increasing the chances of overfitting. </a:t>
+            </a:r>
+          </a:p>
+        </p:txBody>
+      </p:sp>
+    </p:spTree>
+    <p:extLst>
+      <p:ext uri="{BB962C8B-B14F-4D97-AF65-F5344CB8AC3E}">
+        <p14:creationId xmlns:p14="http://schemas.microsoft.com/office/powerpoint/2010/main" val="2788930886"/>
+      </p:ext>
+    </p:extLst>
+  </p:cSld>
+  <p:clrMapOvr>
+    <a:masterClrMapping/>
+  </p:clrMapOvr>
+</p:sld>
+</file>
+
+<file path=ppt/slides/slide36.xml><?xml version="1.0" encoding="utf-8"?>
+<p:sld xmlns:a="http://schemas.openxmlformats.org/drawingml/2006/main" xmlns:r="http://schemas.openxmlformats.org/officeDocument/2006/relationships" xmlns:p="http://schemas.openxmlformats.org/presentationml/2006/main">
+  <p:cSld>
+    <p:spTree>
+      <p:nvGrpSpPr>
+        <p:cNvPr id="1" name=""/>
+        <p:cNvGrpSpPr/>
+        <p:nvPr/>
+      </p:nvGrpSpPr>
+      <p:grpSpPr>
+        <a:xfrm>
+          <a:off x="0" y="0"/>
+          <a:ext cx="0" cy="0"/>
+          <a:chOff x="0" y="0"/>
+          <a:chExt cx="0" cy="0"/>
+        </a:xfrm>
+      </p:grpSpPr>
+      <p:sp>
+        <p:nvSpPr>
+          <p:cNvPr id="2" name="Title 1">
+            <a:extLst>
+              <a:ext uri="{FF2B5EF4-FFF2-40B4-BE49-F238E27FC236}">
+                <a16:creationId xmlns:a16="http://schemas.microsoft.com/office/drawing/2014/main" id="{78140A36-B8B4-45EB-88EB-AE54A3EBA06B}"/>
+              </a:ext>
+            </a:extLst>
+          </p:cNvPr>
+          <p:cNvSpPr>
+            <a:spLocks noGrp="1"/>
+          </p:cNvSpPr>
+          <p:nvPr>
+            <p:ph type="title"/>
+          </p:nvPr>
+        </p:nvSpPr>
+        <p:spPr/>
+        <p:txBody>
+          <a:bodyPr/>
+          <a:lstStyle/>
+          <a:p>
+            <a:r>
+              <a:rPr lang="en-GB" dirty="0"/>
+              <a:t>Some other interesting stats. . . </a:t>
+            </a:r>
+          </a:p>
+        </p:txBody>
+      </p:sp>
+      <p:sp>
+        <p:nvSpPr>
+          <p:cNvPr id="3" name="Content Placeholder 2">
+            <a:extLst>
+              <a:ext uri="{FF2B5EF4-FFF2-40B4-BE49-F238E27FC236}">
+                <a16:creationId xmlns:a16="http://schemas.microsoft.com/office/drawing/2014/main" id="{869C1753-7B55-4CA2-9160-D1CBABA9CECE}"/>
+              </a:ext>
+            </a:extLst>
+          </p:cNvPr>
+          <p:cNvSpPr>
+            <a:spLocks noGrp="1"/>
+          </p:cNvSpPr>
+          <p:nvPr>
+            <p:ph idx="1"/>
+          </p:nvPr>
+        </p:nvSpPr>
+        <p:spPr/>
+        <p:txBody>
+          <a:bodyPr/>
+          <a:lstStyle/>
+          <a:p>
+            <a:r>
+              <a:rPr lang="en-GB" dirty="0"/>
+              <a:t>Difference between slowest and quickest 10k run: </a:t>
+            </a:r>
+            <a:r>
+              <a:rPr lang="en-GB" b="1" dirty="0"/>
+              <a:t>10 minutes and 35 seconds</a:t>
+            </a:r>
+          </a:p>
+          <a:p>
+            <a:r>
+              <a:rPr lang="en-GB" dirty="0"/>
+              <a:t>Difference between earliest and latest date: </a:t>
+            </a:r>
+            <a:r>
+              <a:rPr lang="en-GB" b="1" dirty="0"/>
+              <a:t>5 minutes and 21 seconds</a:t>
+            </a:r>
+          </a:p>
+          <a:p>
+            <a:r>
+              <a:rPr lang="en-GB" dirty="0"/>
+              <a:t>10k PB is: </a:t>
+            </a:r>
+            <a:r>
+              <a:rPr lang="en-GB" b="1" dirty="0"/>
+              <a:t>1 Hour, 10minutes and 3 seconds</a:t>
+            </a:r>
+          </a:p>
+        </p:txBody>
+      </p:sp>
+    </p:spTree>
+    <p:extLst>
+      <p:ext uri="{BB962C8B-B14F-4D97-AF65-F5344CB8AC3E}">
+        <p14:creationId xmlns:p14="http://schemas.microsoft.com/office/powerpoint/2010/main" val="3331324030"/>
+      </p:ext>
+    </p:extLst>
+  </p:cSld>
+  <p:clrMapOvr>
+    <a:masterClrMapping/>
+  </p:clrMapOvr>
+</p:sld>
+</file>
+
+<file path=ppt/slides/slide37.xml><?xml version="1.0" encoding="utf-8"?>
+<p:sld xmlns:a="http://schemas.openxmlformats.org/drawingml/2006/main" xmlns:r="http://schemas.openxmlformats.org/officeDocument/2006/relationships" xmlns:p="http://schemas.openxmlformats.org/presentationml/2006/main">
+  <p:cSld>
+    <p:spTree>
+      <p:nvGrpSpPr>
+        <p:cNvPr id="1" name=""/>
+        <p:cNvGrpSpPr/>
+        <p:nvPr/>
+      </p:nvGrpSpPr>
+      <p:grpSpPr>
+        <a:xfrm>
+          <a:off x="0" y="0"/>
+          <a:ext cx="0" cy="0"/>
+          <a:chOff x="0" y="0"/>
+          <a:chExt cx="0" cy="0"/>
+        </a:xfrm>
+      </p:grpSpPr>
+      <p:sp>
+        <p:nvSpPr>
+          <p:cNvPr id="2" name="Title 1">
+            <a:extLst>
+              <a:ext uri="{FF2B5EF4-FFF2-40B4-BE49-F238E27FC236}">
+                <a16:creationId xmlns:a16="http://schemas.microsoft.com/office/drawing/2014/main" id="{0C7E1DFF-F7A0-44F6-BD06-6BBEE32EF127}"/>
+              </a:ext>
+            </a:extLst>
+          </p:cNvPr>
+          <p:cNvSpPr>
+            <a:spLocks noGrp="1"/>
+          </p:cNvSpPr>
+          <p:nvPr>
+            <p:ph type="title"/>
+          </p:nvPr>
+        </p:nvSpPr>
+        <p:spPr/>
+        <p:txBody>
+          <a:bodyPr/>
+          <a:lstStyle/>
+          <a:p>
+            <a:r>
+              <a:rPr lang="en-GB" dirty="0"/>
+              <a:t>Conclusions</a:t>
+            </a:r>
+          </a:p>
+        </p:txBody>
+      </p:sp>
+      <p:sp>
+        <p:nvSpPr>
+          <p:cNvPr id="3" name="Content Placeholder 2">
+            <a:extLst>
+              <a:ext uri="{FF2B5EF4-FFF2-40B4-BE49-F238E27FC236}">
+                <a16:creationId xmlns:a16="http://schemas.microsoft.com/office/drawing/2014/main" id="{E4908759-7A35-4432-B741-EB06150559D8}"/>
+              </a:ext>
+            </a:extLst>
+          </p:cNvPr>
+          <p:cNvSpPr>
+            <a:spLocks noGrp="1"/>
+          </p:cNvSpPr>
+          <p:nvPr>
+            <p:ph idx="1"/>
+          </p:nvPr>
+        </p:nvSpPr>
+        <p:spPr/>
+        <p:txBody>
+          <a:bodyPr/>
+          <a:lstStyle/>
+          <a:p>
+            <a:r>
+              <a:rPr lang="en-GB" dirty="0"/>
+              <a:t>The data shows few surprises. </a:t>
+            </a:r>
+          </a:p>
+          <a:p>
+            <a:r>
+              <a:rPr lang="en-GB" dirty="0"/>
+              <a:t>Both 5k and 10k runs show quicker times the later the run has been done indicating significant improvement! </a:t>
+            </a:r>
+          </a:p>
+          <a:p>
+            <a:r>
+              <a:rPr lang="en-GB" dirty="0"/>
+              <a:t>Could future times be predicted using machine learning methodology? </a:t>
+            </a:r>
+          </a:p>
+          <a:p>
+            <a:r>
+              <a:rPr lang="en-GB" dirty="0"/>
+              <a:t>Which features would be useful in estimating future times? </a:t>
+            </a:r>
+          </a:p>
+          <a:p>
+            <a:r>
+              <a:rPr lang="en-GB" dirty="0"/>
+              <a:t>Is there more data available? </a:t>
+            </a:r>
+          </a:p>
+          <a:p>
+            <a:r>
+              <a:rPr lang="en-GB" dirty="0"/>
+              <a:t>What other relationships exist other than in relation to time? Calories? </a:t>
+            </a:r>
+          </a:p>
+        </p:txBody>
+      </p:sp>
+    </p:spTree>
+    <p:extLst>
+      <p:ext uri="{BB962C8B-B14F-4D97-AF65-F5344CB8AC3E}">
+        <p14:creationId xmlns:p14="http://schemas.microsoft.com/office/powerpoint/2010/main" val="213070493"/>
       </p:ext>
     </p:extLst>
   </p:cSld>
@@ -7311,7 +9625,7 @@
           <p:cNvPr id="2" name="Title 1">
             <a:extLst>
               <a:ext uri="{FF2B5EF4-FFF2-40B4-BE49-F238E27FC236}">
-                <a16:creationId xmlns:a16="http://schemas.microsoft.com/office/drawing/2014/main" id="{854C52A5-9E9A-44D7-B12E-0FD122D8A7A3}"/>
+                <a16:creationId xmlns:a16="http://schemas.microsoft.com/office/drawing/2014/main" id="{74E9F826-5C6E-4474-BE7E-DEC7BF10A7D7}"/>
               </a:ext>
             </a:extLst>
           </p:cNvPr>
@@ -7329,7 +9643,7 @@
           <a:p>
             <a:r>
               <a:rPr lang="en-GB" dirty="0"/>
-              <a:t>Introduction</a:t>
+              <a:t>Contents</a:t>
             </a:r>
           </a:p>
         </p:txBody>
@@ -7339,7 +9653,7 @@
           <p:cNvPr id="3" name="Content Placeholder 2">
             <a:extLst>
               <a:ext uri="{FF2B5EF4-FFF2-40B4-BE49-F238E27FC236}">
-                <a16:creationId xmlns:a16="http://schemas.microsoft.com/office/drawing/2014/main" id="{5485ED19-43AA-4F1C-B23F-3D5812474831}"/>
+                <a16:creationId xmlns:a16="http://schemas.microsoft.com/office/drawing/2014/main" id="{6507AB12-866C-4630-8EBA-A96761B739A0}"/>
               </a:ext>
             </a:extLst>
           </p:cNvPr>
@@ -7355,14 +9669,61 @@
           <a:bodyPr/>
           <a:lstStyle/>
           <a:p>
-            <a:endParaRPr lang="en-GB"/>
+            <a:pPr marL="514350" indent="-514350">
+              <a:buFont typeface="+mj-lt"/>
+              <a:buAutoNum type="arabicPeriod"/>
+            </a:pPr>
+            <a:r>
+              <a:rPr lang="en-GB" dirty="0"/>
+              <a:t>Introduction</a:t>
+            </a:r>
+          </a:p>
+          <a:p>
+            <a:pPr marL="514350" indent="-514350">
+              <a:buFont typeface="+mj-lt"/>
+              <a:buAutoNum type="arabicPeriod"/>
+            </a:pPr>
+            <a:r>
+              <a:rPr lang="en-GB" b="1" dirty="0"/>
+              <a:t>First Impressions</a:t>
+            </a:r>
+          </a:p>
+          <a:p>
+            <a:pPr marL="514350" indent="-514350">
+              <a:buFont typeface="+mj-lt"/>
+              <a:buAutoNum type="arabicPeriod"/>
+            </a:pPr>
+            <a:r>
+              <a:rPr lang="en-GB" dirty="0"/>
+              <a:t>5k Data</a:t>
+            </a:r>
+          </a:p>
+          <a:p>
+            <a:pPr marL="514350" indent="-514350">
+              <a:buFont typeface="+mj-lt"/>
+              <a:buAutoNum type="arabicPeriod"/>
+            </a:pPr>
+            <a:r>
+              <a:rPr lang="en-GB" dirty="0"/>
+              <a:t>10k Data</a:t>
+            </a:r>
+          </a:p>
+          <a:p>
+            <a:pPr marL="514350" indent="-514350">
+              <a:buFont typeface="+mj-lt"/>
+              <a:buAutoNum type="arabicPeriod"/>
+            </a:pPr>
+            <a:r>
+              <a:rPr lang="en-GB" dirty="0"/>
+              <a:t>Conclusion</a:t>
+            </a:r>
           </a:p>
         </p:txBody>
       </p:sp>
     </p:spTree>
     <p:extLst>
       <p:ext uri="{BB962C8B-B14F-4D97-AF65-F5344CB8AC3E}">
-        <p14:creationId xmlns:p14="http://schemas.microsoft.com/office/powerpoint/2010/main" val="1513206591"/>
+        <p14:creationId xmlns:p14="http://schemas.microsoft.com/office/powerpoint/2010/main" val="2039197248"/>
       </p:ext>
     </p:extLst>
   </p:cSld>
@@ -7436,11 +9797,13 @@
         <p:spPr>
           <a:xfrm>
             <a:off x="838200" y="1825625"/>
-            <a:ext cx="8664559" cy="4351338"/>
-          </a:xfrm>
-        </p:spPr>
-        <p:txBody>
-          <a:bodyPr/>
+            <a:ext cx="7617903" cy="4351338"/>
+          </a:xfrm>
+        </p:spPr>
+        <p:txBody>
+          <a:bodyPr>
+            <a:normAutofit fontScale="77500" lnSpcReduction="20000"/>
+          </a:bodyPr>
           <a:lstStyle/>
           <a:p>
             <a:r>
@@ -7476,6 +9839,23 @@
             <a:r>
               <a:rPr lang="en-GB" dirty="0"/>
               <a:t>Dates: 03/12/2017 – 30/07/2019</a:t>
+            </a:r>
+          </a:p>
+          <a:p>
+            <a:endParaRPr lang="en-GB" dirty="0"/>
+          </a:p>
+          <a:p>
+            <a:r>
+              <a:rPr lang="en-GB" dirty="0"/>
+              <a:t>Note: A feature often seen on the y axis of plots is ‘</a:t>
+            </a:r>
+            <a:r>
+              <a:rPr lang="en-GB" dirty="0" err="1"/>
+              <a:t>Time_dec_min</a:t>
+            </a:r>
+            <a:r>
+              <a:rPr lang="en-GB" dirty="0"/>
+              <a:t>’. This is short hand for decimal minutes. Time was recorded in an awkward format so was converted to decimal minutes, e.g. 2:30 minutes would be 2.5 minutes. This is a little confusing but as we are generally looking at things on a scale of multiple minutes, it should not be a problem. </a:t>
             </a:r>
           </a:p>
           <a:p>

--- a/Data_Summary.pptx
+++ b/Data_Summary.pptx
@@ -42,6 +42,7 @@
     <p:sldId id="290" r:id="rId36"/>
     <p:sldId id="294" r:id="rId37"/>
     <p:sldId id="295" r:id="rId38"/>
+    <p:sldId id="296" r:id="rId39"/>
   </p:sldIdLst>
   <p:sldSz cx="12192000" cy="6858000"/>
   <p:notesSz cx="6858000" cy="9144000"/>
@@ -6977,7 +6978,7 @@
           <a:p>
             <a:r>
               <a:rPr lang="en-GB" dirty="0"/>
-              <a:t>Some other interesting stats. . . </a:t>
+              <a:t>Some other interesting stats. . . (5km) </a:t>
             </a:r>
           </a:p>
         </p:txBody>
@@ -9417,7 +9418,7 @@
           <a:p>
             <a:r>
               <a:rPr lang="en-GB" dirty="0"/>
-              <a:t>Some other interesting stats. . . </a:t>
+              <a:t>Some other interesting stats. . . (10km) </a:t>
             </a:r>
           </a:p>
         </p:txBody>
@@ -9594,6 +9595,124 @@
     <p:extLst>
       <p:ext uri="{BB962C8B-B14F-4D97-AF65-F5344CB8AC3E}">
         <p14:creationId xmlns:p14="http://schemas.microsoft.com/office/powerpoint/2010/main" val="213070493"/>
+      </p:ext>
+    </p:extLst>
+  </p:cSld>
+  <p:clrMapOvr>
+    <a:masterClrMapping/>
+  </p:clrMapOvr>
+</p:sld>
+</file>
+
+<file path=ppt/slides/slide38.xml><?xml version="1.0" encoding="utf-8"?>
+<p:sld xmlns:a="http://schemas.openxmlformats.org/drawingml/2006/main" xmlns:r="http://schemas.openxmlformats.org/officeDocument/2006/relationships" xmlns:p="http://schemas.openxmlformats.org/presentationml/2006/main">
+  <p:cSld>
+    <p:spTree>
+      <p:nvGrpSpPr>
+        <p:cNvPr id="1" name=""/>
+        <p:cNvGrpSpPr/>
+        <p:nvPr/>
+      </p:nvGrpSpPr>
+      <p:grpSpPr>
+        <a:xfrm>
+          <a:off x="0" y="0"/>
+          <a:ext cx="0" cy="0"/>
+          <a:chOff x="0" y="0"/>
+          <a:chExt cx="0" cy="0"/>
+        </a:xfrm>
+      </p:grpSpPr>
+      <p:sp>
+        <p:nvSpPr>
+          <p:cNvPr id="2" name="Title 1">
+            <a:extLst>
+              <a:ext uri="{FF2B5EF4-FFF2-40B4-BE49-F238E27FC236}">
+                <a16:creationId xmlns:a16="http://schemas.microsoft.com/office/drawing/2014/main" id="{E2C0C0F8-A11F-4880-89E2-CAE3E00D392D}"/>
+              </a:ext>
+            </a:extLst>
+          </p:cNvPr>
+          <p:cNvSpPr>
+            <a:spLocks noGrp="1"/>
+          </p:cNvSpPr>
+          <p:nvPr>
+            <p:ph type="title"/>
+          </p:nvPr>
+        </p:nvSpPr>
+        <p:spPr/>
+        <p:txBody>
+          <a:bodyPr/>
+          <a:lstStyle/>
+          <a:p>
+            <a:r>
+              <a:rPr lang="en-GB" dirty="0"/>
+              <a:t>Finally. . . </a:t>
+            </a:r>
+          </a:p>
+        </p:txBody>
+      </p:sp>
+      <p:sp>
+        <p:nvSpPr>
+          <p:cNvPr id="3" name="Content Placeholder 2">
+            <a:extLst>
+              <a:ext uri="{FF2B5EF4-FFF2-40B4-BE49-F238E27FC236}">
+                <a16:creationId xmlns:a16="http://schemas.microsoft.com/office/drawing/2014/main" id="{671E8D2A-9D4A-4DD9-B759-92B17ABD3153}"/>
+              </a:ext>
+            </a:extLst>
+          </p:cNvPr>
+          <p:cNvSpPr>
+            <a:spLocks noGrp="1"/>
+          </p:cNvSpPr>
+          <p:nvPr>
+            <p:ph idx="1"/>
+          </p:nvPr>
+        </p:nvSpPr>
+        <p:spPr/>
+        <p:txBody>
+          <a:bodyPr/>
+          <a:lstStyle/>
+          <a:p>
+            <a:r>
+              <a:rPr lang="en-GB" dirty="0"/>
+              <a:t>You ran 1379.65 kms for a total time of 171:35:33 (</a:t>
+            </a:r>
+            <a:r>
+              <a:rPr lang="en-GB" dirty="0" err="1"/>
+              <a:t>hh:mm:ss</a:t>
+            </a:r>
+            <a:r>
+              <a:rPr lang="en-GB" dirty="0"/>
+              <a:t>) (over 7 days of running!!), over 603 days, burning </a:t>
+            </a:r>
+            <a:r>
+              <a:rPr lang="en-GB"/>
+              <a:t>146646 calories </a:t>
+            </a:r>
+            <a:r>
+              <a:rPr lang="en-GB" dirty="0"/>
+              <a:t>between the 03/12/12 – 30/07/19. </a:t>
+            </a:r>
+          </a:p>
+          <a:p>
+            <a:endParaRPr lang="en-GB" dirty="0"/>
+          </a:p>
+          <a:p>
+            <a:r>
+              <a:rPr lang="en-GB" dirty="0"/>
+              <a:t>WELL DONE! </a:t>
+            </a:r>
+            <a:r>
+              <a:rPr lang="en-GB" dirty="0">
+                <a:sym typeface="Wingdings" panose="05000000000000000000" pitchFamily="2" charset="2"/>
+              </a:rPr>
+              <a:t></a:t>
+            </a:r>
+            <a:endParaRPr lang="en-GB" dirty="0"/>
+          </a:p>
+        </p:txBody>
+      </p:sp>
+    </p:spTree>
+    <p:extLst>
+      <p:ext uri="{BB962C8B-B14F-4D97-AF65-F5344CB8AC3E}">
+        <p14:creationId xmlns:p14="http://schemas.microsoft.com/office/powerpoint/2010/main" val="886234964"/>
       </p:ext>
     </p:extLst>
   </p:cSld>
